--- a/DOCS/Projektarbeit-2014-03-21.pptx
+++ b/DOCS/Projektarbeit-2014-03-21.pptx
@@ -5,12 +5,13 @@
     <p:sldMasterId id="2147483648" r:id="rId1"/>
   </p:sldMasterIdLst>
   <p:notesMasterIdLst>
-    <p:notesMasterId r:id="rId5"/>
+    <p:notesMasterId r:id="rId6"/>
   </p:notesMasterIdLst>
   <p:sldIdLst>
     <p:sldId id="256" r:id="rId2"/>
     <p:sldId id="272" r:id="rId3"/>
     <p:sldId id="274" r:id="rId4"/>
+    <p:sldId id="275" r:id="rId5"/>
   </p:sldIdLst>
   <p:sldSz cx="12801600" cy="9601200" type="A3"/>
   <p:notesSz cx="6797675" cy="9926638"/>
@@ -194,7 +195,7 @@
           <a:p>
             <a:fld id="{85D3FC62-E30B-42A0-92D7-72EB9B604F79}" type="datetimeFigureOut">
               <a:rPr lang="de-DE" smtClean="0"/>
-              <a:t>27.03.2014</a:t>
+              <a:t>04.04.2014</a:t>
             </a:fld>
             <a:endParaRPr lang="de-DE" dirty="0"/>
           </a:p>
@@ -643,7 +644,7 @@
           <a:p>
             <a:fld id="{7433C20E-6825-4410-AA39-1AC6AC55EBFB}" type="datetimeFigureOut">
               <a:rPr lang="de-DE" smtClean="0"/>
-              <a:t>27.03.2014</a:t>
+              <a:t>04.04.2014</a:t>
             </a:fld>
             <a:endParaRPr lang="de-DE" dirty="0"/>
           </a:p>
@@ -813,7 +814,7 @@
           <a:p>
             <a:fld id="{7433C20E-6825-4410-AA39-1AC6AC55EBFB}" type="datetimeFigureOut">
               <a:rPr lang="de-DE" smtClean="0"/>
-              <a:t>27.03.2014</a:t>
+              <a:t>04.04.2014</a:t>
             </a:fld>
             <a:endParaRPr lang="de-DE" dirty="0"/>
           </a:p>
@@ -993,7 +994,7 @@
           <a:p>
             <a:fld id="{7433C20E-6825-4410-AA39-1AC6AC55EBFB}" type="datetimeFigureOut">
               <a:rPr lang="de-DE" smtClean="0"/>
-              <a:t>27.03.2014</a:t>
+              <a:t>04.04.2014</a:t>
             </a:fld>
             <a:endParaRPr lang="de-DE" dirty="0"/>
           </a:p>
@@ -1163,7 +1164,7 @@
           <a:p>
             <a:fld id="{7433C20E-6825-4410-AA39-1AC6AC55EBFB}" type="datetimeFigureOut">
               <a:rPr lang="de-DE" smtClean="0"/>
-              <a:t>27.03.2014</a:t>
+              <a:t>04.04.2014</a:t>
             </a:fld>
             <a:endParaRPr lang="de-DE" dirty="0"/>
           </a:p>
@@ -1409,7 +1410,7 @@
           <a:p>
             <a:fld id="{7433C20E-6825-4410-AA39-1AC6AC55EBFB}" type="datetimeFigureOut">
               <a:rPr lang="de-DE" smtClean="0"/>
-              <a:t>27.03.2014</a:t>
+              <a:t>04.04.2014</a:t>
             </a:fld>
             <a:endParaRPr lang="de-DE" dirty="0"/>
           </a:p>
@@ -1697,7 +1698,7 @@
           <a:p>
             <a:fld id="{7433C20E-6825-4410-AA39-1AC6AC55EBFB}" type="datetimeFigureOut">
               <a:rPr lang="de-DE" smtClean="0"/>
-              <a:t>27.03.2014</a:t>
+              <a:t>04.04.2014</a:t>
             </a:fld>
             <a:endParaRPr lang="de-DE" dirty="0"/>
           </a:p>
@@ -2124,7 +2125,7 @@
           <a:p>
             <a:fld id="{7433C20E-6825-4410-AA39-1AC6AC55EBFB}" type="datetimeFigureOut">
               <a:rPr lang="de-DE" smtClean="0"/>
-              <a:t>27.03.2014</a:t>
+              <a:t>04.04.2014</a:t>
             </a:fld>
             <a:endParaRPr lang="de-DE" dirty="0"/>
           </a:p>
@@ -2242,7 +2243,7 @@
           <a:p>
             <a:fld id="{7433C20E-6825-4410-AA39-1AC6AC55EBFB}" type="datetimeFigureOut">
               <a:rPr lang="de-DE" smtClean="0"/>
-              <a:t>27.03.2014</a:t>
+              <a:t>04.04.2014</a:t>
             </a:fld>
             <a:endParaRPr lang="de-DE" dirty="0"/>
           </a:p>
@@ -2337,7 +2338,7 @@
           <a:p>
             <a:fld id="{7433C20E-6825-4410-AA39-1AC6AC55EBFB}" type="datetimeFigureOut">
               <a:rPr lang="de-DE" smtClean="0"/>
-              <a:t>27.03.2014</a:t>
+              <a:t>04.04.2014</a:t>
             </a:fld>
             <a:endParaRPr lang="de-DE" dirty="0"/>
           </a:p>
@@ -2614,7 +2615,7 @@
           <a:p>
             <a:fld id="{7433C20E-6825-4410-AA39-1AC6AC55EBFB}" type="datetimeFigureOut">
               <a:rPr lang="de-DE" smtClean="0"/>
-              <a:t>27.03.2014</a:t>
+              <a:t>04.04.2014</a:t>
             </a:fld>
             <a:endParaRPr lang="de-DE" dirty="0"/>
           </a:p>
@@ -2867,7 +2868,7 @@
           <a:p>
             <a:fld id="{7433C20E-6825-4410-AA39-1AC6AC55EBFB}" type="datetimeFigureOut">
               <a:rPr lang="de-DE" smtClean="0"/>
-              <a:t>27.03.2014</a:t>
+              <a:t>04.04.2014</a:t>
             </a:fld>
             <a:endParaRPr lang="de-DE" dirty="0"/>
           </a:p>
@@ -3080,7 +3081,7 @@
           <a:p>
             <a:fld id="{7433C20E-6825-4410-AA39-1AC6AC55EBFB}" type="datetimeFigureOut">
               <a:rPr lang="de-DE" smtClean="0"/>
-              <a:t>27.03.2014</a:t>
+              <a:t>04.04.2014</a:t>
             </a:fld>
             <a:endParaRPr lang="de-DE" dirty="0"/>
           </a:p>
@@ -11645,6 +11646,1730 @@
 </p:sld>
 </file>
 
+<file path=ppt/slides/slide4.xml><?xml version="1.0" encoding="utf-8"?>
+<p:sld xmlns:a="http://schemas.openxmlformats.org/drawingml/2006/main" xmlns:r="http://schemas.openxmlformats.org/officeDocument/2006/relationships" xmlns:p="http://schemas.openxmlformats.org/presentationml/2006/main">
+  <p:cSld>
+    <p:spTree>
+      <p:nvGrpSpPr>
+        <p:cNvPr id="1" name=""/>
+        <p:cNvGrpSpPr/>
+        <p:nvPr/>
+      </p:nvGrpSpPr>
+      <p:grpSpPr>
+        <a:xfrm>
+          <a:off x="0" y="0"/>
+          <a:ext cx="0" cy="0"/>
+          <a:chOff x="0" y="0"/>
+          <a:chExt cx="0" cy="0"/>
+        </a:xfrm>
+      </p:grpSpPr>
+      <p:sp>
+        <p:nvSpPr>
+          <p:cNvPr id="6" name="Abgerundetes Rechteck 5"/>
+          <p:cNvSpPr/>
+          <p:nvPr/>
+        </p:nvSpPr>
+        <p:spPr>
+          <a:xfrm>
+            <a:off x="4240560" y="2424336"/>
+            <a:ext cx="1260000" cy="576000"/>
+          </a:xfrm>
+          <a:prstGeom prst="roundRect">
+            <a:avLst/>
+          </a:prstGeom>
+        </p:spPr>
+        <p:style>
+          <a:lnRef idx="1">
+            <a:schemeClr val="accent1"/>
+          </a:lnRef>
+          <a:fillRef idx="2">
+            <a:schemeClr val="accent1"/>
+          </a:fillRef>
+          <a:effectRef idx="1">
+            <a:schemeClr val="accent1"/>
+          </a:effectRef>
+          <a:fontRef idx="minor">
+            <a:schemeClr val="dk1"/>
+          </a:fontRef>
+        </p:style>
+        <p:txBody>
+          <a:bodyPr rot="0" spcFirstLastPara="0" vert="horz" wrap="square" lIns="91420" tIns="45710" rIns="91420" bIns="45710" numCol="1" spcCol="0" rtlCol="0" fromWordArt="0" anchor="ctr" anchorCtr="0" forceAA="0" compatLnSpc="1">
+            <a:prstTxWarp prst="textNoShape">
+              <a:avLst/>
+            </a:prstTxWarp>
+            <a:noAutofit/>
+          </a:bodyPr>
+          <a:lstStyle>
+            <a:lvl1pPr marL="0" indent="0">
+              <a:defRPr sz="1100">
+                <a:solidFill>
+                  <a:schemeClr val="dk1"/>
+                </a:solidFill>
+                <a:latin typeface="+mn-lt"/>
+                <a:ea typeface="+mn-ea"/>
+                <a:cs typeface="+mn-cs"/>
+              </a:defRPr>
+            </a:lvl1pPr>
+            <a:lvl2pPr marL="457200" indent="0">
+              <a:defRPr sz="1100">
+                <a:solidFill>
+                  <a:schemeClr val="dk1"/>
+                </a:solidFill>
+                <a:latin typeface="+mn-lt"/>
+                <a:ea typeface="+mn-ea"/>
+                <a:cs typeface="+mn-cs"/>
+              </a:defRPr>
+            </a:lvl2pPr>
+            <a:lvl3pPr marL="914400" indent="0">
+              <a:defRPr sz="1100">
+                <a:solidFill>
+                  <a:schemeClr val="dk1"/>
+                </a:solidFill>
+                <a:latin typeface="+mn-lt"/>
+                <a:ea typeface="+mn-ea"/>
+                <a:cs typeface="+mn-cs"/>
+              </a:defRPr>
+            </a:lvl3pPr>
+            <a:lvl4pPr marL="1371600" indent="0">
+              <a:defRPr sz="1100">
+                <a:solidFill>
+                  <a:schemeClr val="dk1"/>
+                </a:solidFill>
+                <a:latin typeface="+mn-lt"/>
+                <a:ea typeface="+mn-ea"/>
+                <a:cs typeface="+mn-cs"/>
+              </a:defRPr>
+            </a:lvl4pPr>
+            <a:lvl5pPr marL="1828800" indent="0">
+              <a:defRPr sz="1100">
+                <a:solidFill>
+                  <a:schemeClr val="dk1"/>
+                </a:solidFill>
+                <a:latin typeface="+mn-lt"/>
+                <a:ea typeface="+mn-ea"/>
+                <a:cs typeface="+mn-cs"/>
+              </a:defRPr>
+            </a:lvl5pPr>
+            <a:lvl6pPr marL="2286000" indent="0">
+              <a:defRPr sz="1100">
+                <a:solidFill>
+                  <a:schemeClr val="dk1"/>
+                </a:solidFill>
+                <a:latin typeface="+mn-lt"/>
+                <a:ea typeface="+mn-ea"/>
+                <a:cs typeface="+mn-cs"/>
+              </a:defRPr>
+            </a:lvl6pPr>
+            <a:lvl7pPr marL="2743200" indent="0">
+              <a:defRPr sz="1100">
+                <a:solidFill>
+                  <a:schemeClr val="dk1"/>
+                </a:solidFill>
+                <a:latin typeface="+mn-lt"/>
+                <a:ea typeface="+mn-ea"/>
+                <a:cs typeface="+mn-cs"/>
+              </a:defRPr>
+            </a:lvl7pPr>
+            <a:lvl8pPr marL="3200400" indent="0">
+              <a:defRPr sz="1100">
+                <a:solidFill>
+                  <a:schemeClr val="dk1"/>
+                </a:solidFill>
+                <a:latin typeface="+mn-lt"/>
+                <a:ea typeface="+mn-ea"/>
+                <a:cs typeface="+mn-cs"/>
+              </a:defRPr>
+            </a:lvl8pPr>
+            <a:lvl9pPr marL="3657600" indent="0">
+              <a:defRPr sz="1100">
+                <a:solidFill>
+                  <a:schemeClr val="dk1"/>
+                </a:solidFill>
+                <a:latin typeface="+mn-lt"/>
+                <a:ea typeface="+mn-ea"/>
+                <a:cs typeface="+mn-cs"/>
+              </a:defRPr>
+            </a:lvl9pPr>
+          </a:lstStyle>
+          <a:p>
+            <a:pPr algn="ctr"/>
+            <a:r>
+              <a:rPr lang="de-DE" sz="1000" dirty="0" err="1" smtClean="0"/>
+              <a:t>class</a:t>
+            </a:r>
+            <a:endParaRPr lang="de-DE" sz="1000" dirty="0"/>
+          </a:p>
+          <a:p>
+            <a:pPr algn="ctr"/>
+            <a:r>
+              <a:rPr lang="de-DE" sz="1000" dirty="0" err="1" smtClean="0"/>
+              <a:t>RequestHandler</a:t>
+            </a:r>
+            <a:endParaRPr lang="de-DE" sz="1000" dirty="0"/>
+          </a:p>
+        </p:txBody>
+      </p:sp>
+      <p:sp>
+        <p:nvSpPr>
+          <p:cNvPr id="36" name="Flussdiagramm: Vorbereitung 35"/>
+          <p:cNvSpPr/>
+          <p:nvPr/>
+        </p:nvSpPr>
+        <p:spPr>
+          <a:xfrm>
+            <a:off x="2058792" y="3576464"/>
+            <a:ext cx="1368000" cy="576000"/>
+          </a:xfrm>
+          <a:prstGeom prst="flowChartPreparation">
+            <a:avLst/>
+          </a:prstGeom>
+        </p:spPr>
+        <p:style>
+          <a:lnRef idx="1">
+            <a:schemeClr val="accent2"/>
+          </a:lnRef>
+          <a:fillRef idx="2">
+            <a:schemeClr val="accent2"/>
+          </a:fillRef>
+          <a:effectRef idx="1">
+            <a:schemeClr val="accent2"/>
+          </a:effectRef>
+          <a:fontRef idx="minor">
+            <a:schemeClr val="dk1"/>
+          </a:fontRef>
+        </p:style>
+        <p:txBody>
+          <a:bodyPr rot="0" spcFirstLastPara="0" vert="horz" wrap="square" lIns="91420" tIns="45710" rIns="91420" bIns="45710" numCol="1" spcCol="0" rtlCol="0" fromWordArt="0" anchor="ctr" anchorCtr="0" forceAA="0" compatLnSpc="1">
+            <a:prstTxWarp prst="textNoShape">
+              <a:avLst/>
+            </a:prstTxWarp>
+            <a:noAutofit/>
+          </a:bodyPr>
+          <a:lstStyle>
+            <a:lvl1pPr marL="0" indent="0">
+              <a:defRPr sz="1100">
+                <a:solidFill>
+                  <a:schemeClr val="dk1"/>
+                </a:solidFill>
+                <a:latin typeface="+mn-lt"/>
+                <a:ea typeface="+mn-ea"/>
+                <a:cs typeface="+mn-cs"/>
+              </a:defRPr>
+            </a:lvl1pPr>
+            <a:lvl2pPr marL="457200" indent="0">
+              <a:defRPr sz="1100">
+                <a:solidFill>
+                  <a:schemeClr val="dk1"/>
+                </a:solidFill>
+                <a:latin typeface="+mn-lt"/>
+                <a:ea typeface="+mn-ea"/>
+                <a:cs typeface="+mn-cs"/>
+              </a:defRPr>
+            </a:lvl2pPr>
+            <a:lvl3pPr marL="914400" indent="0">
+              <a:defRPr sz="1100">
+                <a:solidFill>
+                  <a:schemeClr val="dk1"/>
+                </a:solidFill>
+                <a:latin typeface="+mn-lt"/>
+                <a:ea typeface="+mn-ea"/>
+                <a:cs typeface="+mn-cs"/>
+              </a:defRPr>
+            </a:lvl3pPr>
+            <a:lvl4pPr marL="1371600" indent="0">
+              <a:defRPr sz="1100">
+                <a:solidFill>
+                  <a:schemeClr val="dk1"/>
+                </a:solidFill>
+                <a:latin typeface="+mn-lt"/>
+                <a:ea typeface="+mn-ea"/>
+                <a:cs typeface="+mn-cs"/>
+              </a:defRPr>
+            </a:lvl4pPr>
+            <a:lvl5pPr marL="1828800" indent="0">
+              <a:defRPr sz="1100">
+                <a:solidFill>
+                  <a:schemeClr val="dk1"/>
+                </a:solidFill>
+                <a:latin typeface="+mn-lt"/>
+                <a:ea typeface="+mn-ea"/>
+                <a:cs typeface="+mn-cs"/>
+              </a:defRPr>
+            </a:lvl5pPr>
+            <a:lvl6pPr marL="2286000" indent="0">
+              <a:defRPr sz="1100">
+                <a:solidFill>
+                  <a:schemeClr val="dk1"/>
+                </a:solidFill>
+                <a:latin typeface="+mn-lt"/>
+                <a:ea typeface="+mn-ea"/>
+                <a:cs typeface="+mn-cs"/>
+              </a:defRPr>
+            </a:lvl6pPr>
+            <a:lvl7pPr marL="2743200" indent="0">
+              <a:defRPr sz="1100">
+                <a:solidFill>
+                  <a:schemeClr val="dk1"/>
+                </a:solidFill>
+                <a:latin typeface="+mn-lt"/>
+                <a:ea typeface="+mn-ea"/>
+                <a:cs typeface="+mn-cs"/>
+              </a:defRPr>
+            </a:lvl7pPr>
+            <a:lvl8pPr marL="3200400" indent="0">
+              <a:defRPr sz="1100">
+                <a:solidFill>
+                  <a:schemeClr val="dk1"/>
+                </a:solidFill>
+                <a:latin typeface="+mn-lt"/>
+                <a:ea typeface="+mn-ea"/>
+                <a:cs typeface="+mn-cs"/>
+              </a:defRPr>
+            </a:lvl8pPr>
+            <a:lvl9pPr marL="3657600" indent="0">
+              <a:defRPr sz="1100">
+                <a:solidFill>
+                  <a:schemeClr val="dk1"/>
+                </a:solidFill>
+                <a:latin typeface="+mn-lt"/>
+                <a:ea typeface="+mn-ea"/>
+                <a:cs typeface="+mn-cs"/>
+              </a:defRPr>
+            </a:lvl9pPr>
+          </a:lstStyle>
+          <a:p>
+            <a:pPr algn="ctr"/>
+            <a:r>
+              <a:rPr lang="de-DE" sz="1000" dirty="0" err="1"/>
+              <a:t>n</a:t>
+            </a:r>
+            <a:r>
+              <a:rPr lang="de-DE" sz="1000" dirty="0" err="1" smtClean="0"/>
+              <a:t>ew</a:t>
+            </a:r>
+            <a:r>
+              <a:rPr lang="de-DE" sz="1000" dirty="0" smtClean="0"/>
+              <a:t> Wiki</a:t>
+            </a:r>
+            <a:endParaRPr lang="de-DE" sz="1000" dirty="0"/>
+          </a:p>
+        </p:txBody>
+      </p:sp>
+      <p:sp>
+        <p:nvSpPr>
+          <p:cNvPr id="44" name="Abgerundetes Rechteck 43"/>
+          <p:cNvSpPr/>
+          <p:nvPr/>
+        </p:nvSpPr>
+        <p:spPr>
+          <a:xfrm>
+            <a:off x="4240560" y="3595872"/>
+            <a:ext cx="1260000" cy="576000"/>
+          </a:xfrm>
+          <a:prstGeom prst="roundRect">
+            <a:avLst/>
+          </a:prstGeom>
+        </p:spPr>
+        <p:style>
+          <a:lnRef idx="1">
+            <a:schemeClr val="accent1"/>
+          </a:lnRef>
+          <a:fillRef idx="2">
+            <a:schemeClr val="accent1"/>
+          </a:fillRef>
+          <a:effectRef idx="1">
+            <a:schemeClr val="accent1"/>
+          </a:effectRef>
+          <a:fontRef idx="minor">
+            <a:schemeClr val="dk1"/>
+          </a:fontRef>
+        </p:style>
+        <p:txBody>
+          <a:bodyPr rot="0" spcFirstLastPara="0" vert="horz" wrap="square" lIns="91420" tIns="45710" rIns="91420" bIns="45710" numCol="1" spcCol="0" rtlCol="0" fromWordArt="0" anchor="ctr" anchorCtr="0" forceAA="0" compatLnSpc="1">
+            <a:prstTxWarp prst="textNoShape">
+              <a:avLst/>
+            </a:prstTxWarp>
+            <a:noAutofit/>
+          </a:bodyPr>
+          <a:lstStyle>
+            <a:lvl1pPr marL="0" indent="0">
+              <a:defRPr sz="1100">
+                <a:solidFill>
+                  <a:schemeClr val="dk1"/>
+                </a:solidFill>
+                <a:latin typeface="+mn-lt"/>
+                <a:ea typeface="+mn-ea"/>
+                <a:cs typeface="+mn-cs"/>
+              </a:defRPr>
+            </a:lvl1pPr>
+            <a:lvl2pPr marL="457200" indent="0">
+              <a:defRPr sz="1100">
+                <a:solidFill>
+                  <a:schemeClr val="dk1"/>
+                </a:solidFill>
+                <a:latin typeface="+mn-lt"/>
+                <a:ea typeface="+mn-ea"/>
+                <a:cs typeface="+mn-cs"/>
+              </a:defRPr>
+            </a:lvl2pPr>
+            <a:lvl3pPr marL="914400" indent="0">
+              <a:defRPr sz="1100">
+                <a:solidFill>
+                  <a:schemeClr val="dk1"/>
+                </a:solidFill>
+                <a:latin typeface="+mn-lt"/>
+                <a:ea typeface="+mn-ea"/>
+                <a:cs typeface="+mn-cs"/>
+              </a:defRPr>
+            </a:lvl3pPr>
+            <a:lvl4pPr marL="1371600" indent="0">
+              <a:defRPr sz="1100">
+                <a:solidFill>
+                  <a:schemeClr val="dk1"/>
+                </a:solidFill>
+                <a:latin typeface="+mn-lt"/>
+                <a:ea typeface="+mn-ea"/>
+                <a:cs typeface="+mn-cs"/>
+              </a:defRPr>
+            </a:lvl4pPr>
+            <a:lvl5pPr marL="1828800" indent="0">
+              <a:defRPr sz="1100">
+                <a:solidFill>
+                  <a:schemeClr val="dk1"/>
+                </a:solidFill>
+                <a:latin typeface="+mn-lt"/>
+                <a:ea typeface="+mn-ea"/>
+                <a:cs typeface="+mn-cs"/>
+              </a:defRPr>
+            </a:lvl5pPr>
+            <a:lvl6pPr marL="2286000" indent="0">
+              <a:defRPr sz="1100">
+                <a:solidFill>
+                  <a:schemeClr val="dk1"/>
+                </a:solidFill>
+                <a:latin typeface="+mn-lt"/>
+                <a:ea typeface="+mn-ea"/>
+                <a:cs typeface="+mn-cs"/>
+              </a:defRPr>
+            </a:lvl6pPr>
+            <a:lvl7pPr marL="2743200" indent="0">
+              <a:defRPr sz="1100">
+                <a:solidFill>
+                  <a:schemeClr val="dk1"/>
+                </a:solidFill>
+                <a:latin typeface="+mn-lt"/>
+                <a:ea typeface="+mn-ea"/>
+                <a:cs typeface="+mn-cs"/>
+              </a:defRPr>
+            </a:lvl7pPr>
+            <a:lvl8pPr marL="3200400" indent="0">
+              <a:defRPr sz="1100">
+                <a:solidFill>
+                  <a:schemeClr val="dk1"/>
+                </a:solidFill>
+                <a:latin typeface="+mn-lt"/>
+                <a:ea typeface="+mn-ea"/>
+                <a:cs typeface="+mn-cs"/>
+              </a:defRPr>
+            </a:lvl8pPr>
+            <a:lvl9pPr marL="3657600" indent="0">
+              <a:defRPr sz="1100">
+                <a:solidFill>
+                  <a:schemeClr val="dk1"/>
+                </a:solidFill>
+                <a:latin typeface="+mn-lt"/>
+                <a:ea typeface="+mn-ea"/>
+                <a:cs typeface="+mn-cs"/>
+              </a:defRPr>
+            </a:lvl9pPr>
+          </a:lstStyle>
+          <a:p>
+            <a:pPr algn="ctr"/>
+            <a:r>
+              <a:rPr lang="de-DE" sz="1000" dirty="0" err="1" smtClean="0"/>
+              <a:t>class</a:t>
+            </a:r>
+            <a:r>
+              <a:rPr lang="de-DE" sz="1000" dirty="0" smtClean="0"/>
+              <a:t> </a:t>
+            </a:r>
+          </a:p>
+          <a:p>
+            <a:pPr algn="ctr"/>
+            <a:r>
+              <a:rPr lang="de-DE" sz="1000" dirty="0" smtClean="0"/>
+              <a:t>Wiki</a:t>
+            </a:r>
+            <a:endParaRPr lang="de-DE" sz="1000" dirty="0"/>
+          </a:p>
+        </p:txBody>
+      </p:sp>
+      <p:cxnSp>
+        <p:nvCxnSpPr>
+          <p:cNvPr id="45" name="Gerade Verbindung mit Pfeil 44"/>
+          <p:cNvCxnSpPr>
+            <a:stCxn id="6" idx="1"/>
+            <a:endCxn id="47" idx="3"/>
+          </p:cNvCxnSpPr>
+          <p:nvPr/>
+        </p:nvCxnSpPr>
+        <p:spPr>
+          <a:xfrm flipH="1">
+            <a:off x="3318792" y="2712336"/>
+            <a:ext cx="921768" cy="0"/>
+          </a:xfrm>
+          <a:prstGeom prst="straightConnector1">
+            <a:avLst/>
+          </a:prstGeom>
+          <a:ln>
+            <a:tailEnd type="triangle"/>
+          </a:ln>
+        </p:spPr>
+        <p:style>
+          <a:lnRef idx="1">
+            <a:schemeClr val="accent1"/>
+          </a:lnRef>
+          <a:fillRef idx="0">
+            <a:schemeClr val="accent1"/>
+          </a:fillRef>
+          <a:effectRef idx="0">
+            <a:schemeClr val="accent1"/>
+          </a:effectRef>
+          <a:fontRef idx="minor">
+            <a:schemeClr val="tx1"/>
+          </a:fontRef>
+        </p:style>
+      </p:cxnSp>
+      <p:cxnSp>
+        <p:nvCxnSpPr>
+          <p:cNvPr id="46" name="Gerade Verbindung mit Pfeil 45"/>
+          <p:cNvCxnSpPr>
+            <a:stCxn id="44" idx="1"/>
+            <a:endCxn id="36" idx="3"/>
+          </p:cNvCxnSpPr>
+          <p:nvPr/>
+        </p:nvCxnSpPr>
+        <p:spPr>
+          <a:xfrm flipH="1" flipV="1">
+            <a:off x="3426792" y="3864464"/>
+            <a:ext cx="813768" cy="19408"/>
+          </a:xfrm>
+          <a:prstGeom prst="straightConnector1">
+            <a:avLst/>
+          </a:prstGeom>
+          <a:ln>
+            <a:tailEnd type="triangle"/>
+          </a:ln>
+        </p:spPr>
+        <p:style>
+          <a:lnRef idx="1">
+            <a:schemeClr val="accent1"/>
+          </a:lnRef>
+          <a:fillRef idx="0">
+            <a:schemeClr val="accent1"/>
+          </a:fillRef>
+          <a:effectRef idx="0">
+            <a:schemeClr val="accent1"/>
+          </a:effectRef>
+          <a:fontRef idx="minor">
+            <a:schemeClr val="tx1"/>
+          </a:fontRef>
+        </p:style>
+      </p:cxnSp>
+      <p:sp>
+        <p:nvSpPr>
+          <p:cNvPr id="47" name="Abgerundetes Rechteck 46"/>
+          <p:cNvSpPr/>
+          <p:nvPr/>
+        </p:nvSpPr>
+        <p:spPr>
+          <a:xfrm>
+            <a:off x="2058792" y="2424336"/>
+            <a:ext cx="1260000" cy="576000"/>
+          </a:xfrm>
+          <a:prstGeom prst="roundRect">
+            <a:avLst/>
+          </a:prstGeom>
+        </p:spPr>
+        <p:style>
+          <a:lnRef idx="1">
+            <a:schemeClr val="accent3"/>
+          </a:lnRef>
+          <a:fillRef idx="2">
+            <a:schemeClr val="accent3"/>
+          </a:fillRef>
+          <a:effectRef idx="1">
+            <a:schemeClr val="accent3"/>
+          </a:effectRef>
+          <a:fontRef idx="minor">
+            <a:schemeClr val="dk1"/>
+          </a:fontRef>
+        </p:style>
+        <p:txBody>
+          <a:bodyPr rot="0" spcFirstLastPara="0" vert="horz" wrap="square" lIns="91420" tIns="45710" rIns="91420" bIns="45710" numCol="1" spcCol="0" rtlCol="0" fromWordArt="0" anchor="ctr" anchorCtr="0" forceAA="0" compatLnSpc="1">
+            <a:prstTxWarp prst="textNoShape">
+              <a:avLst/>
+            </a:prstTxWarp>
+            <a:noAutofit/>
+          </a:bodyPr>
+          <a:lstStyle>
+            <a:lvl1pPr marL="0" indent="0">
+              <a:defRPr sz="1100">
+                <a:solidFill>
+                  <a:schemeClr val="dk1"/>
+                </a:solidFill>
+                <a:latin typeface="+mn-lt"/>
+                <a:ea typeface="+mn-ea"/>
+                <a:cs typeface="+mn-cs"/>
+              </a:defRPr>
+            </a:lvl1pPr>
+            <a:lvl2pPr marL="457200" indent="0">
+              <a:defRPr sz="1100">
+                <a:solidFill>
+                  <a:schemeClr val="dk1"/>
+                </a:solidFill>
+                <a:latin typeface="+mn-lt"/>
+                <a:ea typeface="+mn-ea"/>
+                <a:cs typeface="+mn-cs"/>
+              </a:defRPr>
+            </a:lvl2pPr>
+            <a:lvl3pPr marL="914400" indent="0">
+              <a:defRPr sz="1100">
+                <a:solidFill>
+                  <a:schemeClr val="dk1"/>
+                </a:solidFill>
+                <a:latin typeface="+mn-lt"/>
+                <a:ea typeface="+mn-ea"/>
+                <a:cs typeface="+mn-cs"/>
+              </a:defRPr>
+            </a:lvl3pPr>
+            <a:lvl4pPr marL="1371600" indent="0">
+              <a:defRPr sz="1100">
+                <a:solidFill>
+                  <a:schemeClr val="dk1"/>
+                </a:solidFill>
+                <a:latin typeface="+mn-lt"/>
+                <a:ea typeface="+mn-ea"/>
+                <a:cs typeface="+mn-cs"/>
+              </a:defRPr>
+            </a:lvl4pPr>
+            <a:lvl5pPr marL="1828800" indent="0">
+              <a:defRPr sz="1100">
+                <a:solidFill>
+                  <a:schemeClr val="dk1"/>
+                </a:solidFill>
+                <a:latin typeface="+mn-lt"/>
+                <a:ea typeface="+mn-ea"/>
+                <a:cs typeface="+mn-cs"/>
+              </a:defRPr>
+            </a:lvl5pPr>
+            <a:lvl6pPr marL="2286000" indent="0">
+              <a:defRPr sz="1100">
+                <a:solidFill>
+                  <a:schemeClr val="dk1"/>
+                </a:solidFill>
+                <a:latin typeface="+mn-lt"/>
+                <a:ea typeface="+mn-ea"/>
+                <a:cs typeface="+mn-cs"/>
+              </a:defRPr>
+            </a:lvl6pPr>
+            <a:lvl7pPr marL="2743200" indent="0">
+              <a:defRPr sz="1100">
+                <a:solidFill>
+                  <a:schemeClr val="dk1"/>
+                </a:solidFill>
+                <a:latin typeface="+mn-lt"/>
+                <a:ea typeface="+mn-ea"/>
+                <a:cs typeface="+mn-cs"/>
+              </a:defRPr>
+            </a:lvl7pPr>
+            <a:lvl8pPr marL="3200400" indent="0">
+              <a:defRPr sz="1100">
+                <a:solidFill>
+                  <a:schemeClr val="dk1"/>
+                </a:solidFill>
+                <a:latin typeface="+mn-lt"/>
+                <a:ea typeface="+mn-ea"/>
+                <a:cs typeface="+mn-cs"/>
+              </a:defRPr>
+            </a:lvl8pPr>
+            <a:lvl9pPr marL="3657600" indent="0">
+              <a:defRPr sz="1100">
+                <a:solidFill>
+                  <a:schemeClr val="dk1"/>
+                </a:solidFill>
+                <a:latin typeface="+mn-lt"/>
+                <a:ea typeface="+mn-ea"/>
+                <a:cs typeface="+mn-cs"/>
+              </a:defRPr>
+            </a:lvl9pPr>
+          </a:lstStyle>
+          <a:p>
+            <a:pPr algn="ctr"/>
+            <a:r>
+              <a:rPr lang="de-DE" sz="1000" dirty="0" err="1" smtClean="0"/>
+              <a:t>function</a:t>
+            </a:r>
+            <a:endParaRPr lang="de-DE" sz="1000" dirty="0" smtClean="0"/>
+          </a:p>
+          <a:p>
+            <a:pPr algn="ctr"/>
+            <a:r>
+              <a:rPr lang="de-DE" sz="1000" dirty="0" err="1" smtClean="0"/>
+              <a:t>handleRequest</a:t>
+            </a:r>
+            <a:endParaRPr lang="de-DE" sz="1000" dirty="0" smtClean="0"/>
+          </a:p>
+        </p:txBody>
+      </p:sp>
+      <p:cxnSp>
+        <p:nvCxnSpPr>
+          <p:cNvPr id="53" name="Gerade Verbindung mit Pfeil 52"/>
+          <p:cNvCxnSpPr>
+            <a:stCxn id="47" idx="2"/>
+            <a:endCxn id="36" idx="0"/>
+          </p:cNvCxnSpPr>
+          <p:nvPr/>
+        </p:nvCxnSpPr>
+        <p:spPr>
+          <a:xfrm>
+            <a:off x="2688792" y="3000336"/>
+            <a:ext cx="54000" cy="576128"/>
+          </a:xfrm>
+          <a:prstGeom prst="straightConnector1">
+            <a:avLst/>
+          </a:prstGeom>
+          <a:ln>
+            <a:tailEnd type="triangle"/>
+          </a:ln>
+        </p:spPr>
+        <p:style>
+          <a:lnRef idx="1">
+            <a:schemeClr val="accent1"/>
+          </a:lnRef>
+          <a:fillRef idx="0">
+            <a:schemeClr val="accent1"/>
+          </a:fillRef>
+          <a:effectRef idx="0">
+            <a:schemeClr val="accent1"/>
+          </a:effectRef>
+          <a:fontRef idx="minor">
+            <a:schemeClr val="tx1"/>
+          </a:fontRef>
+        </p:style>
+      </p:cxnSp>
+      <p:sp>
+        <p:nvSpPr>
+          <p:cNvPr id="54" name="Abgerundetes Rechteck 53"/>
+          <p:cNvSpPr/>
+          <p:nvPr/>
+        </p:nvSpPr>
+        <p:spPr>
+          <a:xfrm>
+            <a:off x="4879452" y="5880720"/>
+            <a:ext cx="1260000" cy="576000"/>
+          </a:xfrm>
+          <a:prstGeom prst="roundRect">
+            <a:avLst/>
+          </a:prstGeom>
+        </p:spPr>
+        <p:style>
+          <a:lnRef idx="1">
+            <a:schemeClr val="accent1"/>
+          </a:lnRef>
+          <a:fillRef idx="2">
+            <a:schemeClr val="accent1"/>
+          </a:fillRef>
+          <a:effectRef idx="1">
+            <a:schemeClr val="accent1"/>
+          </a:effectRef>
+          <a:fontRef idx="minor">
+            <a:schemeClr val="dk1"/>
+          </a:fontRef>
+        </p:style>
+        <p:txBody>
+          <a:bodyPr rot="0" spcFirstLastPara="0" vert="horz" wrap="square" lIns="91420" tIns="45710" rIns="91420" bIns="45710" numCol="1" spcCol="0" rtlCol="0" fromWordArt="0" anchor="ctr" anchorCtr="0" forceAA="0" compatLnSpc="1">
+            <a:prstTxWarp prst="textNoShape">
+              <a:avLst/>
+            </a:prstTxWarp>
+            <a:noAutofit/>
+          </a:bodyPr>
+          <a:lstStyle>
+            <a:lvl1pPr marL="0" indent="0">
+              <a:defRPr sz="1100">
+                <a:solidFill>
+                  <a:schemeClr val="dk1"/>
+                </a:solidFill>
+                <a:latin typeface="+mn-lt"/>
+                <a:ea typeface="+mn-ea"/>
+                <a:cs typeface="+mn-cs"/>
+              </a:defRPr>
+            </a:lvl1pPr>
+            <a:lvl2pPr marL="457200" indent="0">
+              <a:defRPr sz="1100">
+                <a:solidFill>
+                  <a:schemeClr val="dk1"/>
+                </a:solidFill>
+                <a:latin typeface="+mn-lt"/>
+                <a:ea typeface="+mn-ea"/>
+                <a:cs typeface="+mn-cs"/>
+              </a:defRPr>
+            </a:lvl2pPr>
+            <a:lvl3pPr marL="914400" indent="0">
+              <a:defRPr sz="1100">
+                <a:solidFill>
+                  <a:schemeClr val="dk1"/>
+                </a:solidFill>
+                <a:latin typeface="+mn-lt"/>
+                <a:ea typeface="+mn-ea"/>
+                <a:cs typeface="+mn-cs"/>
+              </a:defRPr>
+            </a:lvl3pPr>
+            <a:lvl4pPr marL="1371600" indent="0">
+              <a:defRPr sz="1100">
+                <a:solidFill>
+                  <a:schemeClr val="dk1"/>
+                </a:solidFill>
+                <a:latin typeface="+mn-lt"/>
+                <a:ea typeface="+mn-ea"/>
+                <a:cs typeface="+mn-cs"/>
+              </a:defRPr>
+            </a:lvl4pPr>
+            <a:lvl5pPr marL="1828800" indent="0">
+              <a:defRPr sz="1100">
+                <a:solidFill>
+                  <a:schemeClr val="dk1"/>
+                </a:solidFill>
+                <a:latin typeface="+mn-lt"/>
+                <a:ea typeface="+mn-ea"/>
+                <a:cs typeface="+mn-cs"/>
+              </a:defRPr>
+            </a:lvl5pPr>
+            <a:lvl6pPr marL="2286000" indent="0">
+              <a:defRPr sz="1100">
+                <a:solidFill>
+                  <a:schemeClr val="dk1"/>
+                </a:solidFill>
+                <a:latin typeface="+mn-lt"/>
+                <a:ea typeface="+mn-ea"/>
+                <a:cs typeface="+mn-cs"/>
+              </a:defRPr>
+            </a:lvl6pPr>
+            <a:lvl7pPr marL="2743200" indent="0">
+              <a:defRPr sz="1100">
+                <a:solidFill>
+                  <a:schemeClr val="dk1"/>
+                </a:solidFill>
+                <a:latin typeface="+mn-lt"/>
+                <a:ea typeface="+mn-ea"/>
+                <a:cs typeface="+mn-cs"/>
+              </a:defRPr>
+            </a:lvl7pPr>
+            <a:lvl8pPr marL="3200400" indent="0">
+              <a:defRPr sz="1100">
+                <a:solidFill>
+                  <a:schemeClr val="dk1"/>
+                </a:solidFill>
+                <a:latin typeface="+mn-lt"/>
+                <a:ea typeface="+mn-ea"/>
+                <a:cs typeface="+mn-cs"/>
+              </a:defRPr>
+            </a:lvl8pPr>
+            <a:lvl9pPr marL="3657600" indent="0">
+              <a:defRPr sz="1100">
+                <a:solidFill>
+                  <a:schemeClr val="dk1"/>
+                </a:solidFill>
+                <a:latin typeface="+mn-lt"/>
+                <a:ea typeface="+mn-ea"/>
+                <a:cs typeface="+mn-cs"/>
+              </a:defRPr>
+            </a:lvl9pPr>
+          </a:lstStyle>
+          <a:p>
+            <a:pPr algn="ctr"/>
+            <a:r>
+              <a:rPr lang="de-DE" sz="1000" dirty="0" err="1" smtClean="0"/>
+              <a:t>class</a:t>
+            </a:r>
+            <a:r>
+              <a:rPr lang="de-DE" sz="1000" dirty="0" smtClean="0"/>
+              <a:t> </a:t>
+            </a:r>
+          </a:p>
+          <a:p>
+            <a:pPr algn="ctr"/>
+            <a:r>
+              <a:rPr lang="de-DE" sz="1000" dirty="0" err="1" smtClean="0"/>
+              <a:t>WikiService</a:t>
+            </a:r>
+            <a:endParaRPr lang="de-DE" sz="1000" dirty="0"/>
+          </a:p>
+        </p:txBody>
+      </p:sp>
+      <p:cxnSp>
+        <p:nvCxnSpPr>
+          <p:cNvPr id="57" name="Gerade Verbindung mit Pfeil 56"/>
+          <p:cNvCxnSpPr>
+            <a:stCxn id="54" idx="1"/>
+            <a:endCxn id="59" idx="3"/>
+          </p:cNvCxnSpPr>
+          <p:nvPr/>
+        </p:nvCxnSpPr>
+        <p:spPr>
+          <a:xfrm flipH="1">
+            <a:off x="3968512" y="6168720"/>
+            <a:ext cx="910940" cy="0"/>
+          </a:xfrm>
+          <a:prstGeom prst="straightConnector1">
+            <a:avLst/>
+          </a:prstGeom>
+          <a:ln>
+            <a:tailEnd type="triangle"/>
+          </a:ln>
+        </p:spPr>
+        <p:style>
+          <a:lnRef idx="1">
+            <a:schemeClr val="accent1"/>
+          </a:lnRef>
+          <a:fillRef idx="0">
+            <a:schemeClr val="accent1"/>
+          </a:fillRef>
+          <a:effectRef idx="0">
+            <a:schemeClr val="accent1"/>
+          </a:effectRef>
+          <a:fontRef idx="minor">
+            <a:schemeClr val="tx1"/>
+          </a:fontRef>
+        </p:style>
+      </p:cxnSp>
+      <p:sp>
+        <p:nvSpPr>
+          <p:cNvPr id="59" name="Abgerundetes Rechteck 58"/>
+          <p:cNvSpPr/>
+          <p:nvPr/>
+        </p:nvSpPr>
+        <p:spPr>
+          <a:xfrm>
+            <a:off x="2708512" y="5880720"/>
+            <a:ext cx="1260000" cy="576000"/>
+          </a:xfrm>
+          <a:prstGeom prst="roundRect">
+            <a:avLst/>
+          </a:prstGeom>
+        </p:spPr>
+        <p:style>
+          <a:lnRef idx="1">
+            <a:schemeClr val="accent3"/>
+          </a:lnRef>
+          <a:fillRef idx="2">
+            <a:schemeClr val="accent3"/>
+          </a:fillRef>
+          <a:effectRef idx="1">
+            <a:schemeClr val="accent3"/>
+          </a:effectRef>
+          <a:fontRef idx="minor">
+            <a:schemeClr val="dk1"/>
+          </a:fontRef>
+        </p:style>
+        <p:txBody>
+          <a:bodyPr rot="0" spcFirstLastPara="0" vert="horz" wrap="square" lIns="91420" tIns="45710" rIns="91420" bIns="45710" numCol="1" spcCol="0" rtlCol="0" fromWordArt="0" anchor="ctr" anchorCtr="0" forceAA="0" compatLnSpc="1">
+            <a:prstTxWarp prst="textNoShape">
+              <a:avLst/>
+            </a:prstTxWarp>
+            <a:noAutofit/>
+          </a:bodyPr>
+          <a:lstStyle>
+            <a:lvl1pPr marL="0" indent="0">
+              <a:defRPr sz="1100">
+                <a:solidFill>
+                  <a:schemeClr val="dk1"/>
+                </a:solidFill>
+                <a:latin typeface="+mn-lt"/>
+                <a:ea typeface="+mn-ea"/>
+                <a:cs typeface="+mn-cs"/>
+              </a:defRPr>
+            </a:lvl1pPr>
+            <a:lvl2pPr marL="457200" indent="0">
+              <a:defRPr sz="1100">
+                <a:solidFill>
+                  <a:schemeClr val="dk1"/>
+                </a:solidFill>
+                <a:latin typeface="+mn-lt"/>
+                <a:ea typeface="+mn-ea"/>
+                <a:cs typeface="+mn-cs"/>
+              </a:defRPr>
+            </a:lvl2pPr>
+            <a:lvl3pPr marL="914400" indent="0">
+              <a:defRPr sz="1100">
+                <a:solidFill>
+                  <a:schemeClr val="dk1"/>
+                </a:solidFill>
+                <a:latin typeface="+mn-lt"/>
+                <a:ea typeface="+mn-ea"/>
+                <a:cs typeface="+mn-cs"/>
+              </a:defRPr>
+            </a:lvl3pPr>
+            <a:lvl4pPr marL="1371600" indent="0">
+              <a:defRPr sz="1100">
+                <a:solidFill>
+                  <a:schemeClr val="dk1"/>
+                </a:solidFill>
+                <a:latin typeface="+mn-lt"/>
+                <a:ea typeface="+mn-ea"/>
+                <a:cs typeface="+mn-cs"/>
+              </a:defRPr>
+            </a:lvl4pPr>
+            <a:lvl5pPr marL="1828800" indent="0">
+              <a:defRPr sz="1100">
+                <a:solidFill>
+                  <a:schemeClr val="dk1"/>
+                </a:solidFill>
+                <a:latin typeface="+mn-lt"/>
+                <a:ea typeface="+mn-ea"/>
+                <a:cs typeface="+mn-cs"/>
+              </a:defRPr>
+            </a:lvl5pPr>
+            <a:lvl6pPr marL="2286000" indent="0">
+              <a:defRPr sz="1100">
+                <a:solidFill>
+                  <a:schemeClr val="dk1"/>
+                </a:solidFill>
+                <a:latin typeface="+mn-lt"/>
+                <a:ea typeface="+mn-ea"/>
+                <a:cs typeface="+mn-cs"/>
+              </a:defRPr>
+            </a:lvl6pPr>
+            <a:lvl7pPr marL="2743200" indent="0">
+              <a:defRPr sz="1100">
+                <a:solidFill>
+                  <a:schemeClr val="dk1"/>
+                </a:solidFill>
+                <a:latin typeface="+mn-lt"/>
+                <a:ea typeface="+mn-ea"/>
+                <a:cs typeface="+mn-cs"/>
+              </a:defRPr>
+            </a:lvl7pPr>
+            <a:lvl8pPr marL="3200400" indent="0">
+              <a:defRPr sz="1100">
+                <a:solidFill>
+                  <a:schemeClr val="dk1"/>
+                </a:solidFill>
+                <a:latin typeface="+mn-lt"/>
+                <a:ea typeface="+mn-ea"/>
+                <a:cs typeface="+mn-cs"/>
+              </a:defRPr>
+            </a:lvl8pPr>
+            <a:lvl9pPr marL="3657600" indent="0">
+              <a:defRPr sz="1100">
+                <a:solidFill>
+                  <a:schemeClr val="dk1"/>
+                </a:solidFill>
+                <a:latin typeface="+mn-lt"/>
+                <a:ea typeface="+mn-ea"/>
+                <a:cs typeface="+mn-cs"/>
+              </a:defRPr>
+            </a:lvl9pPr>
+          </a:lstStyle>
+          <a:p>
+            <a:pPr algn="ctr"/>
+            <a:r>
+              <a:rPr lang="de-DE" sz="1000" dirty="0" err="1" smtClean="0"/>
+              <a:t>function</a:t>
+            </a:r>
+            <a:endParaRPr lang="de-DE" sz="1000" dirty="0" smtClean="0"/>
+          </a:p>
+          <a:p>
+            <a:pPr algn="ctr"/>
+            <a:r>
+              <a:rPr lang="de-DE" sz="1000" dirty="0" err="1" smtClean="0"/>
+              <a:t>sqlQuery</a:t>
+            </a:r>
+            <a:endParaRPr lang="de-DE" sz="1000" dirty="0" smtClean="0"/>
+          </a:p>
+        </p:txBody>
+      </p:sp>
+      <p:sp>
+        <p:nvSpPr>
+          <p:cNvPr id="60" name="Abgerundetes Rechteck 59"/>
+          <p:cNvSpPr/>
+          <p:nvPr/>
+        </p:nvSpPr>
+        <p:spPr>
+          <a:xfrm>
+            <a:off x="774037" y="5016624"/>
+            <a:ext cx="1260000" cy="576000"/>
+          </a:xfrm>
+          <a:prstGeom prst="roundRect">
+            <a:avLst/>
+          </a:prstGeom>
+        </p:spPr>
+        <p:style>
+          <a:lnRef idx="1">
+            <a:schemeClr val="accent3"/>
+          </a:lnRef>
+          <a:fillRef idx="2">
+            <a:schemeClr val="accent3"/>
+          </a:fillRef>
+          <a:effectRef idx="1">
+            <a:schemeClr val="accent3"/>
+          </a:effectRef>
+          <a:fontRef idx="minor">
+            <a:schemeClr val="dk1"/>
+          </a:fontRef>
+        </p:style>
+        <p:txBody>
+          <a:bodyPr rot="0" spcFirstLastPara="0" vert="horz" wrap="square" lIns="91420" tIns="45710" rIns="91420" bIns="45710" numCol="1" spcCol="0" rtlCol="0" fromWordArt="0" anchor="ctr" anchorCtr="0" forceAA="0" compatLnSpc="1">
+            <a:prstTxWarp prst="textNoShape">
+              <a:avLst/>
+            </a:prstTxWarp>
+            <a:noAutofit/>
+          </a:bodyPr>
+          <a:lstStyle>
+            <a:lvl1pPr marL="0" indent="0">
+              <a:defRPr sz="1100">
+                <a:solidFill>
+                  <a:schemeClr val="dk1"/>
+                </a:solidFill>
+                <a:latin typeface="+mn-lt"/>
+                <a:ea typeface="+mn-ea"/>
+                <a:cs typeface="+mn-cs"/>
+              </a:defRPr>
+            </a:lvl1pPr>
+            <a:lvl2pPr marL="457200" indent="0">
+              <a:defRPr sz="1100">
+                <a:solidFill>
+                  <a:schemeClr val="dk1"/>
+                </a:solidFill>
+                <a:latin typeface="+mn-lt"/>
+                <a:ea typeface="+mn-ea"/>
+                <a:cs typeface="+mn-cs"/>
+              </a:defRPr>
+            </a:lvl2pPr>
+            <a:lvl3pPr marL="914400" indent="0">
+              <a:defRPr sz="1100">
+                <a:solidFill>
+                  <a:schemeClr val="dk1"/>
+                </a:solidFill>
+                <a:latin typeface="+mn-lt"/>
+                <a:ea typeface="+mn-ea"/>
+                <a:cs typeface="+mn-cs"/>
+              </a:defRPr>
+            </a:lvl3pPr>
+            <a:lvl4pPr marL="1371600" indent="0">
+              <a:defRPr sz="1100">
+                <a:solidFill>
+                  <a:schemeClr val="dk1"/>
+                </a:solidFill>
+                <a:latin typeface="+mn-lt"/>
+                <a:ea typeface="+mn-ea"/>
+                <a:cs typeface="+mn-cs"/>
+              </a:defRPr>
+            </a:lvl4pPr>
+            <a:lvl5pPr marL="1828800" indent="0">
+              <a:defRPr sz="1100">
+                <a:solidFill>
+                  <a:schemeClr val="dk1"/>
+                </a:solidFill>
+                <a:latin typeface="+mn-lt"/>
+                <a:ea typeface="+mn-ea"/>
+                <a:cs typeface="+mn-cs"/>
+              </a:defRPr>
+            </a:lvl5pPr>
+            <a:lvl6pPr marL="2286000" indent="0">
+              <a:defRPr sz="1100">
+                <a:solidFill>
+                  <a:schemeClr val="dk1"/>
+                </a:solidFill>
+                <a:latin typeface="+mn-lt"/>
+                <a:ea typeface="+mn-ea"/>
+                <a:cs typeface="+mn-cs"/>
+              </a:defRPr>
+            </a:lvl6pPr>
+            <a:lvl7pPr marL="2743200" indent="0">
+              <a:defRPr sz="1100">
+                <a:solidFill>
+                  <a:schemeClr val="dk1"/>
+                </a:solidFill>
+                <a:latin typeface="+mn-lt"/>
+                <a:ea typeface="+mn-ea"/>
+                <a:cs typeface="+mn-cs"/>
+              </a:defRPr>
+            </a:lvl7pPr>
+            <a:lvl8pPr marL="3200400" indent="0">
+              <a:defRPr sz="1100">
+                <a:solidFill>
+                  <a:schemeClr val="dk1"/>
+                </a:solidFill>
+                <a:latin typeface="+mn-lt"/>
+                <a:ea typeface="+mn-ea"/>
+                <a:cs typeface="+mn-cs"/>
+              </a:defRPr>
+            </a:lvl8pPr>
+            <a:lvl9pPr marL="3657600" indent="0">
+              <a:defRPr sz="1100">
+                <a:solidFill>
+                  <a:schemeClr val="dk1"/>
+                </a:solidFill>
+                <a:latin typeface="+mn-lt"/>
+                <a:ea typeface="+mn-ea"/>
+                <a:cs typeface="+mn-cs"/>
+              </a:defRPr>
+            </a:lvl9pPr>
+          </a:lstStyle>
+          <a:p>
+            <a:pPr algn="ctr"/>
+            <a:r>
+              <a:rPr lang="de-DE" sz="1000" dirty="0" err="1" smtClean="0"/>
+              <a:t>function</a:t>
+            </a:r>
+            <a:endParaRPr lang="de-DE" sz="1000" dirty="0" smtClean="0"/>
+          </a:p>
+          <a:p>
+            <a:pPr algn="ctr"/>
+            <a:r>
+              <a:rPr lang="de-DE" sz="1000" dirty="0" err="1" smtClean="0"/>
+              <a:t>readWiki</a:t>
+            </a:r>
+            <a:endParaRPr lang="de-DE" sz="1000" dirty="0" smtClean="0"/>
+          </a:p>
+        </p:txBody>
+      </p:sp>
+      <p:sp>
+        <p:nvSpPr>
+          <p:cNvPr id="62" name="Abgerundetes Rechteck 61"/>
+          <p:cNvSpPr/>
+          <p:nvPr/>
+        </p:nvSpPr>
+        <p:spPr>
+          <a:xfrm>
+            <a:off x="774037" y="5899284"/>
+            <a:ext cx="1260000" cy="576000"/>
+          </a:xfrm>
+          <a:prstGeom prst="roundRect">
+            <a:avLst/>
+          </a:prstGeom>
+        </p:spPr>
+        <p:style>
+          <a:lnRef idx="1">
+            <a:schemeClr val="accent3"/>
+          </a:lnRef>
+          <a:fillRef idx="2">
+            <a:schemeClr val="accent3"/>
+          </a:fillRef>
+          <a:effectRef idx="1">
+            <a:schemeClr val="accent3"/>
+          </a:effectRef>
+          <a:fontRef idx="minor">
+            <a:schemeClr val="dk1"/>
+          </a:fontRef>
+        </p:style>
+        <p:txBody>
+          <a:bodyPr rot="0" spcFirstLastPara="0" vert="horz" wrap="square" lIns="91420" tIns="45710" rIns="91420" bIns="45710" numCol="1" spcCol="0" rtlCol="0" fromWordArt="0" anchor="ctr" anchorCtr="0" forceAA="0" compatLnSpc="1">
+            <a:prstTxWarp prst="textNoShape">
+              <a:avLst/>
+            </a:prstTxWarp>
+            <a:noAutofit/>
+          </a:bodyPr>
+          <a:lstStyle>
+            <a:lvl1pPr marL="0" indent="0">
+              <a:defRPr sz="1100">
+                <a:solidFill>
+                  <a:schemeClr val="dk1"/>
+                </a:solidFill>
+                <a:latin typeface="+mn-lt"/>
+                <a:ea typeface="+mn-ea"/>
+                <a:cs typeface="+mn-cs"/>
+              </a:defRPr>
+            </a:lvl1pPr>
+            <a:lvl2pPr marL="457200" indent="0">
+              <a:defRPr sz="1100">
+                <a:solidFill>
+                  <a:schemeClr val="dk1"/>
+                </a:solidFill>
+                <a:latin typeface="+mn-lt"/>
+                <a:ea typeface="+mn-ea"/>
+                <a:cs typeface="+mn-cs"/>
+              </a:defRPr>
+            </a:lvl2pPr>
+            <a:lvl3pPr marL="914400" indent="0">
+              <a:defRPr sz="1100">
+                <a:solidFill>
+                  <a:schemeClr val="dk1"/>
+                </a:solidFill>
+                <a:latin typeface="+mn-lt"/>
+                <a:ea typeface="+mn-ea"/>
+                <a:cs typeface="+mn-cs"/>
+              </a:defRPr>
+            </a:lvl3pPr>
+            <a:lvl4pPr marL="1371600" indent="0">
+              <a:defRPr sz="1100">
+                <a:solidFill>
+                  <a:schemeClr val="dk1"/>
+                </a:solidFill>
+                <a:latin typeface="+mn-lt"/>
+                <a:ea typeface="+mn-ea"/>
+                <a:cs typeface="+mn-cs"/>
+              </a:defRPr>
+            </a:lvl4pPr>
+            <a:lvl5pPr marL="1828800" indent="0">
+              <a:defRPr sz="1100">
+                <a:solidFill>
+                  <a:schemeClr val="dk1"/>
+                </a:solidFill>
+                <a:latin typeface="+mn-lt"/>
+                <a:ea typeface="+mn-ea"/>
+                <a:cs typeface="+mn-cs"/>
+              </a:defRPr>
+            </a:lvl5pPr>
+            <a:lvl6pPr marL="2286000" indent="0">
+              <a:defRPr sz="1100">
+                <a:solidFill>
+                  <a:schemeClr val="dk1"/>
+                </a:solidFill>
+                <a:latin typeface="+mn-lt"/>
+                <a:ea typeface="+mn-ea"/>
+                <a:cs typeface="+mn-cs"/>
+              </a:defRPr>
+            </a:lvl6pPr>
+            <a:lvl7pPr marL="2743200" indent="0">
+              <a:defRPr sz="1100">
+                <a:solidFill>
+                  <a:schemeClr val="dk1"/>
+                </a:solidFill>
+                <a:latin typeface="+mn-lt"/>
+                <a:ea typeface="+mn-ea"/>
+                <a:cs typeface="+mn-cs"/>
+              </a:defRPr>
+            </a:lvl7pPr>
+            <a:lvl8pPr marL="3200400" indent="0">
+              <a:defRPr sz="1100">
+                <a:solidFill>
+                  <a:schemeClr val="dk1"/>
+                </a:solidFill>
+                <a:latin typeface="+mn-lt"/>
+                <a:ea typeface="+mn-ea"/>
+                <a:cs typeface="+mn-cs"/>
+              </a:defRPr>
+            </a:lvl8pPr>
+            <a:lvl9pPr marL="3657600" indent="0">
+              <a:defRPr sz="1100">
+                <a:solidFill>
+                  <a:schemeClr val="dk1"/>
+                </a:solidFill>
+                <a:latin typeface="+mn-lt"/>
+                <a:ea typeface="+mn-ea"/>
+                <a:cs typeface="+mn-cs"/>
+              </a:defRPr>
+            </a:lvl9pPr>
+          </a:lstStyle>
+          <a:p>
+            <a:pPr algn="ctr"/>
+            <a:r>
+              <a:rPr lang="de-DE" sz="1000" dirty="0" err="1" smtClean="0"/>
+              <a:t>function</a:t>
+            </a:r>
+            <a:endParaRPr lang="de-DE" sz="1000" dirty="0" smtClean="0"/>
+          </a:p>
+          <a:p>
+            <a:pPr algn="ctr"/>
+            <a:r>
+              <a:rPr lang="de-DE" sz="1000" dirty="0" err="1" smtClean="0"/>
+              <a:t>createWiki</a:t>
+            </a:r>
+            <a:endParaRPr lang="de-DE" sz="1000" dirty="0" smtClean="0"/>
+          </a:p>
+        </p:txBody>
+      </p:sp>
+      <p:sp>
+        <p:nvSpPr>
+          <p:cNvPr id="63" name="Abgerundetes Rechteck 62"/>
+          <p:cNvSpPr/>
+          <p:nvPr/>
+        </p:nvSpPr>
+        <p:spPr>
+          <a:xfrm>
+            <a:off x="759948" y="6816824"/>
+            <a:ext cx="1260000" cy="576000"/>
+          </a:xfrm>
+          <a:prstGeom prst="roundRect">
+            <a:avLst/>
+          </a:prstGeom>
+        </p:spPr>
+        <p:style>
+          <a:lnRef idx="1">
+            <a:schemeClr val="accent3"/>
+          </a:lnRef>
+          <a:fillRef idx="2">
+            <a:schemeClr val="accent3"/>
+          </a:fillRef>
+          <a:effectRef idx="1">
+            <a:schemeClr val="accent3"/>
+          </a:effectRef>
+          <a:fontRef idx="minor">
+            <a:schemeClr val="dk1"/>
+          </a:fontRef>
+        </p:style>
+        <p:txBody>
+          <a:bodyPr rot="0" spcFirstLastPara="0" vert="horz" wrap="square" lIns="91420" tIns="45710" rIns="91420" bIns="45710" numCol="1" spcCol="0" rtlCol="0" fromWordArt="0" anchor="ctr" anchorCtr="0" forceAA="0" compatLnSpc="1">
+            <a:prstTxWarp prst="textNoShape">
+              <a:avLst/>
+            </a:prstTxWarp>
+            <a:noAutofit/>
+          </a:bodyPr>
+          <a:lstStyle>
+            <a:lvl1pPr marL="0" indent="0">
+              <a:defRPr sz="1100">
+                <a:solidFill>
+                  <a:schemeClr val="dk1"/>
+                </a:solidFill>
+                <a:latin typeface="+mn-lt"/>
+                <a:ea typeface="+mn-ea"/>
+                <a:cs typeface="+mn-cs"/>
+              </a:defRPr>
+            </a:lvl1pPr>
+            <a:lvl2pPr marL="457200" indent="0">
+              <a:defRPr sz="1100">
+                <a:solidFill>
+                  <a:schemeClr val="dk1"/>
+                </a:solidFill>
+                <a:latin typeface="+mn-lt"/>
+                <a:ea typeface="+mn-ea"/>
+                <a:cs typeface="+mn-cs"/>
+              </a:defRPr>
+            </a:lvl2pPr>
+            <a:lvl3pPr marL="914400" indent="0">
+              <a:defRPr sz="1100">
+                <a:solidFill>
+                  <a:schemeClr val="dk1"/>
+                </a:solidFill>
+                <a:latin typeface="+mn-lt"/>
+                <a:ea typeface="+mn-ea"/>
+                <a:cs typeface="+mn-cs"/>
+              </a:defRPr>
+            </a:lvl3pPr>
+            <a:lvl4pPr marL="1371600" indent="0">
+              <a:defRPr sz="1100">
+                <a:solidFill>
+                  <a:schemeClr val="dk1"/>
+                </a:solidFill>
+                <a:latin typeface="+mn-lt"/>
+                <a:ea typeface="+mn-ea"/>
+                <a:cs typeface="+mn-cs"/>
+              </a:defRPr>
+            </a:lvl4pPr>
+            <a:lvl5pPr marL="1828800" indent="0">
+              <a:defRPr sz="1100">
+                <a:solidFill>
+                  <a:schemeClr val="dk1"/>
+                </a:solidFill>
+                <a:latin typeface="+mn-lt"/>
+                <a:ea typeface="+mn-ea"/>
+                <a:cs typeface="+mn-cs"/>
+              </a:defRPr>
+            </a:lvl5pPr>
+            <a:lvl6pPr marL="2286000" indent="0">
+              <a:defRPr sz="1100">
+                <a:solidFill>
+                  <a:schemeClr val="dk1"/>
+                </a:solidFill>
+                <a:latin typeface="+mn-lt"/>
+                <a:ea typeface="+mn-ea"/>
+                <a:cs typeface="+mn-cs"/>
+              </a:defRPr>
+            </a:lvl6pPr>
+            <a:lvl7pPr marL="2743200" indent="0">
+              <a:defRPr sz="1100">
+                <a:solidFill>
+                  <a:schemeClr val="dk1"/>
+                </a:solidFill>
+                <a:latin typeface="+mn-lt"/>
+                <a:ea typeface="+mn-ea"/>
+                <a:cs typeface="+mn-cs"/>
+              </a:defRPr>
+            </a:lvl7pPr>
+            <a:lvl8pPr marL="3200400" indent="0">
+              <a:defRPr sz="1100">
+                <a:solidFill>
+                  <a:schemeClr val="dk1"/>
+                </a:solidFill>
+                <a:latin typeface="+mn-lt"/>
+                <a:ea typeface="+mn-ea"/>
+                <a:cs typeface="+mn-cs"/>
+              </a:defRPr>
+            </a:lvl8pPr>
+            <a:lvl9pPr marL="3657600" indent="0">
+              <a:defRPr sz="1100">
+                <a:solidFill>
+                  <a:schemeClr val="dk1"/>
+                </a:solidFill>
+                <a:latin typeface="+mn-lt"/>
+                <a:ea typeface="+mn-ea"/>
+                <a:cs typeface="+mn-cs"/>
+              </a:defRPr>
+            </a:lvl9pPr>
+          </a:lstStyle>
+          <a:p>
+            <a:pPr algn="ctr"/>
+            <a:r>
+              <a:rPr lang="de-DE" sz="1000" dirty="0" err="1" smtClean="0"/>
+              <a:t>function</a:t>
+            </a:r>
+            <a:endParaRPr lang="de-DE" sz="1000" dirty="0" smtClean="0"/>
+          </a:p>
+          <a:p>
+            <a:pPr algn="ctr"/>
+            <a:r>
+              <a:rPr lang="de-DE" sz="1000" dirty="0" err="1" smtClean="0"/>
+              <a:t>deleteWiki</a:t>
+            </a:r>
+            <a:endParaRPr lang="de-DE" sz="1000" dirty="0" smtClean="0"/>
+          </a:p>
+        </p:txBody>
+      </p:sp>
+      <p:sp>
+        <p:nvSpPr>
+          <p:cNvPr id="65" name="Abgerundetes Rechteck 64"/>
+          <p:cNvSpPr/>
+          <p:nvPr/>
+        </p:nvSpPr>
+        <p:spPr>
+          <a:xfrm>
+            <a:off x="786985" y="7781565"/>
+            <a:ext cx="1260000" cy="576000"/>
+          </a:xfrm>
+          <a:prstGeom prst="roundRect">
+            <a:avLst/>
+          </a:prstGeom>
+        </p:spPr>
+        <p:style>
+          <a:lnRef idx="1">
+            <a:schemeClr val="accent3"/>
+          </a:lnRef>
+          <a:fillRef idx="2">
+            <a:schemeClr val="accent3"/>
+          </a:fillRef>
+          <a:effectRef idx="1">
+            <a:schemeClr val="accent3"/>
+          </a:effectRef>
+          <a:fontRef idx="minor">
+            <a:schemeClr val="dk1"/>
+          </a:fontRef>
+        </p:style>
+        <p:txBody>
+          <a:bodyPr rot="0" spcFirstLastPara="0" vert="horz" wrap="square" lIns="91420" tIns="45710" rIns="91420" bIns="45710" numCol="1" spcCol="0" rtlCol="0" fromWordArt="0" anchor="ctr" anchorCtr="0" forceAA="0" compatLnSpc="1">
+            <a:prstTxWarp prst="textNoShape">
+              <a:avLst/>
+            </a:prstTxWarp>
+            <a:noAutofit/>
+          </a:bodyPr>
+          <a:lstStyle>
+            <a:lvl1pPr marL="0" indent="0">
+              <a:defRPr sz="1100">
+                <a:solidFill>
+                  <a:schemeClr val="dk1"/>
+                </a:solidFill>
+                <a:latin typeface="+mn-lt"/>
+                <a:ea typeface="+mn-ea"/>
+                <a:cs typeface="+mn-cs"/>
+              </a:defRPr>
+            </a:lvl1pPr>
+            <a:lvl2pPr marL="457200" indent="0">
+              <a:defRPr sz="1100">
+                <a:solidFill>
+                  <a:schemeClr val="dk1"/>
+                </a:solidFill>
+                <a:latin typeface="+mn-lt"/>
+                <a:ea typeface="+mn-ea"/>
+                <a:cs typeface="+mn-cs"/>
+              </a:defRPr>
+            </a:lvl2pPr>
+            <a:lvl3pPr marL="914400" indent="0">
+              <a:defRPr sz="1100">
+                <a:solidFill>
+                  <a:schemeClr val="dk1"/>
+                </a:solidFill>
+                <a:latin typeface="+mn-lt"/>
+                <a:ea typeface="+mn-ea"/>
+                <a:cs typeface="+mn-cs"/>
+              </a:defRPr>
+            </a:lvl3pPr>
+            <a:lvl4pPr marL="1371600" indent="0">
+              <a:defRPr sz="1100">
+                <a:solidFill>
+                  <a:schemeClr val="dk1"/>
+                </a:solidFill>
+                <a:latin typeface="+mn-lt"/>
+                <a:ea typeface="+mn-ea"/>
+                <a:cs typeface="+mn-cs"/>
+              </a:defRPr>
+            </a:lvl4pPr>
+            <a:lvl5pPr marL="1828800" indent="0">
+              <a:defRPr sz="1100">
+                <a:solidFill>
+                  <a:schemeClr val="dk1"/>
+                </a:solidFill>
+                <a:latin typeface="+mn-lt"/>
+                <a:ea typeface="+mn-ea"/>
+                <a:cs typeface="+mn-cs"/>
+              </a:defRPr>
+            </a:lvl5pPr>
+            <a:lvl6pPr marL="2286000" indent="0">
+              <a:defRPr sz="1100">
+                <a:solidFill>
+                  <a:schemeClr val="dk1"/>
+                </a:solidFill>
+                <a:latin typeface="+mn-lt"/>
+                <a:ea typeface="+mn-ea"/>
+                <a:cs typeface="+mn-cs"/>
+              </a:defRPr>
+            </a:lvl6pPr>
+            <a:lvl7pPr marL="2743200" indent="0">
+              <a:defRPr sz="1100">
+                <a:solidFill>
+                  <a:schemeClr val="dk1"/>
+                </a:solidFill>
+                <a:latin typeface="+mn-lt"/>
+                <a:ea typeface="+mn-ea"/>
+                <a:cs typeface="+mn-cs"/>
+              </a:defRPr>
+            </a:lvl7pPr>
+            <a:lvl8pPr marL="3200400" indent="0">
+              <a:defRPr sz="1100">
+                <a:solidFill>
+                  <a:schemeClr val="dk1"/>
+                </a:solidFill>
+                <a:latin typeface="+mn-lt"/>
+                <a:ea typeface="+mn-ea"/>
+                <a:cs typeface="+mn-cs"/>
+              </a:defRPr>
+            </a:lvl8pPr>
+            <a:lvl9pPr marL="3657600" indent="0">
+              <a:defRPr sz="1100">
+                <a:solidFill>
+                  <a:schemeClr val="dk1"/>
+                </a:solidFill>
+                <a:latin typeface="+mn-lt"/>
+                <a:ea typeface="+mn-ea"/>
+                <a:cs typeface="+mn-cs"/>
+              </a:defRPr>
+            </a:lvl9pPr>
+          </a:lstStyle>
+          <a:p>
+            <a:pPr algn="ctr"/>
+            <a:r>
+              <a:rPr lang="de-DE" sz="1000" dirty="0" err="1" smtClean="0"/>
+              <a:t>function</a:t>
+            </a:r>
+            <a:endParaRPr lang="de-DE" sz="1000" dirty="0" smtClean="0"/>
+          </a:p>
+          <a:p>
+            <a:pPr algn="ctr"/>
+            <a:r>
+              <a:rPr lang="de-DE" sz="1000" dirty="0" err="1" smtClean="0"/>
+              <a:t>changeWiki</a:t>
+            </a:r>
+            <a:endParaRPr lang="de-DE" sz="1000" dirty="0" smtClean="0"/>
+          </a:p>
+        </p:txBody>
+      </p:sp>
+      <p:cxnSp>
+        <p:nvCxnSpPr>
+          <p:cNvPr id="66" name="Gewinkelte Verbindung 65"/>
+          <p:cNvCxnSpPr>
+            <a:stCxn id="60" idx="0"/>
+            <a:endCxn id="59" idx="0"/>
+          </p:cNvCxnSpPr>
+          <p:nvPr/>
+        </p:nvCxnSpPr>
+        <p:spPr>
+          <a:xfrm rot="16200000" flipH="1">
+            <a:off x="1939226" y="4481435"/>
+            <a:ext cx="864096" cy="1934475"/>
+          </a:xfrm>
+          <a:prstGeom prst="bentConnector3">
+            <a:avLst>
+              <a:gd name="adj1" fmla="val -26455"/>
+            </a:avLst>
+          </a:prstGeom>
+          <a:ln>
+            <a:tailEnd type="triangle"/>
+          </a:ln>
+        </p:spPr>
+        <p:style>
+          <a:lnRef idx="1">
+            <a:schemeClr val="accent1"/>
+          </a:lnRef>
+          <a:fillRef idx="0">
+            <a:schemeClr val="accent1"/>
+          </a:fillRef>
+          <a:effectRef idx="0">
+            <a:schemeClr val="accent1"/>
+          </a:effectRef>
+          <a:fontRef idx="minor">
+            <a:schemeClr val="tx1"/>
+          </a:fontRef>
+        </p:style>
+      </p:cxnSp>
+      <p:cxnSp>
+        <p:nvCxnSpPr>
+          <p:cNvPr id="67" name="Gewinkelte Verbindung 66"/>
+          <p:cNvCxnSpPr>
+            <a:stCxn id="59" idx="2"/>
+            <a:endCxn id="60" idx="3"/>
+          </p:cNvCxnSpPr>
+          <p:nvPr/>
+        </p:nvCxnSpPr>
+        <p:spPr>
+          <a:xfrm rot="5400000" flipH="1">
+            <a:off x="2110227" y="5228435"/>
+            <a:ext cx="1152096" cy="1304475"/>
+          </a:xfrm>
+          <a:prstGeom prst="bentConnector4">
+            <a:avLst>
+              <a:gd name="adj1" fmla="val -19842"/>
+              <a:gd name="adj2" fmla="val 74148"/>
+            </a:avLst>
+          </a:prstGeom>
+          <a:ln>
+            <a:tailEnd type="triangle"/>
+          </a:ln>
+        </p:spPr>
+        <p:style>
+          <a:lnRef idx="1">
+            <a:schemeClr val="accent1"/>
+          </a:lnRef>
+          <a:fillRef idx="0">
+            <a:schemeClr val="accent1"/>
+          </a:fillRef>
+          <a:effectRef idx="0">
+            <a:schemeClr val="accent1"/>
+          </a:effectRef>
+          <a:fontRef idx="minor">
+            <a:schemeClr val="tx1"/>
+          </a:fontRef>
+        </p:style>
+      </p:cxnSp>
+    </p:spTree>
+    <p:extLst>
+      <p:ext uri="{BB962C8B-B14F-4D97-AF65-F5344CB8AC3E}">
+        <p14:creationId xmlns:p14="http://schemas.microsoft.com/office/powerpoint/2010/main" val="352346521"/>
+      </p:ext>
+    </p:extLst>
+  </p:cSld>
+  <p:clrMapOvr>
+    <a:masterClrMapping/>
+  </p:clrMapOvr>
+  <p:timing>
+    <p:tnLst>
+      <p:par>
+        <p:cTn id="1" dur="indefinite" restart="never" nodeType="tmRoot"/>
+      </p:par>
+    </p:tnLst>
+  </p:timing>
+</p:sld>
+</file>
+
 <file path=ppt/theme/theme1.xml><?xml version="1.0" encoding="utf-8"?>
 <a:theme xmlns:a="http://schemas.openxmlformats.org/drawingml/2006/main" name="Larissa">
   <a:themeElements>

--- a/DOCS/Projektarbeit-2014-03-21.pptx
+++ b/DOCS/Projektarbeit-2014-03-21.pptx
@@ -5,13 +5,14 @@
     <p:sldMasterId id="2147483648" r:id="rId1"/>
   </p:sldMasterIdLst>
   <p:notesMasterIdLst>
-    <p:notesMasterId r:id="rId6"/>
+    <p:notesMasterId r:id="rId7"/>
   </p:notesMasterIdLst>
   <p:sldIdLst>
     <p:sldId id="256" r:id="rId2"/>
-    <p:sldId id="272" r:id="rId3"/>
-    <p:sldId id="274" r:id="rId4"/>
-    <p:sldId id="275" r:id="rId5"/>
+    <p:sldId id="276" r:id="rId3"/>
+    <p:sldId id="272" r:id="rId4"/>
+    <p:sldId id="274" r:id="rId5"/>
+    <p:sldId id="275" r:id="rId6"/>
   </p:sldIdLst>
   <p:sldSz cx="12801600" cy="9601200" type="A3"/>
   <p:notesSz cx="6797675" cy="9926638"/>
@@ -195,7 +196,7 @@
           <a:p>
             <a:fld id="{85D3FC62-E30B-42A0-92D7-72EB9B604F79}" type="datetimeFigureOut">
               <a:rPr lang="de-DE" smtClean="0"/>
-              <a:t>04.04.2014</a:t>
+              <a:t>10.04.2014</a:t>
             </a:fld>
             <a:endParaRPr lang="de-DE" dirty="0"/>
           </a:p>
@@ -644,7 +645,7 @@
           <a:p>
             <a:fld id="{7433C20E-6825-4410-AA39-1AC6AC55EBFB}" type="datetimeFigureOut">
               <a:rPr lang="de-DE" smtClean="0"/>
-              <a:t>04.04.2014</a:t>
+              <a:t>10.04.2014</a:t>
             </a:fld>
             <a:endParaRPr lang="de-DE" dirty="0"/>
           </a:p>
@@ -814,7 +815,7 @@
           <a:p>
             <a:fld id="{7433C20E-6825-4410-AA39-1AC6AC55EBFB}" type="datetimeFigureOut">
               <a:rPr lang="de-DE" smtClean="0"/>
-              <a:t>04.04.2014</a:t>
+              <a:t>10.04.2014</a:t>
             </a:fld>
             <a:endParaRPr lang="de-DE" dirty="0"/>
           </a:p>
@@ -994,7 +995,7 @@
           <a:p>
             <a:fld id="{7433C20E-6825-4410-AA39-1AC6AC55EBFB}" type="datetimeFigureOut">
               <a:rPr lang="de-DE" smtClean="0"/>
-              <a:t>04.04.2014</a:t>
+              <a:t>10.04.2014</a:t>
             </a:fld>
             <a:endParaRPr lang="de-DE" dirty="0"/>
           </a:p>
@@ -1164,7 +1165,7 @@
           <a:p>
             <a:fld id="{7433C20E-6825-4410-AA39-1AC6AC55EBFB}" type="datetimeFigureOut">
               <a:rPr lang="de-DE" smtClean="0"/>
-              <a:t>04.04.2014</a:t>
+              <a:t>10.04.2014</a:t>
             </a:fld>
             <a:endParaRPr lang="de-DE" dirty="0"/>
           </a:p>
@@ -1410,7 +1411,7 @@
           <a:p>
             <a:fld id="{7433C20E-6825-4410-AA39-1AC6AC55EBFB}" type="datetimeFigureOut">
               <a:rPr lang="de-DE" smtClean="0"/>
-              <a:t>04.04.2014</a:t>
+              <a:t>10.04.2014</a:t>
             </a:fld>
             <a:endParaRPr lang="de-DE" dirty="0"/>
           </a:p>
@@ -1698,7 +1699,7 @@
           <a:p>
             <a:fld id="{7433C20E-6825-4410-AA39-1AC6AC55EBFB}" type="datetimeFigureOut">
               <a:rPr lang="de-DE" smtClean="0"/>
-              <a:t>04.04.2014</a:t>
+              <a:t>10.04.2014</a:t>
             </a:fld>
             <a:endParaRPr lang="de-DE" dirty="0"/>
           </a:p>
@@ -2125,7 +2126,7 @@
           <a:p>
             <a:fld id="{7433C20E-6825-4410-AA39-1AC6AC55EBFB}" type="datetimeFigureOut">
               <a:rPr lang="de-DE" smtClean="0"/>
-              <a:t>04.04.2014</a:t>
+              <a:t>10.04.2014</a:t>
             </a:fld>
             <a:endParaRPr lang="de-DE" dirty="0"/>
           </a:p>
@@ -2243,7 +2244,7 @@
           <a:p>
             <a:fld id="{7433C20E-6825-4410-AA39-1AC6AC55EBFB}" type="datetimeFigureOut">
               <a:rPr lang="de-DE" smtClean="0"/>
-              <a:t>04.04.2014</a:t>
+              <a:t>10.04.2014</a:t>
             </a:fld>
             <a:endParaRPr lang="de-DE" dirty="0"/>
           </a:p>
@@ -2338,7 +2339,7 @@
           <a:p>
             <a:fld id="{7433C20E-6825-4410-AA39-1AC6AC55EBFB}" type="datetimeFigureOut">
               <a:rPr lang="de-DE" smtClean="0"/>
-              <a:t>04.04.2014</a:t>
+              <a:t>10.04.2014</a:t>
             </a:fld>
             <a:endParaRPr lang="de-DE" dirty="0"/>
           </a:p>
@@ -2615,7 +2616,7 @@
           <a:p>
             <a:fld id="{7433C20E-6825-4410-AA39-1AC6AC55EBFB}" type="datetimeFigureOut">
               <a:rPr lang="de-DE" smtClean="0"/>
-              <a:t>04.04.2014</a:t>
+              <a:t>10.04.2014</a:t>
             </a:fld>
             <a:endParaRPr lang="de-DE" dirty="0"/>
           </a:p>
@@ -2868,7 +2869,7 @@
           <a:p>
             <a:fld id="{7433C20E-6825-4410-AA39-1AC6AC55EBFB}" type="datetimeFigureOut">
               <a:rPr lang="de-DE" smtClean="0"/>
-              <a:t>04.04.2014</a:t>
+              <a:t>10.04.2014</a:t>
             </a:fld>
             <a:endParaRPr lang="de-DE" dirty="0"/>
           </a:p>
@@ -3081,7 +3082,7 @@
           <a:p>
             <a:fld id="{7433C20E-6825-4410-AA39-1AC6AC55EBFB}" type="datetimeFigureOut">
               <a:rPr lang="de-DE" smtClean="0"/>
-              <a:t>04.04.2014</a:t>
+              <a:t>10.04.2014</a:t>
             </a:fld>
             <a:endParaRPr lang="de-DE" dirty="0"/>
           </a:p>
@@ -5060,6 +5061,801 @@
           <a:chExt cx="0" cy="0"/>
         </a:xfrm>
       </p:grpSpPr>
+      <p:graphicFrame>
+        <p:nvGraphicFramePr>
+          <p:cNvPr id="20" name="Tabelle 19"/>
+          <p:cNvGraphicFramePr>
+            <a:graphicFrameLocks noGrp="1"/>
+          </p:cNvGraphicFramePr>
+          <p:nvPr>
+            <p:extLst>
+              <p:ext uri="{D42A27DB-BD31-4B8C-83A1-F6EECF244321}">
+                <p14:modId xmlns:p14="http://schemas.microsoft.com/office/powerpoint/2010/main" val="1187261727"/>
+              </p:ext>
+            </p:extLst>
+          </p:nvPr>
+        </p:nvGraphicFramePr>
+        <p:xfrm>
+          <a:off x="1000200" y="2168156"/>
+          <a:ext cx="1917700" cy="2095500"/>
+        </p:xfrm>
+        <a:graphic>
+          <a:graphicData uri="http://schemas.openxmlformats.org/drawingml/2006/table">
+            <a:tbl>
+              <a:tblPr/>
+              <a:tblGrid>
+                <a:gridCol w="1917700"/>
+              </a:tblGrid>
+              <a:tr h="190500">
+                <a:tc>
+                  <a:txBody>
+                    <a:bodyPr/>
+                    <a:lstStyle/>
+                    <a:p>
+                      <a:pPr algn="ctr" fontAlgn="b"/>
+                      <a:r>
+                        <a:rPr lang="de-DE" sz="1000" b="1" i="0" u="none" strike="noStrike" dirty="0" err="1">
+                          <a:solidFill>
+                            <a:srgbClr val="FFFFFF"/>
+                          </a:solidFill>
+                          <a:effectLst/>
+                          <a:latin typeface="Courier New"/>
+                        </a:rPr>
+                        <a:t>class</a:t>
+                      </a:r>
+                      <a:r>
+                        <a:rPr lang="de-DE" sz="1000" b="1" i="0" u="none" strike="noStrike" dirty="0">
+                          <a:solidFill>
+                            <a:srgbClr val="FFFFFF"/>
+                          </a:solidFill>
+                          <a:effectLst/>
+                          <a:latin typeface="Courier New"/>
+                        </a:rPr>
+                        <a:t> </a:t>
+                      </a:r>
+                      <a:r>
+                        <a:rPr lang="de-DE" sz="1000" b="1" i="0" u="none" strike="noStrike" dirty="0" err="1">
+                          <a:solidFill>
+                            <a:srgbClr val="FFFFFF"/>
+                          </a:solidFill>
+                          <a:effectLst/>
+                          <a:latin typeface="Courier New"/>
+                        </a:rPr>
+                        <a:t>WikiService</a:t>
+                      </a:r>
+                      <a:endParaRPr lang="de-DE" sz="1000" b="1" i="0" u="none" strike="noStrike" dirty="0">
+                        <a:solidFill>
+                          <a:srgbClr val="FFFFFF"/>
+                        </a:solidFill>
+                        <a:effectLst/>
+                        <a:latin typeface="Courier New"/>
+                      </a:endParaRPr>
+                    </a:p>
+                  </a:txBody>
+                  <a:tcPr marL="9525" marR="9525" marT="9525" marB="0" anchor="b">
+                    <a:lnL w="6350" cap="flat" cmpd="sng" algn="ctr">
+                      <a:solidFill>
+                        <a:srgbClr val="000000"/>
+                      </a:solidFill>
+                      <a:prstDash val="solid"/>
+                      <a:round/>
+                      <a:headEnd type="none" w="med" len="med"/>
+                      <a:tailEnd type="none" w="med" len="med"/>
+                    </a:lnL>
+                    <a:lnR w="6350" cap="flat" cmpd="sng" algn="ctr">
+                      <a:solidFill>
+                        <a:srgbClr val="000000"/>
+                      </a:solidFill>
+                      <a:prstDash val="solid"/>
+                      <a:round/>
+                      <a:headEnd type="none" w="med" len="med"/>
+                      <a:tailEnd type="none" w="med" len="med"/>
+                    </a:lnR>
+                    <a:lnT w="6350" cap="flat" cmpd="sng" algn="ctr">
+                      <a:solidFill>
+                        <a:srgbClr val="000000"/>
+                      </a:solidFill>
+                      <a:prstDash val="solid"/>
+                      <a:round/>
+                      <a:headEnd type="none" w="med" len="med"/>
+                      <a:tailEnd type="none" w="med" len="med"/>
+                    </a:lnT>
+                    <a:lnB w="6350" cap="flat" cmpd="sng" algn="ctr">
+                      <a:solidFill>
+                        <a:srgbClr val="000000"/>
+                      </a:solidFill>
+                      <a:prstDash val="solid"/>
+                      <a:round/>
+                      <a:headEnd type="none" w="med" len="med"/>
+                      <a:tailEnd type="none" w="med" len="med"/>
+                    </a:lnB>
+                    <a:solidFill>
+                      <a:srgbClr val="4F81BD"/>
+                    </a:solidFill>
+                  </a:tcPr>
+                </a:tc>
+              </a:tr>
+              <a:tr h="190500">
+                <a:tc>
+                  <a:txBody>
+                    <a:bodyPr/>
+                    <a:lstStyle/>
+                    <a:p>
+                      <a:pPr algn="l" fontAlgn="ctr"/>
+                      <a:r>
+                        <a:rPr lang="de-DE" sz="1000" b="0" i="0" u="none" strike="noStrike">
+                          <a:solidFill>
+                            <a:srgbClr val="000000"/>
+                          </a:solidFill>
+                          <a:effectLst/>
+                          <a:latin typeface="Courier New"/>
+                        </a:rPr>
+                        <a:t>const ERROR</a:t>
+                      </a:r>
+                    </a:p>
+                  </a:txBody>
+                  <a:tcPr marL="9525" marR="9525" marT="9525" marB="0" anchor="ctr">
+                    <a:lnL w="6350" cap="flat" cmpd="sng" algn="ctr">
+                      <a:solidFill>
+                        <a:srgbClr val="000000"/>
+                      </a:solidFill>
+                      <a:prstDash val="solid"/>
+                      <a:round/>
+                      <a:headEnd type="none" w="med" len="med"/>
+                      <a:tailEnd type="none" w="med" len="med"/>
+                    </a:lnL>
+                    <a:lnR w="6350" cap="flat" cmpd="sng" algn="ctr">
+                      <a:solidFill>
+                        <a:srgbClr val="000000"/>
+                      </a:solidFill>
+                      <a:prstDash val="solid"/>
+                      <a:round/>
+                      <a:headEnd type="none" w="med" len="med"/>
+                      <a:tailEnd type="none" w="med" len="med"/>
+                    </a:lnR>
+                    <a:lnT w="6350" cap="flat" cmpd="sng" algn="ctr">
+                      <a:solidFill>
+                        <a:srgbClr val="000000"/>
+                      </a:solidFill>
+                      <a:prstDash val="solid"/>
+                      <a:round/>
+                      <a:headEnd type="none" w="med" len="med"/>
+                      <a:tailEnd type="none" w="med" len="med"/>
+                    </a:lnT>
+                    <a:lnB w="6350" cap="flat" cmpd="sng" algn="ctr">
+                      <a:solidFill>
+                        <a:srgbClr val="000000"/>
+                      </a:solidFill>
+                      <a:prstDash val="solid"/>
+                      <a:round/>
+                      <a:headEnd type="none" w="med" len="med"/>
+                      <a:tailEnd type="none" w="med" len="med"/>
+                    </a:lnB>
+                    <a:solidFill>
+                      <a:srgbClr val="DCE6F1"/>
+                    </a:solidFill>
+                  </a:tcPr>
+                </a:tc>
+              </a:tr>
+              <a:tr h="190500">
+                <a:tc>
+                  <a:txBody>
+                    <a:bodyPr/>
+                    <a:lstStyle/>
+                    <a:p>
+                      <a:pPr algn="l" fontAlgn="ctr"/>
+                      <a:r>
+                        <a:rPr lang="de-DE" sz="1000" b="0" i="0" u="none" strike="noStrike" dirty="0" err="1">
+                          <a:solidFill>
+                            <a:srgbClr val="000000"/>
+                          </a:solidFill>
+                          <a:effectLst/>
+                          <a:latin typeface="Courier New"/>
+                        </a:rPr>
+                        <a:t>const</a:t>
+                      </a:r>
+                      <a:r>
+                        <a:rPr lang="de-DE" sz="1000" b="0" i="0" u="none" strike="noStrike" dirty="0">
+                          <a:solidFill>
+                            <a:srgbClr val="000000"/>
+                          </a:solidFill>
+                          <a:effectLst/>
+                          <a:latin typeface="Courier New"/>
+                        </a:rPr>
+                        <a:t> NOT_FOUND</a:t>
+                      </a:r>
+                    </a:p>
+                  </a:txBody>
+                  <a:tcPr marL="9525" marR="9525" marT="9525" marB="0" anchor="ctr">
+                    <a:lnL w="6350" cap="flat" cmpd="sng" algn="ctr">
+                      <a:solidFill>
+                        <a:srgbClr val="000000"/>
+                      </a:solidFill>
+                      <a:prstDash val="solid"/>
+                      <a:round/>
+                      <a:headEnd type="none" w="med" len="med"/>
+                      <a:tailEnd type="none" w="med" len="med"/>
+                    </a:lnL>
+                    <a:lnR w="6350" cap="flat" cmpd="sng" algn="ctr">
+                      <a:solidFill>
+                        <a:srgbClr val="000000"/>
+                      </a:solidFill>
+                      <a:prstDash val="solid"/>
+                      <a:round/>
+                      <a:headEnd type="none" w="med" len="med"/>
+                      <a:tailEnd type="none" w="med" len="med"/>
+                    </a:lnR>
+                    <a:lnT w="6350" cap="flat" cmpd="sng" algn="ctr">
+                      <a:solidFill>
+                        <a:srgbClr val="000000"/>
+                      </a:solidFill>
+                      <a:prstDash val="solid"/>
+                      <a:round/>
+                      <a:headEnd type="none" w="med" len="med"/>
+                      <a:tailEnd type="none" w="med" len="med"/>
+                    </a:lnT>
+                    <a:lnB w="6350" cap="flat" cmpd="sng" algn="ctr">
+                      <a:solidFill>
+                        <a:srgbClr val="000000"/>
+                      </a:solidFill>
+                      <a:prstDash val="solid"/>
+                      <a:round/>
+                      <a:headEnd type="none" w="med" len="med"/>
+                      <a:tailEnd type="none" w="med" len="med"/>
+                    </a:lnB>
+                    <a:solidFill>
+                      <a:srgbClr val="DCE6F1"/>
+                    </a:solidFill>
+                  </a:tcPr>
+                </a:tc>
+              </a:tr>
+              <a:tr h="190500">
+                <a:tc>
+                  <a:txBody>
+                    <a:bodyPr/>
+                    <a:lstStyle/>
+                    <a:p>
+                      <a:pPr algn="l" fontAlgn="ctr"/>
+                      <a:r>
+                        <a:rPr lang="de-DE" sz="1000" b="0" i="0" u="none" strike="noStrike">
+                          <a:solidFill>
+                            <a:srgbClr val="000000"/>
+                          </a:solidFill>
+                          <a:effectLst/>
+                          <a:latin typeface="Courier New"/>
+                        </a:rPr>
+                        <a:t>const INVALID_INPUT</a:t>
+                      </a:r>
+                    </a:p>
+                  </a:txBody>
+                  <a:tcPr marL="9525" marR="9525" marT="9525" marB="0" anchor="ctr">
+                    <a:lnL w="6350" cap="flat" cmpd="sng" algn="ctr">
+                      <a:solidFill>
+                        <a:srgbClr val="000000"/>
+                      </a:solidFill>
+                      <a:prstDash val="solid"/>
+                      <a:round/>
+                      <a:headEnd type="none" w="med" len="med"/>
+                      <a:tailEnd type="none" w="med" len="med"/>
+                    </a:lnL>
+                    <a:lnR w="6350" cap="flat" cmpd="sng" algn="ctr">
+                      <a:solidFill>
+                        <a:srgbClr val="000000"/>
+                      </a:solidFill>
+                      <a:prstDash val="solid"/>
+                      <a:round/>
+                      <a:headEnd type="none" w="med" len="med"/>
+                      <a:tailEnd type="none" w="med" len="med"/>
+                    </a:lnR>
+                    <a:lnT w="6350" cap="flat" cmpd="sng" algn="ctr">
+                      <a:solidFill>
+                        <a:srgbClr val="000000"/>
+                      </a:solidFill>
+                      <a:prstDash val="solid"/>
+                      <a:round/>
+                      <a:headEnd type="none" w="med" len="med"/>
+                      <a:tailEnd type="none" w="med" len="med"/>
+                    </a:lnT>
+                    <a:lnB w="6350" cap="flat" cmpd="sng" algn="ctr">
+                      <a:solidFill>
+                        <a:srgbClr val="000000"/>
+                      </a:solidFill>
+                      <a:prstDash val="solid"/>
+                      <a:round/>
+                      <a:headEnd type="none" w="med" len="med"/>
+                      <a:tailEnd type="none" w="med" len="med"/>
+                    </a:lnB>
+                    <a:solidFill>
+                      <a:srgbClr val="DCE6F1"/>
+                    </a:solidFill>
+                  </a:tcPr>
+                </a:tc>
+              </a:tr>
+              <a:tr h="190500">
+                <a:tc>
+                  <a:txBody>
+                    <a:bodyPr/>
+                    <a:lstStyle/>
+                    <a:p>
+                      <a:pPr algn="l" fontAlgn="ctr"/>
+                      <a:r>
+                        <a:rPr lang="de-DE" sz="1000" b="0" i="0" u="none" strike="noStrike">
+                          <a:solidFill>
+                            <a:srgbClr val="000000"/>
+                          </a:solidFill>
+                          <a:effectLst/>
+                          <a:latin typeface="Courier New"/>
+                        </a:rPr>
+                        <a:t>const OK</a:t>
+                      </a:r>
+                    </a:p>
+                  </a:txBody>
+                  <a:tcPr marL="9525" marR="9525" marT="9525" marB="0" anchor="ctr">
+                    <a:lnL w="6350" cap="flat" cmpd="sng" algn="ctr">
+                      <a:solidFill>
+                        <a:srgbClr val="000000"/>
+                      </a:solidFill>
+                      <a:prstDash val="solid"/>
+                      <a:round/>
+                      <a:headEnd type="none" w="med" len="med"/>
+                      <a:tailEnd type="none" w="med" len="med"/>
+                    </a:lnL>
+                    <a:lnR w="6350" cap="flat" cmpd="sng" algn="ctr">
+                      <a:solidFill>
+                        <a:srgbClr val="000000"/>
+                      </a:solidFill>
+                      <a:prstDash val="solid"/>
+                      <a:round/>
+                      <a:headEnd type="none" w="med" len="med"/>
+                      <a:tailEnd type="none" w="med" len="med"/>
+                    </a:lnR>
+                    <a:lnT w="6350" cap="flat" cmpd="sng" algn="ctr">
+                      <a:solidFill>
+                        <a:srgbClr val="000000"/>
+                      </a:solidFill>
+                      <a:prstDash val="solid"/>
+                      <a:round/>
+                      <a:headEnd type="none" w="med" len="med"/>
+                      <a:tailEnd type="none" w="med" len="med"/>
+                    </a:lnT>
+                    <a:lnB w="6350" cap="flat" cmpd="sng" algn="ctr">
+                      <a:solidFill>
+                        <a:srgbClr val="000000"/>
+                      </a:solidFill>
+                      <a:prstDash val="solid"/>
+                      <a:round/>
+                      <a:headEnd type="none" w="med" len="med"/>
+                      <a:tailEnd type="none" w="med" len="med"/>
+                    </a:lnB>
+                    <a:solidFill>
+                      <a:srgbClr val="DCE6F1"/>
+                    </a:solidFill>
+                  </a:tcPr>
+                </a:tc>
+              </a:tr>
+              <a:tr h="190500">
+                <a:tc>
+                  <a:txBody>
+                    <a:bodyPr/>
+                    <a:lstStyle/>
+                    <a:p>
+                      <a:pPr algn="l" fontAlgn="ctr"/>
+                      <a:r>
+                        <a:rPr lang="de-DE" sz="1000" b="0" i="0" u="none" strike="noStrike">
+                          <a:solidFill>
+                            <a:srgbClr val="000000"/>
+                          </a:solidFill>
+                          <a:effectLst/>
+                          <a:latin typeface="Courier New"/>
+                        </a:rPr>
+                        <a:t>const VERSION_OUTDATED</a:t>
+                      </a:r>
+                    </a:p>
+                  </a:txBody>
+                  <a:tcPr marL="9525" marR="9525" marT="9525" marB="0" anchor="ctr">
+                    <a:lnL w="6350" cap="flat" cmpd="sng" algn="ctr">
+                      <a:solidFill>
+                        <a:srgbClr val="000000"/>
+                      </a:solidFill>
+                      <a:prstDash val="solid"/>
+                      <a:round/>
+                      <a:headEnd type="none" w="med" len="med"/>
+                      <a:tailEnd type="none" w="med" len="med"/>
+                    </a:lnL>
+                    <a:lnR w="6350" cap="flat" cmpd="sng" algn="ctr">
+                      <a:solidFill>
+                        <a:srgbClr val="000000"/>
+                      </a:solidFill>
+                      <a:prstDash val="solid"/>
+                      <a:round/>
+                      <a:headEnd type="none" w="med" len="med"/>
+                      <a:tailEnd type="none" w="med" len="med"/>
+                    </a:lnR>
+                    <a:lnT w="6350" cap="flat" cmpd="sng" algn="ctr">
+                      <a:solidFill>
+                        <a:srgbClr val="000000"/>
+                      </a:solidFill>
+                      <a:prstDash val="solid"/>
+                      <a:round/>
+                      <a:headEnd type="none" w="med" len="med"/>
+                      <a:tailEnd type="none" w="med" len="med"/>
+                    </a:lnT>
+                    <a:lnB w="6350" cap="flat" cmpd="sng" algn="ctr">
+                      <a:solidFill>
+                        <a:srgbClr val="000000"/>
+                      </a:solidFill>
+                      <a:prstDash val="solid"/>
+                      <a:round/>
+                      <a:headEnd type="none" w="med" len="med"/>
+                      <a:tailEnd type="none" w="med" len="med"/>
+                    </a:lnB>
+                    <a:solidFill>
+                      <a:srgbClr val="DCE6F1"/>
+                    </a:solidFill>
+                  </a:tcPr>
+                </a:tc>
+              </a:tr>
+              <a:tr h="190500">
+                <a:tc>
+                  <a:txBody>
+                    <a:bodyPr/>
+                    <a:lstStyle/>
+                    <a:p>
+                      <a:pPr algn="l" fontAlgn="ctr"/>
+                      <a:r>
+                        <a:rPr lang="de-DE" sz="1000" b="0" i="0" u="none" strike="noStrike">
+                          <a:solidFill>
+                            <a:srgbClr val="000000"/>
+                          </a:solidFill>
+                          <a:effectLst/>
+                          <a:latin typeface="Courier New"/>
+                        </a:rPr>
+                        <a:t>readWikis()</a:t>
+                      </a:r>
+                    </a:p>
+                  </a:txBody>
+                  <a:tcPr marL="9525" marR="9525" marT="9525" marB="0" anchor="ctr">
+                    <a:lnL w="6350" cap="flat" cmpd="sng" algn="ctr">
+                      <a:solidFill>
+                        <a:srgbClr val="000000"/>
+                      </a:solidFill>
+                      <a:prstDash val="solid"/>
+                      <a:round/>
+                      <a:headEnd type="none" w="med" len="med"/>
+                      <a:tailEnd type="none" w="med" len="med"/>
+                    </a:lnL>
+                    <a:lnR w="6350" cap="flat" cmpd="sng" algn="ctr">
+                      <a:solidFill>
+                        <a:srgbClr val="000000"/>
+                      </a:solidFill>
+                      <a:prstDash val="solid"/>
+                      <a:round/>
+                      <a:headEnd type="none" w="med" len="med"/>
+                      <a:tailEnd type="none" w="med" len="med"/>
+                    </a:lnR>
+                    <a:lnT w="6350" cap="flat" cmpd="sng" algn="ctr">
+                      <a:solidFill>
+                        <a:srgbClr val="000000"/>
+                      </a:solidFill>
+                      <a:prstDash val="solid"/>
+                      <a:round/>
+                      <a:headEnd type="none" w="med" len="med"/>
+                      <a:tailEnd type="none" w="med" len="med"/>
+                    </a:lnT>
+                    <a:lnB w="6350" cap="flat" cmpd="sng" algn="ctr">
+                      <a:solidFill>
+                        <a:srgbClr val="000000"/>
+                      </a:solidFill>
+                      <a:prstDash val="solid"/>
+                      <a:round/>
+                      <a:headEnd type="none" w="med" len="med"/>
+                      <a:tailEnd type="none" w="med" len="med"/>
+                    </a:lnB>
+                    <a:solidFill>
+                      <a:srgbClr val="95B3D7"/>
+                    </a:solidFill>
+                  </a:tcPr>
+                </a:tc>
+              </a:tr>
+              <a:tr h="190500">
+                <a:tc>
+                  <a:txBody>
+                    <a:bodyPr/>
+                    <a:lstStyle/>
+                    <a:p>
+                      <a:pPr algn="l" fontAlgn="ctr"/>
+                      <a:r>
+                        <a:rPr lang="de-DE" sz="1000" b="0" i="0" u="none" strike="noStrike">
+                          <a:solidFill>
+                            <a:srgbClr val="000000"/>
+                          </a:solidFill>
+                          <a:effectLst/>
+                          <a:latin typeface="Courier New"/>
+                        </a:rPr>
+                        <a:t>readWiki()</a:t>
+                      </a:r>
+                    </a:p>
+                  </a:txBody>
+                  <a:tcPr marL="9525" marR="9525" marT="9525" marB="0" anchor="ctr">
+                    <a:lnL w="6350" cap="flat" cmpd="sng" algn="ctr">
+                      <a:solidFill>
+                        <a:srgbClr val="000000"/>
+                      </a:solidFill>
+                      <a:prstDash val="solid"/>
+                      <a:round/>
+                      <a:headEnd type="none" w="med" len="med"/>
+                      <a:tailEnd type="none" w="med" len="med"/>
+                    </a:lnL>
+                    <a:lnR w="6350" cap="flat" cmpd="sng" algn="ctr">
+                      <a:solidFill>
+                        <a:srgbClr val="000000"/>
+                      </a:solidFill>
+                      <a:prstDash val="solid"/>
+                      <a:round/>
+                      <a:headEnd type="none" w="med" len="med"/>
+                      <a:tailEnd type="none" w="med" len="med"/>
+                    </a:lnR>
+                    <a:lnT w="6350" cap="flat" cmpd="sng" algn="ctr">
+                      <a:solidFill>
+                        <a:srgbClr val="000000"/>
+                      </a:solidFill>
+                      <a:prstDash val="solid"/>
+                      <a:round/>
+                      <a:headEnd type="none" w="med" len="med"/>
+                      <a:tailEnd type="none" w="med" len="med"/>
+                    </a:lnT>
+                    <a:lnB w="6350" cap="flat" cmpd="sng" algn="ctr">
+                      <a:solidFill>
+                        <a:srgbClr val="000000"/>
+                      </a:solidFill>
+                      <a:prstDash val="solid"/>
+                      <a:round/>
+                      <a:headEnd type="none" w="med" len="med"/>
+                      <a:tailEnd type="none" w="med" len="med"/>
+                    </a:lnB>
+                    <a:solidFill>
+                      <a:srgbClr val="95B3D7"/>
+                    </a:solidFill>
+                  </a:tcPr>
+                </a:tc>
+              </a:tr>
+              <a:tr h="190500">
+                <a:tc>
+                  <a:txBody>
+                    <a:bodyPr/>
+                    <a:lstStyle/>
+                    <a:p>
+                      <a:pPr algn="l" fontAlgn="ctr"/>
+                      <a:r>
+                        <a:rPr lang="de-DE" sz="1000" b="0" i="0" u="none" strike="noStrike">
+                          <a:solidFill>
+                            <a:srgbClr val="000000"/>
+                          </a:solidFill>
+                          <a:effectLst/>
+                          <a:latin typeface="Courier New"/>
+                        </a:rPr>
+                        <a:t>createWiki()</a:t>
+                      </a:r>
+                    </a:p>
+                  </a:txBody>
+                  <a:tcPr marL="9525" marR="9525" marT="9525" marB="0" anchor="ctr">
+                    <a:lnL w="6350" cap="flat" cmpd="sng" algn="ctr">
+                      <a:solidFill>
+                        <a:srgbClr val="000000"/>
+                      </a:solidFill>
+                      <a:prstDash val="solid"/>
+                      <a:round/>
+                      <a:headEnd type="none" w="med" len="med"/>
+                      <a:tailEnd type="none" w="med" len="med"/>
+                    </a:lnL>
+                    <a:lnR w="6350" cap="flat" cmpd="sng" algn="ctr">
+                      <a:solidFill>
+                        <a:srgbClr val="000000"/>
+                      </a:solidFill>
+                      <a:prstDash val="solid"/>
+                      <a:round/>
+                      <a:headEnd type="none" w="med" len="med"/>
+                      <a:tailEnd type="none" w="med" len="med"/>
+                    </a:lnR>
+                    <a:lnT w="6350" cap="flat" cmpd="sng" algn="ctr">
+                      <a:solidFill>
+                        <a:srgbClr val="000000"/>
+                      </a:solidFill>
+                      <a:prstDash val="solid"/>
+                      <a:round/>
+                      <a:headEnd type="none" w="med" len="med"/>
+                      <a:tailEnd type="none" w="med" len="med"/>
+                    </a:lnT>
+                    <a:lnB w="6350" cap="flat" cmpd="sng" algn="ctr">
+                      <a:solidFill>
+                        <a:srgbClr val="000000"/>
+                      </a:solidFill>
+                      <a:prstDash val="solid"/>
+                      <a:round/>
+                      <a:headEnd type="none" w="med" len="med"/>
+                      <a:tailEnd type="none" w="med" len="med"/>
+                    </a:lnB>
+                    <a:solidFill>
+                      <a:srgbClr val="95B3D7"/>
+                    </a:solidFill>
+                  </a:tcPr>
+                </a:tc>
+              </a:tr>
+              <a:tr h="190500">
+                <a:tc>
+                  <a:txBody>
+                    <a:bodyPr/>
+                    <a:lstStyle/>
+                    <a:p>
+                      <a:pPr algn="l" fontAlgn="ctr"/>
+                      <a:r>
+                        <a:rPr lang="de-DE" sz="1000" b="0" i="0" u="none" strike="noStrike">
+                          <a:solidFill>
+                            <a:srgbClr val="000000"/>
+                          </a:solidFill>
+                          <a:effectLst/>
+                          <a:latin typeface="Courier New"/>
+                        </a:rPr>
+                        <a:t>deleteWiki()</a:t>
+                      </a:r>
+                    </a:p>
+                  </a:txBody>
+                  <a:tcPr marL="9525" marR="9525" marT="9525" marB="0" anchor="ctr">
+                    <a:lnL w="6350" cap="flat" cmpd="sng" algn="ctr">
+                      <a:solidFill>
+                        <a:srgbClr val="000000"/>
+                      </a:solidFill>
+                      <a:prstDash val="solid"/>
+                      <a:round/>
+                      <a:headEnd type="none" w="med" len="med"/>
+                      <a:tailEnd type="none" w="med" len="med"/>
+                    </a:lnL>
+                    <a:lnR w="6350" cap="flat" cmpd="sng" algn="ctr">
+                      <a:solidFill>
+                        <a:srgbClr val="000000"/>
+                      </a:solidFill>
+                      <a:prstDash val="solid"/>
+                      <a:round/>
+                      <a:headEnd type="none" w="med" len="med"/>
+                      <a:tailEnd type="none" w="med" len="med"/>
+                    </a:lnR>
+                    <a:lnT w="6350" cap="flat" cmpd="sng" algn="ctr">
+                      <a:solidFill>
+                        <a:srgbClr val="000000"/>
+                      </a:solidFill>
+                      <a:prstDash val="solid"/>
+                      <a:round/>
+                      <a:headEnd type="none" w="med" len="med"/>
+                      <a:tailEnd type="none" w="med" len="med"/>
+                    </a:lnT>
+                    <a:lnB w="6350" cap="flat" cmpd="sng" algn="ctr">
+                      <a:solidFill>
+                        <a:srgbClr val="000000"/>
+                      </a:solidFill>
+                      <a:prstDash val="solid"/>
+                      <a:round/>
+                      <a:headEnd type="none" w="med" len="med"/>
+                      <a:tailEnd type="none" w="med" len="med"/>
+                    </a:lnB>
+                    <a:solidFill>
+                      <a:srgbClr val="95B3D7"/>
+                    </a:solidFill>
+                  </a:tcPr>
+                </a:tc>
+              </a:tr>
+              <a:tr h="190500">
+                <a:tc>
+                  <a:txBody>
+                    <a:bodyPr/>
+                    <a:lstStyle/>
+                    <a:p>
+                      <a:pPr algn="l" fontAlgn="ctr"/>
+                      <a:r>
+                        <a:rPr lang="de-DE" sz="1000" b="0" i="0" u="none" strike="noStrike" dirty="0" err="1">
+                          <a:solidFill>
+                            <a:srgbClr val="000000"/>
+                          </a:solidFill>
+                          <a:effectLst/>
+                          <a:latin typeface="Courier New"/>
+                        </a:rPr>
+                        <a:t>updateWiki</a:t>
+                      </a:r>
+                      <a:r>
+                        <a:rPr lang="de-DE" sz="1000" b="0" i="0" u="none" strike="noStrike" dirty="0">
+                          <a:solidFill>
+                            <a:srgbClr val="000000"/>
+                          </a:solidFill>
+                          <a:effectLst/>
+                          <a:latin typeface="Courier New"/>
+                        </a:rPr>
+                        <a:t>()</a:t>
+                      </a:r>
+                    </a:p>
+                  </a:txBody>
+                  <a:tcPr marL="9525" marR="9525" marT="9525" marB="0" anchor="ctr">
+                    <a:lnL w="6350" cap="flat" cmpd="sng" algn="ctr">
+                      <a:solidFill>
+                        <a:srgbClr val="000000"/>
+                      </a:solidFill>
+                      <a:prstDash val="solid"/>
+                      <a:round/>
+                      <a:headEnd type="none" w="med" len="med"/>
+                      <a:tailEnd type="none" w="med" len="med"/>
+                    </a:lnL>
+                    <a:lnR w="6350" cap="flat" cmpd="sng" algn="ctr">
+                      <a:solidFill>
+                        <a:srgbClr val="000000"/>
+                      </a:solidFill>
+                      <a:prstDash val="solid"/>
+                      <a:round/>
+                      <a:headEnd type="none" w="med" len="med"/>
+                      <a:tailEnd type="none" w="med" len="med"/>
+                    </a:lnR>
+                    <a:lnT w="6350" cap="flat" cmpd="sng" algn="ctr">
+                      <a:solidFill>
+                        <a:srgbClr val="000000"/>
+                      </a:solidFill>
+                      <a:prstDash val="solid"/>
+                      <a:round/>
+                      <a:headEnd type="none" w="med" len="med"/>
+                      <a:tailEnd type="none" w="med" len="med"/>
+                    </a:lnT>
+                    <a:lnB w="6350" cap="flat" cmpd="sng" algn="ctr">
+                      <a:solidFill>
+                        <a:srgbClr val="000000"/>
+                      </a:solidFill>
+                      <a:prstDash val="solid"/>
+                      <a:round/>
+                      <a:headEnd type="none" w="med" len="med"/>
+                      <a:tailEnd type="none" w="med" len="med"/>
+                    </a:lnB>
+                    <a:solidFill>
+                      <a:srgbClr val="95B3D7"/>
+                    </a:solidFill>
+                  </a:tcPr>
+                </a:tc>
+              </a:tr>
+            </a:tbl>
+          </a:graphicData>
+        </a:graphic>
+      </p:graphicFrame>
+    </p:spTree>
+    <p:extLst>
+      <p:ext uri="{BB962C8B-B14F-4D97-AF65-F5344CB8AC3E}">
+        <p14:creationId xmlns:p14="http://schemas.microsoft.com/office/powerpoint/2010/main" val="2148722043"/>
+      </p:ext>
+    </p:extLst>
+  </p:cSld>
+  <p:clrMapOvr>
+    <a:masterClrMapping/>
+  </p:clrMapOvr>
+  <p:timing>
+    <p:tnLst>
+      <p:par>
+        <p:cTn id="1" dur="indefinite" restart="never" nodeType="tmRoot"/>
+      </p:par>
+    </p:tnLst>
+  </p:timing>
+</p:sld>
+</file>
+
+<file path=ppt/slides/slide3.xml><?xml version="1.0" encoding="utf-8"?>
+<p:sld xmlns:a="http://schemas.openxmlformats.org/drawingml/2006/main" xmlns:r="http://schemas.openxmlformats.org/officeDocument/2006/relationships" xmlns:p="http://schemas.openxmlformats.org/presentationml/2006/main">
+  <p:cSld>
+    <p:spTree>
+      <p:nvGrpSpPr>
+        <p:cNvPr id="1" name=""/>
+        <p:cNvGrpSpPr/>
+        <p:nvPr/>
+      </p:nvGrpSpPr>
+      <p:grpSpPr>
+        <a:xfrm>
+          <a:off x="0" y="0"/>
+          <a:ext cx="0" cy="0"/>
+          <a:chOff x="0" y="0"/>
+          <a:chExt cx="0" cy="0"/>
+        </a:xfrm>
+      </p:grpSpPr>
       <p:sp>
         <p:nvSpPr>
           <p:cNvPr id="4" name="Flussdiagramm: Vorbereitung 3"/>
@@ -7860,7 +8656,7 @@
 </p:sld>
 </file>
 
-<file path=ppt/slides/slide3.xml><?xml version="1.0" encoding="utf-8"?>
+<file path=ppt/slides/slide4.xml><?xml version="1.0" encoding="utf-8"?>
 <p:sld xmlns:a="http://schemas.openxmlformats.org/drawingml/2006/main" xmlns:r="http://schemas.openxmlformats.org/officeDocument/2006/relationships" xmlns:p="http://schemas.openxmlformats.org/presentationml/2006/main">
   <p:cSld>
     <p:spTree>
@@ -11646,7 +12442,7 @@
 </p:sld>
 </file>
 
-<file path=ppt/slides/slide4.xml><?xml version="1.0" encoding="utf-8"?>
+<file path=ppt/slides/slide5.xml><?xml version="1.0" encoding="utf-8"?>
 <p:sld xmlns:a="http://schemas.openxmlformats.org/drawingml/2006/main" xmlns:r="http://schemas.openxmlformats.org/officeDocument/2006/relationships" xmlns:p="http://schemas.openxmlformats.org/presentationml/2006/main">
   <p:cSld>
     <p:spTree>

--- a/DOCS/Projektarbeit-2014-03-21.pptx
+++ b/DOCS/Projektarbeit-2014-03-21.pptx
@@ -5070,13 +5070,13 @@
           <p:nvPr>
             <p:extLst>
               <p:ext uri="{D42A27DB-BD31-4B8C-83A1-F6EECF244321}">
-                <p14:modId xmlns:p14="http://schemas.microsoft.com/office/powerpoint/2010/main" val="1187261727"/>
+                <p14:modId xmlns:p14="http://schemas.microsoft.com/office/powerpoint/2010/main" val="2476488157"/>
               </p:ext>
             </p:extLst>
           </p:nvPr>
         </p:nvGraphicFramePr>
         <p:xfrm>
-          <a:off x="1000200" y="2168156"/>
+          <a:off x="6256784" y="2424336"/>
           <a:ext cx="1917700" cy="2095500"/>
         </p:xfrm>
         <a:graphic>
@@ -5094,16 +5094,6 @@
                     <a:p>
                       <a:pPr algn="ctr" fontAlgn="b"/>
                       <a:r>
-                        <a:rPr lang="de-DE" sz="1000" b="1" i="0" u="none" strike="noStrike" dirty="0" err="1">
-                          <a:solidFill>
-                            <a:srgbClr val="FFFFFF"/>
-                          </a:solidFill>
-                          <a:effectLst/>
-                          <a:latin typeface="Courier New"/>
-                        </a:rPr>
-                        <a:t>class</a:t>
-                      </a:r>
-                      <a:r>
                         <a:rPr lang="de-DE" sz="1000" b="1" i="0" u="none" strike="noStrike" dirty="0">
                           <a:solidFill>
                             <a:srgbClr val="FFFFFF"/>
@@ -5111,25 +5101,8 @@
                           <a:effectLst/>
                           <a:latin typeface="Courier New"/>
                         </a:rPr>
-                        <a:t> </a:t>
+                        <a:t>class WikiService</a:t>
                       </a:r>
-                      <a:r>
-                        <a:rPr lang="de-DE" sz="1000" b="1" i="0" u="none" strike="noStrike" dirty="0" err="1">
-                          <a:solidFill>
-                            <a:srgbClr val="FFFFFF"/>
-                          </a:solidFill>
-                          <a:effectLst/>
-                          <a:latin typeface="Courier New"/>
-                        </a:rPr>
-                        <a:t>WikiService</a:t>
-                      </a:r>
-                      <a:endParaRPr lang="de-DE" sz="1000" b="1" i="0" u="none" strike="noStrike" dirty="0">
-                        <a:solidFill>
-                          <a:srgbClr val="FFFFFF"/>
-                        </a:solidFill>
-                        <a:effectLst/>
-                        <a:latin typeface="Courier New"/>
-                      </a:endParaRPr>
                     </a:p>
                   </a:txBody>
                   <a:tcPr marL="9525" marR="9525" marT="9525" marB="0" anchor="b">
@@ -5183,7 +5156,7 @@
                     <a:p>
                       <a:pPr algn="l" fontAlgn="ctr"/>
                       <a:r>
-                        <a:rPr lang="de-DE" sz="1000" b="0" i="0" u="none" strike="noStrike">
+                        <a:rPr lang="de-DE" sz="1000" b="0" i="0" u="none" strike="noStrike" dirty="0">
                           <a:solidFill>
                             <a:srgbClr val="000000"/>
                           </a:solidFill>
@@ -5245,15 +5218,67 @@
                     <a:p>
                       <a:pPr algn="l" fontAlgn="ctr"/>
                       <a:r>
-                        <a:rPr lang="de-DE" sz="1000" b="0" i="0" u="none" strike="noStrike" dirty="0" err="1">
+                        <a:rPr lang="de-DE" sz="1000" b="0" i="0" u="none" strike="noStrike" dirty="0">
                           <a:solidFill>
                             <a:srgbClr val="000000"/>
                           </a:solidFill>
                           <a:effectLst/>
                           <a:latin typeface="Courier New"/>
                         </a:rPr>
-                        <a:t>const</a:t>
+                        <a:t>const NOT_FOUND</a:t>
                       </a:r>
+                    </a:p>
+                  </a:txBody>
+                  <a:tcPr marL="9525" marR="9525" marT="9525" marB="0" anchor="ctr">
+                    <a:lnL w="6350" cap="flat" cmpd="sng" algn="ctr">
+                      <a:solidFill>
+                        <a:srgbClr val="000000"/>
+                      </a:solidFill>
+                      <a:prstDash val="solid"/>
+                      <a:round/>
+                      <a:headEnd type="none" w="med" len="med"/>
+                      <a:tailEnd type="none" w="med" len="med"/>
+                    </a:lnL>
+                    <a:lnR w="6350" cap="flat" cmpd="sng" algn="ctr">
+                      <a:solidFill>
+                        <a:srgbClr val="000000"/>
+                      </a:solidFill>
+                      <a:prstDash val="solid"/>
+                      <a:round/>
+                      <a:headEnd type="none" w="med" len="med"/>
+                      <a:tailEnd type="none" w="med" len="med"/>
+                    </a:lnR>
+                    <a:lnT w="6350" cap="flat" cmpd="sng" algn="ctr">
+                      <a:solidFill>
+                        <a:srgbClr val="000000"/>
+                      </a:solidFill>
+                      <a:prstDash val="solid"/>
+                      <a:round/>
+                      <a:headEnd type="none" w="med" len="med"/>
+                      <a:tailEnd type="none" w="med" len="med"/>
+                    </a:lnT>
+                    <a:lnB w="6350" cap="flat" cmpd="sng" algn="ctr">
+                      <a:solidFill>
+                        <a:srgbClr val="000000"/>
+                      </a:solidFill>
+                      <a:prstDash val="solid"/>
+                      <a:round/>
+                      <a:headEnd type="none" w="med" len="med"/>
+                      <a:tailEnd type="none" w="med" len="med"/>
+                    </a:lnB>
+                    <a:solidFill>
+                      <a:srgbClr val="DCE6F1"/>
+                    </a:solidFill>
+                  </a:tcPr>
+                </a:tc>
+              </a:tr>
+              <a:tr h="190500">
+                <a:tc>
+                  <a:txBody>
+                    <a:bodyPr/>
+                    <a:lstStyle/>
+                    <a:p>
+                      <a:pPr algn="l" fontAlgn="ctr"/>
                       <a:r>
                         <a:rPr lang="de-DE" sz="1000" b="0" i="0" u="none" strike="noStrike" dirty="0">
                           <a:solidFill>
@@ -5262,7 +5287,2092 @@
                           <a:effectLst/>
                           <a:latin typeface="Courier New"/>
                         </a:rPr>
-                        <a:t> NOT_FOUND</a:t>
+                        <a:t>const INVALID_INPUT</a:t>
+                      </a:r>
+                    </a:p>
+                  </a:txBody>
+                  <a:tcPr marL="9525" marR="9525" marT="9525" marB="0" anchor="ctr">
+                    <a:lnL w="6350" cap="flat" cmpd="sng" algn="ctr">
+                      <a:solidFill>
+                        <a:srgbClr val="000000"/>
+                      </a:solidFill>
+                      <a:prstDash val="solid"/>
+                      <a:round/>
+                      <a:headEnd type="none" w="med" len="med"/>
+                      <a:tailEnd type="none" w="med" len="med"/>
+                    </a:lnL>
+                    <a:lnR w="6350" cap="flat" cmpd="sng" algn="ctr">
+                      <a:solidFill>
+                        <a:srgbClr val="000000"/>
+                      </a:solidFill>
+                      <a:prstDash val="solid"/>
+                      <a:round/>
+                      <a:headEnd type="none" w="med" len="med"/>
+                      <a:tailEnd type="none" w="med" len="med"/>
+                    </a:lnR>
+                    <a:lnT w="6350" cap="flat" cmpd="sng" algn="ctr">
+                      <a:solidFill>
+                        <a:srgbClr val="000000"/>
+                      </a:solidFill>
+                      <a:prstDash val="solid"/>
+                      <a:round/>
+                      <a:headEnd type="none" w="med" len="med"/>
+                      <a:tailEnd type="none" w="med" len="med"/>
+                    </a:lnT>
+                    <a:lnB w="6350" cap="flat" cmpd="sng" algn="ctr">
+                      <a:solidFill>
+                        <a:srgbClr val="000000"/>
+                      </a:solidFill>
+                      <a:prstDash val="solid"/>
+                      <a:round/>
+                      <a:headEnd type="none" w="med" len="med"/>
+                      <a:tailEnd type="none" w="med" len="med"/>
+                    </a:lnB>
+                    <a:solidFill>
+                      <a:srgbClr val="DCE6F1"/>
+                    </a:solidFill>
+                  </a:tcPr>
+                </a:tc>
+              </a:tr>
+              <a:tr h="190500">
+                <a:tc>
+                  <a:txBody>
+                    <a:bodyPr/>
+                    <a:lstStyle/>
+                    <a:p>
+                      <a:pPr algn="l" fontAlgn="ctr"/>
+                      <a:r>
+                        <a:rPr lang="de-DE" sz="1000" b="0" i="0" u="none" strike="noStrike" dirty="0">
+                          <a:solidFill>
+                            <a:srgbClr val="000000"/>
+                          </a:solidFill>
+                          <a:effectLst/>
+                          <a:latin typeface="Courier New"/>
+                        </a:rPr>
+                        <a:t>const OK</a:t>
+                      </a:r>
+                    </a:p>
+                  </a:txBody>
+                  <a:tcPr marL="9525" marR="9525" marT="9525" marB="0" anchor="ctr">
+                    <a:lnL w="6350" cap="flat" cmpd="sng" algn="ctr">
+                      <a:solidFill>
+                        <a:srgbClr val="000000"/>
+                      </a:solidFill>
+                      <a:prstDash val="solid"/>
+                      <a:round/>
+                      <a:headEnd type="none" w="med" len="med"/>
+                      <a:tailEnd type="none" w="med" len="med"/>
+                    </a:lnL>
+                    <a:lnR w="6350" cap="flat" cmpd="sng" algn="ctr">
+                      <a:solidFill>
+                        <a:srgbClr val="000000"/>
+                      </a:solidFill>
+                      <a:prstDash val="solid"/>
+                      <a:round/>
+                      <a:headEnd type="none" w="med" len="med"/>
+                      <a:tailEnd type="none" w="med" len="med"/>
+                    </a:lnR>
+                    <a:lnT w="6350" cap="flat" cmpd="sng" algn="ctr">
+                      <a:solidFill>
+                        <a:srgbClr val="000000"/>
+                      </a:solidFill>
+                      <a:prstDash val="solid"/>
+                      <a:round/>
+                      <a:headEnd type="none" w="med" len="med"/>
+                      <a:tailEnd type="none" w="med" len="med"/>
+                    </a:lnT>
+                    <a:lnB w="6350" cap="flat" cmpd="sng" algn="ctr">
+                      <a:solidFill>
+                        <a:srgbClr val="000000"/>
+                      </a:solidFill>
+                      <a:prstDash val="solid"/>
+                      <a:round/>
+                      <a:headEnd type="none" w="med" len="med"/>
+                      <a:tailEnd type="none" w="med" len="med"/>
+                    </a:lnB>
+                    <a:solidFill>
+                      <a:srgbClr val="DCE6F1"/>
+                    </a:solidFill>
+                  </a:tcPr>
+                </a:tc>
+              </a:tr>
+              <a:tr h="190500">
+                <a:tc>
+                  <a:txBody>
+                    <a:bodyPr/>
+                    <a:lstStyle/>
+                    <a:p>
+                      <a:pPr algn="l" fontAlgn="ctr"/>
+                      <a:r>
+                        <a:rPr lang="de-DE" sz="1000" b="0" i="0" u="none" strike="noStrike" dirty="0">
+                          <a:solidFill>
+                            <a:srgbClr val="000000"/>
+                          </a:solidFill>
+                          <a:effectLst/>
+                          <a:latin typeface="Courier New"/>
+                        </a:rPr>
+                        <a:t>const VERSION_OUTDATED</a:t>
+                      </a:r>
+                    </a:p>
+                  </a:txBody>
+                  <a:tcPr marL="9525" marR="9525" marT="9525" marB="0" anchor="ctr">
+                    <a:lnL w="6350" cap="flat" cmpd="sng" algn="ctr">
+                      <a:solidFill>
+                        <a:srgbClr val="000000"/>
+                      </a:solidFill>
+                      <a:prstDash val="solid"/>
+                      <a:round/>
+                      <a:headEnd type="none" w="med" len="med"/>
+                      <a:tailEnd type="none" w="med" len="med"/>
+                    </a:lnL>
+                    <a:lnR w="6350" cap="flat" cmpd="sng" algn="ctr">
+                      <a:solidFill>
+                        <a:srgbClr val="000000"/>
+                      </a:solidFill>
+                      <a:prstDash val="solid"/>
+                      <a:round/>
+                      <a:headEnd type="none" w="med" len="med"/>
+                      <a:tailEnd type="none" w="med" len="med"/>
+                    </a:lnR>
+                    <a:lnT w="6350" cap="flat" cmpd="sng" algn="ctr">
+                      <a:solidFill>
+                        <a:srgbClr val="000000"/>
+                      </a:solidFill>
+                      <a:prstDash val="solid"/>
+                      <a:round/>
+                      <a:headEnd type="none" w="med" len="med"/>
+                      <a:tailEnd type="none" w="med" len="med"/>
+                    </a:lnT>
+                    <a:lnB w="6350" cap="flat" cmpd="sng" algn="ctr">
+                      <a:solidFill>
+                        <a:srgbClr val="000000"/>
+                      </a:solidFill>
+                      <a:prstDash val="solid"/>
+                      <a:round/>
+                      <a:headEnd type="none" w="med" len="med"/>
+                      <a:tailEnd type="none" w="med" len="med"/>
+                    </a:lnB>
+                    <a:solidFill>
+                      <a:srgbClr val="DCE6F1"/>
+                    </a:solidFill>
+                  </a:tcPr>
+                </a:tc>
+              </a:tr>
+              <a:tr h="190500">
+                <a:tc>
+                  <a:txBody>
+                    <a:bodyPr/>
+                    <a:lstStyle/>
+                    <a:p>
+                      <a:pPr algn="l" fontAlgn="ctr"/>
+                      <a:r>
+                        <a:rPr lang="de-DE" sz="1000" b="0" i="0" u="none" strike="noStrike" dirty="0">
+                          <a:solidFill>
+                            <a:srgbClr val="000000"/>
+                          </a:solidFill>
+                          <a:effectLst/>
+                          <a:latin typeface="Courier New"/>
+                        </a:rPr>
+                        <a:t>readWikis()</a:t>
+                      </a:r>
+                    </a:p>
+                  </a:txBody>
+                  <a:tcPr marL="9525" marR="9525" marT="9525" marB="0" anchor="ctr">
+                    <a:lnL w="6350" cap="flat" cmpd="sng" algn="ctr">
+                      <a:solidFill>
+                        <a:srgbClr val="000000"/>
+                      </a:solidFill>
+                      <a:prstDash val="solid"/>
+                      <a:round/>
+                      <a:headEnd type="none" w="med" len="med"/>
+                      <a:tailEnd type="none" w="med" len="med"/>
+                    </a:lnL>
+                    <a:lnR w="6350" cap="flat" cmpd="sng" algn="ctr">
+                      <a:solidFill>
+                        <a:srgbClr val="000000"/>
+                      </a:solidFill>
+                      <a:prstDash val="solid"/>
+                      <a:round/>
+                      <a:headEnd type="none" w="med" len="med"/>
+                      <a:tailEnd type="none" w="med" len="med"/>
+                    </a:lnR>
+                    <a:lnT w="6350" cap="flat" cmpd="sng" algn="ctr">
+                      <a:solidFill>
+                        <a:srgbClr val="000000"/>
+                      </a:solidFill>
+                      <a:prstDash val="solid"/>
+                      <a:round/>
+                      <a:headEnd type="none" w="med" len="med"/>
+                      <a:tailEnd type="none" w="med" len="med"/>
+                    </a:lnT>
+                    <a:lnB w="6350" cap="flat" cmpd="sng" algn="ctr">
+                      <a:solidFill>
+                        <a:srgbClr val="000000"/>
+                      </a:solidFill>
+                      <a:prstDash val="solid"/>
+                      <a:round/>
+                      <a:headEnd type="none" w="med" len="med"/>
+                      <a:tailEnd type="none" w="med" len="med"/>
+                    </a:lnB>
+                    <a:solidFill>
+                      <a:srgbClr val="95B3D7"/>
+                    </a:solidFill>
+                  </a:tcPr>
+                </a:tc>
+              </a:tr>
+              <a:tr h="190500">
+                <a:tc>
+                  <a:txBody>
+                    <a:bodyPr/>
+                    <a:lstStyle/>
+                    <a:p>
+                      <a:pPr algn="l" fontAlgn="ctr"/>
+                      <a:r>
+                        <a:rPr lang="de-DE" sz="1000" b="0" i="0" u="none" strike="noStrike" dirty="0">
+                          <a:solidFill>
+                            <a:srgbClr val="000000"/>
+                          </a:solidFill>
+                          <a:effectLst/>
+                          <a:latin typeface="Courier New"/>
+                        </a:rPr>
+                        <a:t>readWiki()</a:t>
+                      </a:r>
+                    </a:p>
+                  </a:txBody>
+                  <a:tcPr marL="9525" marR="9525" marT="9525" marB="0" anchor="ctr">
+                    <a:lnL w="6350" cap="flat" cmpd="sng" algn="ctr">
+                      <a:solidFill>
+                        <a:srgbClr val="000000"/>
+                      </a:solidFill>
+                      <a:prstDash val="solid"/>
+                      <a:round/>
+                      <a:headEnd type="none" w="med" len="med"/>
+                      <a:tailEnd type="none" w="med" len="med"/>
+                    </a:lnL>
+                    <a:lnR w="6350" cap="flat" cmpd="sng" algn="ctr">
+                      <a:solidFill>
+                        <a:srgbClr val="000000"/>
+                      </a:solidFill>
+                      <a:prstDash val="solid"/>
+                      <a:round/>
+                      <a:headEnd type="none" w="med" len="med"/>
+                      <a:tailEnd type="none" w="med" len="med"/>
+                    </a:lnR>
+                    <a:lnT w="6350" cap="flat" cmpd="sng" algn="ctr">
+                      <a:solidFill>
+                        <a:srgbClr val="000000"/>
+                      </a:solidFill>
+                      <a:prstDash val="solid"/>
+                      <a:round/>
+                      <a:headEnd type="none" w="med" len="med"/>
+                      <a:tailEnd type="none" w="med" len="med"/>
+                    </a:lnT>
+                    <a:lnB w="6350" cap="flat" cmpd="sng" algn="ctr">
+                      <a:solidFill>
+                        <a:srgbClr val="000000"/>
+                      </a:solidFill>
+                      <a:prstDash val="solid"/>
+                      <a:round/>
+                      <a:headEnd type="none" w="med" len="med"/>
+                      <a:tailEnd type="none" w="med" len="med"/>
+                    </a:lnB>
+                    <a:solidFill>
+                      <a:srgbClr val="95B3D7"/>
+                    </a:solidFill>
+                  </a:tcPr>
+                </a:tc>
+              </a:tr>
+              <a:tr h="190500">
+                <a:tc>
+                  <a:txBody>
+                    <a:bodyPr/>
+                    <a:lstStyle/>
+                    <a:p>
+                      <a:pPr algn="l" fontAlgn="ctr"/>
+                      <a:r>
+                        <a:rPr lang="de-DE" sz="1000" b="0" i="0" u="none" strike="noStrike" dirty="0">
+                          <a:solidFill>
+                            <a:srgbClr val="000000"/>
+                          </a:solidFill>
+                          <a:effectLst/>
+                          <a:latin typeface="Courier New"/>
+                        </a:rPr>
+                        <a:t>createWiki()</a:t>
+                      </a:r>
+                    </a:p>
+                  </a:txBody>
+                  <a:tcPr marL="9525" marR="9525" marT="9525" marB="0" anchor="ctr">
+                    <a:lnL w="6350" cap="flat" cmpd="sng" algn="ctr">
+                      <a:solidFill>
+                        <a:srgbClr val="000000"/>
+                      </a:solidFill>
+                      <a:prstDash val="solid"/>
+                      <a:round/>
+                      <a:headEnd type="none" w="med" len="med"/>
+                      <a:tailEnd type="none" w="med" len="med"/>
+                    </a:lnL>
+                    <a:lnR w="6350" cap="flat" cmpd="sng" algn="ctr">
+                      <a:solidFill>
+                        <a:srgbClr val="000000"/>
+                      </a:solidFill>
+                      <a:prstDash val="solid"/>
+                      <a:round/>
+                      <a:headEnd type="none" w="med" len="med"/>
+                      <a:tailEnd type="none" w="med" len="med"/>
+                    </a:lnR>
+                    <a:lnT w="6350" cap="flat" cmpd="sng" algn="ctr">
+                      <a:solidFill>
+                        <a:srgbClr val="000000"/>
+                      </a:solidFill>
+                      <a:prstDash val="solid"/>
+                      <a:round/>
+                      <a:headEnd type="none" w="med" len="med"/>
+                      <a:tailEnd type="none" w="med" len="med"/>
+                    </a:lnT>
+                    <a:lnB w="6350" cap="flat" cmpd="sng" algn="ctr">
+                      <a:solidFill>
+                        <a:srgbClr val="000000"/>
+                      </a:solidFill>
+                      <a:prstDash val="solid"/>
+                      <a:round/>
+                      <a:headEnd type="none" w="med" len="med"/>
+                      <a:tailEnd type="none" w="med" len="med"/>
+                    </a:lnB>
+                    <a:solidFill>
+                      <a:srgbClr val="95B3D7"/>
+                    </a:solidFill>
+                  </a:tcPr>
+                </a:tc>
+              </a:tr>
+              <a:tr h="190500">
+                <a:tc>
+                  <a:txBody>
+                    <a:bodyPr/>
+                    <a:lstStyle/>
+                    <a:p>
+                      <a:pPr algn="l" fontAlgn="ctr"/>
+                      <a:r>
+                        <a:rPr lang="de-DE" sz="1000" b="0" i="0" u="none" strike="noStrike" dirty="0">
+                          <a:solidFill>
+                            <a:srgbClr val="000000"/>
+                          </a:solidFill>
+                          <a:effectLst/>
+                          <a:latin typeface="Courier New"/>
+                        </a:rPr>
+                        <a:t>deleteWiki()</a:t>
+                      </a:r>
+                    </a:p>
+                  </a:txBody>
+                  <a:tcPr marL="9525" marR="9525" marT="9525" marB="0" anchor="ctr">
+                    <a:lnL w="6350" cap="flat" cmpd="sng" algn="ctr">
+                      <a:solidFill>
+                        <a:srgbClr val="000000"/>
+                      </a:solidFill>
+                      <a:prstDash val="solid"/>
+                      <a:round/>
+                      <a:headEnd type="none" w="med" len="med"/>
+                      <a:tailEnd type="none" w="med" len="med"/>
+                    </a:lnL>
+                    <a:lnR w="6350" cap="flat" cmpd="sng" algn="ctr">
+                      <a:solidFill>
+                        <a:srgbClr val="000000"/>
+                      </a:solidFill>
+                      <a:prstDash val="solid"/>
+                      <a:round/>
+                      <a:headEnd type="none" w="med" len="med"/>
+                      <a:tailEnd type="none" w="med" len="med"/>
+                    </a:lnR>
+                    <a:lnT w="6350" cap="flat" cmpd="sng" algn="ctr">
+                      <a:solidFill>
+                        <a:srgbClr val="000000"/>
+                      </a:solidFill>
+                      <a:prstDash val="solid"/>
+                      <a:round/>
+                      <a:headEnd type="none" w="med" len="med"/>
+                      <a:tailEnd type="none" w="med" len="med"/>
+                    </a:lnT>
+                    <a:lnB w="6350" cap="flat" cmpd="sng" algn="ctr">
+                      <a:solidFill>
+                        <a:srgbClr val="000000"/>
+                      </a:solidFill>
+                      <a:prstDash val="solid"/>
+                      <a:round/>
+                      <a:headEnd type="none" w="med" len="med"/>
+                      <a:tailEnd type="none" w="med" len="med"/>
+                    </a:lnB>
+                    <a:solidFill>
+                      <a:srgbClr val="95B3D7"/>
+                    </a:solidFill>
+                  </a:tcPr>
+                </a:tc>
+              </a:tr>
+              <a:tr h="190500">
+                <a:tc>
+                  <a:txBody>
+                    <a:bodyPr/>
+                    <a:lstStyle/>
+                    <a:p>
+                      <a:pPr algn="l" fontAlgn="ctr"/>
+                      <a:r>
+                        <a:rPr lang="de-DE" sz="1000" b="0" i="0" u="none" strike="noStrike" dirty="0">
+                          <a:solidFill>
+                            <a:srgbClr val="000000"/>
+                          </a:solidFill>
+                          <a:effectLst/>
+                          <a:latin typeface="Courier New"/>
+                        </a:rPr>
+                        <a:t>updateWiki()</a:t>
+                      </a:r>
+                    </a:p>
+                  </a:txBody>
+                  <a:tcPr marL="9525" marR="9525" marT="9525" marB="0" anchor="ctr">
+                    <a:lnL w="6350" cap="flat" cmpd="sng" algn="ctr">
+                      <a:solidFill>
+                        <a:srgbClr val="000000"/>
+                      </a:solidFill>
+                      <a:prstDash val="solid"/>
+                      <a:round/>
+                      <a:headEnd type="none" w="med" len="med"/>
+                      <a:tailEnd type="none" w="med" len="med"/>
+                    </a:lnL>
+                    <a:lnR w="6350" cap="flat" cmpd="sng" algn="ctr">
+                      <a:solidFill>
+                        <a:srgbClr val="000000"/>
+                      </a:solidFill>
+                      <a:prstDash val="solid"/>
+                      <a:round/>
+                      <a:headEnd type="none" w="med" len="med"/>
+                      <a:tailEnd type="none" w="med" len="med"/>
+                    </a:lnR>
+                    <a:lnT w="6350" cap="flat" cmpd="sng" algn="ctr">
+                      <a:solidFill>
+                        <a:srgbClr val="000000"/>
+                      </a:solidFill>
+                      <a:prstDash val="solid"/>
+                      <a:round/>
+                      <a:headEnd type="none" w="med" len="med"/>
+                      <a:tailEnd type="none" w="med" len="med"/>
+                    </a:lnT>
+                    <a:lnB w="6350" cap="flat" cmpd="sng" algn="ctr">
+                      <a:solidFill>
+                        <a:srgbClr val="000000"/>
+                      </a:solidFill>
+                      <a:prstDash val="solid"/>
+                      <a:round/>
+                      <a:headEnd type="none" w="med" len="med"/>
+                      <a:tailEnd type="none" w="med" len="med"/>
+                    </a:lnB>
+                    <a:solidFill>
+                      <a:srgbClr val="95B3D7"/>
+                    </a:solidFill>
+                  </a:tcPr>
+                </a:tc>
+              </a:tr>
+            </a:tbl>
+          </a:graphicData>
+        </a:graphic>
+      </p:graphicFrame>
+      <p:graphicFrame>
+        <p:nvGraphicFramePr>
+          <p:cNvPr id="2" name="Tabelle 1"/>
+          <p:cNvGraphicFramePr>
+            <a:graphicFrameLocks noGrp="1"/>
+          </p:cNvGraphicFramePr>
+          <p:nvPr>
+            <p:extLst>
+              <p:ext uri="{D42A27DB-BD31-4B8C-83A1-F6EECF244321}">
+                <p14:modId xmlns:p14="http://schemas.microsoft.com/office/powerpoint/2010/main" val="606644556"/>
+              </p:ext>
+            </p:extLst>
+          </p:nvPr>
+        </p:nvGraphicFramePr>
+        <p:xfrm>
+          <a:off x="6256784" y="5952728"/>
+          <a:ext cx="1917700" cy="1143000"/>
+        </p:xfrm>
+        <a:graphic>
+          <a:graphicData uri="http://schemas.openxmlformats.org/drawingml/2006/table">
+            <a:tbl>
+              <a:tblPr/>
+              <a:tblGrid>
+                <a:gridCol w="1917700"/>
+              </a:tblGrid>
+              <a:tr h="190500">
+                <a:tc>
+                  <a:txBody>
+                    <a:bodyPr/>
+                    <a:lstStyle/>
+                    <a:p>
+                      <a:pPr algn="ctr" fontAlgn="b"/>
+                      <a:r>
+                        <a:rPr lang="de-DE" sz="1000" b="1" i="0" u="none" strike="noStrike" dirty="0">
+                          <a:solidFill>
+                            <a:srgbClr val="FFFFFF"/>
+                          </a:solidFill>
+                          <a:effectLst/>
+                          <a:latin typeface="Courier New"/>
+                        </a:rPr>
+                        <a:t>class RequestHandler</a:t>
+                      </a:r>
+                    </a:p>
+                  </a:txBody>
+                  <a:tcPr marL="9525" marR="9525" marT="9525" marB="0" anchor="b">
+                    <a:lnL w="6350" cap="flat" cmpd="sng" algn="ctr">
+                      <a:solidFill>
+                        <a:srgbClr val="000000"/>
+                      </a:solidFill>
+                      <a:prstDash val="solid"/>
+                      <a:round/>
+                      <a:headEnd type="none" w="med" len="med"/>
+                      <a:tailEnd type="none" w="med" len="med"/>
+                    </a:lnL>
+                    <a:lnR w="6350" cap="flat" cmpd="sng" algn="ctr">
+                      <a:solidFill>
+                        <a:srgbClr val="000000"/>
+                      </a:solidFill>
+                      <a:prstDash val="solid"/>
+                      <a:round/>
+                      <a:headEnd type="none" w="med" len="med"/>
+                      <a:tailEnd type="none" w="med" len="med"/>
+                    </a:lnR>
+                    <a:lnT w="6350" cap="flat" cmpd="sng" algn="ctr">
+                      <a:solidFill>
+                        <a:srgbClr val="000000"/>
+                      </a:solidFill>
+                      <a:prstDash val="solid"/>
+                      <a:round/>
+                      <a:headEnd type="none" w="med" len="med"/>
+                      <a:tailEnd type="none" w="med" len="med"/>
+                    </a:lnT>
+                    <a:lnB w="6350" cap="flat" cmpd="sng" algn="ctr">
+                      <a:solidFill>
+                        <a:srgbClr val="000000"/>
+                      </a:solidFill>
+                      <a:prstDash val="solid"/>
+                      <a:round/>
+                      <a:headEnd type="none" w="med" len="med"/>
+                      <a:tailEnd type="none" w="med" len="med"/>
+                    </a:lnB>
+                    <a:solidFill>
+                      <a:srgbClr val="4F81BD"/>
+                    </a:solidFill>
+                  </a:tcPr>
+                </a:tc>
+              </a:tr>
+              <a:tr h="190500">
+                <a:tc>
+                  <a:txBody>
+                    <a:bodyPr/>
+                    <a:lstStyle/>
+                    <a:p>
+                      <a:pPr algn="l" fontAlgn="ctr"/>
+                      <a:r>
+                        <a:rPr lang="de-DE" sz="1000" b="0" i="0" u="none" strike="noStrike" dirty="0">
+                          <a:solidFill>
+                            <a:srgbClr val="000000"/>
+                          </a:solidFill>
+                          <a:effectLst/>
+                          <a:latin typeface="Courier New"/>
+                        </a:rPr>
+                        <a:t>$request</a:t>
+                      </a:r>
+                    </a:p>
+                  </a:txBody>
+                  <a:tcPr marL="9525" marR="9525" marT="9525" marB="0" anchor="ctr">
+                    <a:lnL w="6350" cap="flat" cmpd="sng" algn="ctr">
+                      <a:solidFill>
+                        <a:srgbClr val="000000"/>
+                      </a:solidFill>
+                      <a:prstDash val="solid"/>
+                      <a:round/>
+                      <a:headEnd type="none" w="med" len="med"/>
+                      <a:tailEnd type="none" w="med" len="med"/>
+                    </a:lnL>
+                    <a:lnR w="6350" cap="flat" cmpd="sng" algn="ctr">
+                      <a:solidFill>
+                        <a:srgbClr val="000000"/>
+                      </a:solidFill>
+                      <a:prstDash val="solid"/>
+                      <a:round/>
+                      <a:headEnd type="none" w="med" len="med"/>
+                      <a:tailEnd type="none" w="med" len="med"/>
+                    </a:lnR>
+                    <a:lnT w="6350" cap="flat" cmpd="sng" algn="ctr">
+                      <a:solidFill>
+                        <a:srgbClr val="000000"/>
+                      </a:solidFill>
+                      <a:prstDash val="solid"/>
+                      <a:round/>
+                      <a:headEnd type="none" w="med" len="med"/>
+                      <a:tailEnd type="none" w="med" len="med"/>
+                    </a:lnT>
+                    <a:lnB w="6350" cap="flat" cmpd="sng" algn="ctr">
+                      <a:solidFill>
+                        <a:srgbClr val="000000"/>
+                      </a:solidFill>
+                      <a:prstDash val="solid"/>
+                      <a:round/>
+                      <a:headEnd type="none" w="med" len="med"/>
+                      <a:tailEnd type="none" w="med" len="med"/>
+                    </a:lnB>
+                    <a:solidFill>
+                      <a:srgbClr val="DCE6F1"/>
+                    </a:solidFill>
+                  </a:tcPr>
+                </a:tc>
+              </a:tr>
+              <a:tr h="190500">
+                <a:tc>
+                  <a:txBody>
+                    <a:bodyPr/>
+                    <a:lstStyle/>
+                    <a:p>
+                      <a:pPr algn="l" fontAlgn="ctr"/>
+                      <a:r>
+                        <a:rPr lang="de-DE" sz="1000" b="0" i="0" u="none" strike="noStrike" dirty="0">
+                          <a:solidFill>
+                            <a:srgbClr val="000000"/>
+                          </a:solidFill>
+                          <a:effectLst/>
+                          <a:latin typeface="Courier New"/>
+                        </a:rPr>
+                        <a:t>$class_name</a:t>
+                      </a:r>
+                    </a:p>
+                  </a:txBody>
+                  <a:tcPr marL="9525" marR="9525" marT="9525" marB="0" anchor="ctr">
+                    <a:lnL w="6350" cap="flat" cmpd="sng" algn="ctr">
+                      <a:solidFill>
+                        <a:srgbClr val="000000"/>
+                      </a:solidFill>
+                      <a:prstDash val="solid"/>
+                      <a:round/>
+                      <a:headEnd type="none" w="med" len="med"/>
+                      <a:tailEnd type="none" w="med" len="med"/>
+                    </a:lnL>
+                    <a:lnR w="6350" cap="flat" cmpd="sng" algn="ctr">
+                      <a:solidFill>
+                        <a:srgbClr val="000000"/>
+                      </a:solidFill>
+                      <a:prstDash val="solid"/>
+                      <a:round/>
+                      <a:headEnd type="none" w="med" len="med"/>
+                      <a:tailEnd type="none" w="med" len="med"/>
+                    </a:lnR>
+                    <a:lnT w="6350" cap="flat" cmpd="sng" algn="ctr">
+                      <a:solidFill>
+                        <a:srgbClr val="000000"/>
+                      </a:solidFill>
+                      <a:prstDash val="solid"/>
+                      <a:round/>
+                      <a:headEnd type="none" w="med" len="med"/>
+                      <a:tailEnd type="none" w="med" len="med"/>
+                    </a:lnT>
+                    <a:lnB w="6350" cap="flat" cmpd="sng" algn="ctr">
+                      <a:solidFill>
+                        <a:srgbClr val="000000"/>
+                      </a:solidFill>
+                      <a:prstDash val="solid"/>
+                      <a:round/>
+                      <a:headEnd type="none" w="med" len="med"/>
+                      <a:tailEnd type="none" w="med" len="med"/>
+                    </a:lnB>
+                    <a:solidFill>
+                      <a:srgbClr val="DCE6F1"/>
+                    </a:solidFill>
+                  </a:tcPr>
+                </a:tc>
+              </a:tr>
+              <a:tr h="190500">
+                <a:tc>
+                  <a:txBody>
+                    <a:bodyPr/>
+                    <a:lstStyle/>
+                    <a:p>
+                      <a:pPr algn="l" fontAlgn="ctr"/>
+                      <a:r>
+                        <a:rPr lang="de-DE" sz="1000" b="0" i="0" u="none" strike="noStrike" dirty="0">
+                          <a:solidFill>
+                            <a:srgbClr val="000000"/>
+                          </a:solidFill>
+                          <a:effectLst/>
+                          <a:latin typeface="Courier New"/>
+                        </a:rPr>
+                        <a:t>$command</a:t>
+                      </a:r>
+                    </a:p>
+                  </a:txBody>
+                  <a:tcPr marL="9525" marR="9525" marT="9525" marB="0" anchor="ctr">
+                    <a:lnL w="6350" cap="flat" cmpd="sng" algn="ctr">
+                      <a:solidFill>
+                        <a:srgbClr val="000000"/>
+                      </a:solidFill>
+                      <a:prstDash val="solid"/>
+                      <a:round/>
+                      <a:headEnd type="none" w="med" len="med"/>
+                      <a:tailEnd type="none" w="med" len="med"/>
+                    </a:lnL>
+                    <a:lnR w="6350" cap="flat" cmpd="sng" algn="ctr">
+                      <a:solidFill>
+                        <a:srgbClr val="000000"/>
+                      </a:solidFill>
+                      <a:prstDash val="solid"/>
+                      <a:round/>
+                      <a:headEnd type="none" w="med" len="med"/>
+                      <a:tailEnd type="none" w="med" len="med"/>
+                    </a:lnR>
+                    <a:lnT w="6350" cap="flat" cmpd="sng" algn="ctr">
+                      <a:solidFill>
+                        <a:srgbClr val="000000"/>
+                      </a:solidFill>
+                      <a:prstDash val="solid"/>
+                      <a:round/>
+                      <a:headEnd type="none" w="med" len="med"/>
+                      <a:tailEnd type="none" w="med" len="med"/>
+                    </a:lnT>
+                    <a:lnB w="6350" cap="flat" cmpd="sng" algn="ctr">
+                      <a:solidFill>
+                        <a:srgbClr val="000000"/>
+                      </a:solidFill>
+                      <a:prstDash val="solid"/>
+                      <a:round/>
+                      <a:headEnd type="none" w="med" len="med"/>
+                      <a:tailEnd type="none" w="med" len="med"/>
+                    </a:lnB>
+                    <a:solidFill>
+                      <a:srgbClr val="DCE6F1"/>
+                    </a:solidFill>
+                  </a:tcPr>
+                </a:tc>
+              </a:tr>
+              <a:tr h="190500">
+                <a:tc>
+                  <a:txBody>
+                    <a:bodyPr/>
+                    <a:lstStyle/>
+                    <a:p>
+                      <a:pPr algn="l" fontAlgn="ctr"/>
+                      <a:r>
+                        <a:rPr lang="de-DE" sz="1000" b="0" i="0" u="none" strike="noStrike" dirty="0">
+                          <a:solidFill>
+                            <a:srgbClr val="000000"/>
+                          </a:solidFill>
+                          <a:effectLst/>
+                          <a:latin typeface="Courier New"/>
+                        </a:rPr>
+                        <a:t>$result</a:t>
+                      </a:r>
+                    </a:p>
+                  </a:txBody>
+                  <a:tcPr marL="9525" marR="9525" marT="9525" marB="0" anchor="ctr">
+                    <a:lnL w="6350" cap="flat" cmpd="sng" algn="ctr">
+                      <a:solidFill>
+                        <a:srgbClr val="000000"/>
+                      </a:solidFill>
+                      <a:prstDash val="solid"/>
+                      <a:round/>
+                      <a:headEnd type="none" w="med" len="med"/>
+                      <a:tailEnd type="none" w="med" len="med"/>
+                    </a:lnL>
+                    <a:lnR w="6350" cap="flat" cmpd="sng" algn="ctr">
+                      <a:solidFill>
+                        <a:srgbClr val="000000"/>
+                      </a:solidFill>
+                      <a:prstDash val="solid"/>
+                      <a:round/>
+                      <a:headEnd type="none" w="med" len="med"/>
+                      <a:tailEnd type="none" w="med" len="med"/>
+                    </a:lnR>
+                    <a:lnT w="6350" cap="flat" cmpd="sng" algn="ctr">
+                      <a:solidFill>
+                        <a:srgbClr val="000000"/>
+                      </a:solidFill>
+                      <a:prstDash val="solid"/>
+                      <a:round/>
+                      <a:headEnd type="none" w="med" len="med"/>
+                      <a:tailEnd type="none" w="med" len="med"/>
+                    </a:lnT>
+                    <a:lnB w="6350" cap="flat" cmpd="sng" algn="ctr">
+                      <a:solidFill>
+                        <a:srgbClr val="000000"/>
+                      </a:solidFill>
+                      <a:prstDash val="solid"/>
+                      <a:round/>
+                      <a:headEnd type="none" w="med" len="med"/>
+                      <a:tailEnd type="none" w="med" len="med"/>
+                    </a:lnB>
+                    <a:solidFill>
+                      <a:srgbClr val="DCE6F1"/>
+                    </a:solidFill>
+                  </a:tcPr>
+                </a:tc>
+              </a:tr>
+              <a:tr h="190500">
+                <a:tc>
+                  <a:txBody>
+                    <a:bodyPr/>
+                    <a:lstStyle/>
+                    <a:p>
+                      <a:pPr algn="l" fontAlgn="ctr"/>
+                      <a:r>
+                        <a:rPr lang="de-DE" sz="1000" b="0" i="0" u="none" strike="noStrike" dirty="0">
+                          <a:solidFill>
+                            <a:srgbClr val="000000"/>
+                          </a:solidFill>
+                          <a:effectLst/>
+                          <a:latin typeface="Courier New"/>
+                        </a:rPr>
+                        <a:t>handleRequest()</a:t>
+                      </a:r>
+                    </a:p>
+                  </a:txBody>
+                  <a:tcPr marL="9525" marR="9525" marT="9525" marB="0" anchor="ctr">
+                    <a:lnL w="6350" cap="flat" cmpd="sng" algn="ctr">
+                      <a:solidFill>
+                        <a:srgbClr val="000000"/>
+                      </a:solidFill>
+                      <a:prstDash val="solid"/>
+                      <a:round/>
+                      <a:headEnd type="none" w="med" len="med"/>
+                      <a:tailEnd type="none" w="med" len="med"/>
+                    </a:lnL>
+                    <a:lnR w="6350" cap="flat" cmpd="sng" algn="ctr">
+                      <a:solidFill>
+                        <a:srgbClr val="000000"/>
+                      </a:solidFill>
+                      <a:prstDash val="solid"/>
+                      <a:round/>
+                      <a:headEnd type="none" w="med" len="med"/>
+                      <a:tailEnd type="none" w="med" len="med"/>
+                    </a:lnR>
+                    <a:lnT w="6350" cap="flat" cmpd="sng" algn="ctr">
+                      <a:solidFill>
+                        <a:srgbClr val="000000"/>
+                      </a:solidFill>
+                      <a:prstDash val="solid"/>
+                      <a:round/>
+                      <a:headEnd type="none" w="med" len="med"/>
+                      <a:tailEnd type="none" w="med" len="med"/>
+                    </a:lnT>
+                    <a:lnB w="6350" cap="flat" cmpd="sng" algn="ctr">
+                      <a:solidFill>
+                        <a:srgbClr val="000000"/>
+                      </a:solidFill>
+                      <a:prstDash val="solid"/>
+                      <a:round/>
+                      <a:headEnd type="none" w="med" len="med"/>
+                      <a:tailEnd type="none" w="med" len="med"/>
+                    </a:lnB>
+                    <a:solidFill>
+                      <a:srgbClr val="95B3D7"/>
+                    </a:solidFill>
+                  </a:tcPr>
+                </a:tc>
+              </a:tr>
+            </a:tbl>
+          </a:graphicData>
+        </a:graphic>
+      </p:graphicFrame>
+      <p:graphicFrame>
+        <p:nvGraphicFramePr>
+          <p:cNvPr id="4" name="Tabelle 3"/>
+          <p:cNvGraphicFramePr>
+            <a:graphicFrameLocks noGrp="1"/>
+          </p:cNvGraphicFramePr>
+          <p:nvPr>
+            <p:extLst>
+              <p:ext uri="{D42A27DB-BD31-4B8C-83A1-F6EECF244321}">
+                <p14:modId xmlns:p14="http://schemas.microsoft.com/office/powerpoint/2010/main" val="2647357208"/>
+              </p:ext>
+            </p:extLst>
+          </p:nvPr>
+        </p:nvGraphicFramePr>
+        <p:xfrm>
+          <a:off x="568152" y="2064296"/>
+          <a:ext cx="1917700" cy="1905000"/>
+        </p:xfrm>
+        <a:graphic>
+          <a:graphicData uri="http://schemas.openxmlformats.org/drawingml/2006/table">
+            <a:tbl>
+              <a:tblPr/>
+              <a:tblGrid>
+                <a:gridCol w="1917700"/>
+              </a:tblGrid>
+              <a:tr h="190500">
+                <a:tc>
+                  <a:txBody>
+                    <a:bodyPr/>
+                    <a:lstStyle/>
+                    <a:p>
+                      <a:pPr algn="ctr" fontAlgn="b"/>
+                      <a:r>
+                        <a:rPr lang="de-DE" sz="1000" b="1" i="0" u="none" strike="noStrike" dirty="0">
+                          <a:solidFill>
+                            <a:srgbClr val="FFFFFF"/>
+                          </a:solidFill>
+                          <a:effectLst/>
+                          <a:latin typeface="Courier New"/>
+                        </a:rPr>
+                        <a:t>class Wiki</a:t>
+                      </a:r>
+                    </a:p>
+                  </a:txBody>
+                  <a:tcPr marL="9525" marR="9525" marT="9525" marB="0" anchor="b">
+                    <a:lnL w="6350" cap="flat" cmpd="sng" algn="ctr">
+                      <a:solidFill>
+                        <a:srgbClr val="000000"/>
+                      </a:solidFill>
+                      <a:prstDash val="solid"/>
+                      <a:round/>
+                      <a:headEnd type="none" w="med" len="med"/>
+                      <a:tailEnd type="none" w="med" len="med"/>
+                    </a:lnL>
+                    <a:lnR w="6350" cap="flat" cmpd="sng" algn="ctr">
+                      <a:solidFill>
+                        <a:srgbClr val="000000"/>
+                      </a:solidFill>
+                      <a:prstDash val="solid"/>
+                      <a:round/>
+                      <a:headEnd type="none" w="med" len="med"/>
+                      <a:tailEnd type="none" w="med" len="med"/>
+                    </a:lnR>
+                    <a:lnT w="6350" cap="flat" cmpd="sng" algn="ctr">
+                      <a:solidFill>
+                        <a:srgbClr val="000000"/>
+                      </a:solidFill>
+                      <a:prstDash val="solid"/>
+                      <a:round/>
+                      <a:headEnd type="none" w="med" len="med"/>
+                      <a:tailEnd type="none" w="med" len="med"/>
+                    </a:lnT>
+                    <a:lnB w="6350" cap="flat" cmpd="sng" algn="ctr">
+                      <a:solidFill>
+                        <a:srgbClr val="000000"/>
+                      </a:solidFill>
+                      <a:prstDash val="solid"/>
+                      <a:round/>
+                      <a:headEnd type="none" w="med" len="med"/>
+                      <a:tailEnd type="none" w="med" len="med"/>
+                    </a:lnB>
+                    <a:solidFill>
+                      <a:srgbClr val="4F81BD"/>
+                    </a:solidFill>
+                  </a:tcPr>
+                </a:tc>
+              </a:tr>
+              <a:tr h="190500">
+                <a:tc>
+                  <a:txBody>
+                    <a:bodyPr/>
+                    <a:lstStyle/>
+                    <a:p>
+                      <a:pPr algn="l" fontAlgn="ctr"/>
+                      <a:r>
+                        <a:rPr lang="de-DE" sz="1000" b="0" i="0" u="none" strike="noStrike" dirty="0">
+                          <a:solidFill>
+                            <a:srgbClr val="000000"/>
+                          </a:solidFill>
+                          <a:effectLst/>
+                          <a:latin typeface="Courier New"/>
+                        </a:rPr>
+                        <a:t>$id</a:t>
+                      </a:r>
+                    </a:p>
+                  </a:txBody>
+                  <a:tcPr marL="9525" marR="9525" marT="9525" marB="0" anchor="ctr">
+                    <a:lnL w="6350" cap="flat" cmpd="sng" algn="ctr">
+                      <a:solidFill>
+                        <a:srgbClr val="000000"/>
+                      </a:solidFill>
+                      <a:prstDash val="solid"/>
+                      <a:round/>
+                      <a:headEnd type="none" w="med" len="med"/>
+                      <a:tailEnd type="none" w="med" len="med"/>
+                    </a:lnL>
+                    <a:lnR w="6350" cap="flat" cmpd="sng" algn="ctr">
+                      <a:solidFill>
+                        <a:srgbClr val="000000"/>
+                      </a:solidFill>
+                      <a:prstDash val="solid"/>
+                      <a:round/>
+                      <a:headEnd type="none" w="med" len="med"/>
+                      <a:tailEnd type="none" w="med" len="med"/>
+                    </a:lnR>
+                    <a:lnT w="6350" cap="flat" cmpd="sng" algn="ctr">
+                      <a:solidFill>
+                        <a:srgbClr val="000000"/>
+                      </a:solidFill>
+                      <a:prstDash val="solid"/>
+                      <a:round/>
+                      <a:headEnd type="none" w="med" len="med"/>
+                      <a:tailEnd type="none" w="med" len="med"/>
+                    </a:lnT>
+                    <a:lnB w="6350" cap="flat" cmpd="sng" algn="ctr">
+                      <a:solidFill>
+                        <a:srgbClr val="000000"/>
+                      </a:solidFill>
+                      <a:prstDash val="solid"/>
+                      <a:round/>
+                      <a:headEnd type="none" w="med" len="med"/>
+                      <a:tailEnd type="none" w="med" len="med"/>
+                    </a:lnB>
+                    <a:solidFill>
+                      <a:srgbClr val="DCE6F1"/>
+                    </a:solidFill>
+                  </a:tcPr>
+                </a:tc>
+              </a:tr>
+              <a:tr h="190500">
+                <a:tc>
+                  <a:txBody>
+                    <a:bodyPr/>
+                    <a:lstStyle/>
+                    <a:p>
+                      <a:pPr algn="l" fontAlgn="ctr"/>
+                      <a:r>
+                        <a:rPr lang="de-DE" sz="1000" b="0" i="0" u="none" strike="noStrike" dirty="0">
+                          <a:solidFill>
+                            <a:srgbClr val="000000"/>
+                          </a:solidFill>
+                          <a:effectLst/>
+                          <a:latin typeface="Courier New"/>
+                        </a:rPr>
+                        <a:t>$category</a:t>
+                      </a:r>
+                    </a:p>
+                  </a:txBody>
+                  <a:tcPr marL="9525" marR="9525" marT="9525" marB="0" anchor="ctr">
+                    <a:lnL w="6350" cap="flat" cmpd="sng" algn="ctr">
+                      <a:solidFill>
+                        <a:srgbClr val="000000"/>
+                      </a:solidFill>
+                      <a:prstDash val="solid"/>
+                      <a:round/>
+                      <a:headEnd type="none" w="med" len="med"/>
+                      <a:tailEnd type="none" w="med" len="med"/>
+                    </a:lnL>
+                    <a:lnR w="6350" cap="flat" cmpd="sng" algn="ctr">
+                      <a:solidFill>
+                        <a:srgbClr val="000000"/>
+                      </a:solidFill>
+                      <a:prstDash val="solid"/>
+                      <a:round/>
+                      <a:headEnd type="none" w="med" len="med"/>
+                      <a:tailEnd type="none" w="med" len="med"/>
+                    </a:lnR>
+                    <a:lnT w="6350" cap="flat" cmpd="sng" algn="ctr">
+                      <a:solidFill>
+                        <a:srgbClr val="000000"/>
+                      </a:solidFill>
+                      <a:prstDash val="solid"/>
+                      <a:round/>
+                      <a:headEnd type="none" w="med" len="med"/>
+                      <a:tailEnd type="none" w="med" len="med"/>
+                    </a:lnT>
+                    <a:lnB w="6350" cap="flat" cmpd="sng" algn="ctr">
+                      <a:solidFill>
+                        <a:srgbClr val="000000"/>
+                      </a:solidFill>
+                      <a:prstDash val="solid"/>
+                      <a:round/>
+                      <a:headEnd type="none" w="med" len="med"/>
+                      <a:tailEnd type="none" w="med" len="med"/>
+                    </a:lnB>
+                    <a:solidFill>
+                      <a:srgbClr val="DCE6F1"/>
+                    </a:solidFill>
+                  </a:tcPr>
+                </a:tc>
+              </a:tr>
+              <a:tr h="190500">
+                <a:tc>
+                  <a:txBody>
+                    <a:bodyPr/>
+                    <a:lstStyle/>
+                    <a:p>
+                      <a:pPr algn="l" fontAlgn="ctr"/>
+                      <a:r>
+                        <a:rPr lang="de-DE" sz="1000" b="0" i="0" u="none" strike="noStrike" dirty="0">
+                          <a:solidFill>
+                            <a:srgbClr val="000000"/>
+                          </a:solidFill>
+                          <a:effectLst/>
+                          <a:latin typeface="Courier New"/>
+                        </a:rPr>
+                        <a:t>$title_id</a:t>
+                      </a:r>
+                    </a:p>
+                  </a:txBody>
+                  <a:tcPr marL="9525" marR="9525" marT="9525" marB="0" anchor="ctr">
+                    <a:lnL w="6350" cap="flat" cmpd="sng" algn="ctr">
+                      <a:solidFill>
+                        <a:srgbClr val="000000"/>
+                      </a:solidFill>
+                      <a:prstDash val="solid"/>
+                      <a:round/>
+                      <a:headEnd type="none" w="med" len="med"/>
+                      <a:tailEnd type="none" w="med" len="med"/>
+                    </a:lnL>
+                    <a:lnR w="6350" cap="flat" cmpd="sng" algn="ctr">
+                      <a:solidFill>
+                        <a:srgbClr val="000000"/>
+                      </a:solidFill>
+                      <a:prstDash val="solid"/>
+                      <a:round/>
+                      <a:headEnd type="none" w="med" len="med"/>
+                      <a:tailEnd type="none" w="med" len="med"/>
+                    </a:lnR>
+                    <a:lnT w="6350" cap="flat" cmpd="sng" algn="ctr">
+                      <a:solidFill>
+                        <a:srgbClr val="000000"/>
+                      </a:solidFill>
+                      <a:prstDash val="solid"/>
+                      <a:round/>
+                      <a:headEnd type="none" w="med" len="med"/>
+                      <a:tailEnd type="none" w="med" len="med"/>
+                    </a:lnT>
+                    <a:lnB w="6350" cap="flat" cmpd="sng" algn="ctr">
+                      <a:solidFill>
+                        <a:srgbClr val="000000"/>
+                      </a:solidFill>
+                      <a:prstDash val="solid"/>
+                      <a:round/>
+                      <a:headEnd type="none" w="med" len="med"/>
+                      <a:tailEnd type="none" w="med" len="med"/>
+                    </a:lnB>
+                    <a:solidFill>
+                      <a:srgbClr val="DCE6F1"/>
+                    </a:solidFill>
+                  </a:tcPr>
+                </a:tc>
+              </a:tr>
+              <a:tr h="190500">
+                <a:tc>
+                  <a:txBody>
+                    <a:bodyPr/>
+                    <a:lstStyle/>
+                    <a:p>
+                      <a:pPr algn="l" fontAlgn="ctr"/>
+                      <a:r>
+                        <a:rPr lang="de-DE" sz="1000" b="0" i="0" u="none" strike="noStrike" dirty="0">
+                          <a:solidFill>
+                            <a:srgbClr val="000000"/>
+                          </a:solidFill>
+                          <a:effectLst/>
+                          <a:latin typeface="Courier New"/>
+                        </a:rPr>
+                        <a:t>$title</a:t>
+                      </a:r>
+                    </a:p>
+                  </a:txBody>
+                  <a:tcPr marL="9525" marR="9525" marT="9525" marB="0" anchor="ctr">
+                    <a:lnL w="6350" cap="flat" cmpd="sng" algn="ctr">
+                      <a:solidFill>
+                        <a:srgbClr val="000000"/>
+                      </a:solidFill>
+                      <a:prstDash val="solid"/>
+                      <a:round/>
+                      <a:headEnd type="none" w="med" len="med"/>
+                      <a:tailEnd type="none" w="med" len="med"/>
+                    </a:lnL>
+                    <a:lnR w="6350" cap="flat" cmpd="sng" algn="ctr">
+                      <a:solidFill>
+                        <a:srgbClr val="000000"/>
+                      </a:solidFill>
+                      <a:prstDash val="solid"/>
+                      <a:round/>
+                      <a:headEnd type="none" w="med" len="med"/>
+                      <a:tailEnd type="none" w="med" len="med"/>
+                    </a:lnR>
+                    <a:lnT w="6350" cap="flat" cmpd="sng" algn="ctr">
+                      <a:solidFill>
+                        <a:srgbClr val="000000"/>
+                      </a:solidFill>
+                      <a:prstDash val="solid"/>
+                      <a:round/>
+                      <a:headEnd type="none" w="med" len="med"/>
+                      <a:tailEnd type="none" w="med" len="med"/>
+                    </a:lnT>
+                    <a:lnB w="6350" cap="flat" cmpd="sng" algn="ctr">
+                      <a:solidFill>
+                        <a:srgbClr val="000000"/>
+                      </a:solidFill>
+                      <a:prstDash val="solid"/>
+                      <a:round/>
+                      <a:headEnd type="none" w="med" len="med"/>
+                      <a:tailEnd type="none" w="med" len="med"/>
+                    </a:lnB>
+                    <a:solidFill>
+                      <a:srgbClr val="DCE6F1"/>
+                    </a:solidFill>
+                  </a:tcPr>
+                </a:tc>
+              </a:tr>
+              <a:tr h="190500">
+                <a:tc>
+                  <a:txBody>
+                    <a:bodyPr/>
+                    <a:lstStyle/>
+                    <a:p>
+                      <a:pPr algn="l" fontAlgn="ctr"/>
+                      <a:r>
+                        <a:rPr lang="de-DE" sz="1000" b="0" i="0" u="none" strike="noStrike" dirty="0">
+                          <a:solidFill>
+                            <a:srgbClr val="000000"/>
+                          </a:solidFill>
+                          <a:effectLst/>
+                          <a:latin typeface="Courier New"/>
+                        </a:rPr>
+                        <a:t>$version</a:t>
+                      </a:r>
+                    </a:p>
+                  </a:txBody>
+                  <a:tcPr marL="9525" marR="9525" marT="9525" marB="0" anchor="ctr">
+                    <a:lnL w="6350" cap="flat" cmpd="sng" algn="ctr">
+                      <a:solidFill>
+                        <a:srgbClr val="000000"/>
+                      </a:solidFill>
+                      <a:prstDash val="solid"/>
+                      <a:round/>
+                      <a:headEnd type="none" w="med" len="med"/>
+                      <a:tailEnd type="none" w="med" len="med"/>
+                    </a:lnL>
+                    <a:lnR w="6350" cap="flat" cmpd="sng" algn="ctr">
+                      <a:solidFill>
+                        <a:srgbClr val="000000"/>
+                      </a:solidFill>
+                      <a:prstDash val="solid"/>
+                      <a:round/>
+                      <a:headEnd type="none" w="med" len="med"/>
+                      <a:tailEnd type="none" w="med" len="med"/>
+                    </a:lnR>
+                    <a:lnT w="6350" cap="flat" cmpd="sng" algn="ctr">
+                      <a:solidFill>
+                        <a:srgbClr val="000000"/>
+                      </a:solidFill>
+                      <a:prstDash val="solid"/>
+                      <a:round/>
+                      <a:headEnd type="none" w="med" len="med"/>
+                      <a:tailEnd type="none" w="med" len="med"/>
+                    </a:lnT>
+                    <a:lnB w="6350" cap="flat" cmpd="sng" algn="ctr">
+                      <a:solidFill>
+                        <a:srgbClr val="000000"/>
+                      </a:solidFill>
+                      <a:prstDash val="solid"/>
+                      <a:round/>
+                      <a:headEnd type="none" w="med" len="med"/>
+                      <a:tailEnd type="none" w="med" len="med"/>
+                    </a:lnB>
+                    <a:solidFill>
+                      <a:srgbClr val="DCE6F1"/>
+                    </a:solidFill>
+                  </a:tcPr>
+                </a:tc>
+              </a:tr>
+              <a:tr h="190500">
+                <a:tc>
+                  <a:txBody>
+                    <a:bodyPr/>
+                    <a:lstStyle/>
+                    <a:p>
+                      <a:pPr algn="l" fontAlgn="ctr"/>
+                      <a:r>
+                        <a:rPr lang="de-DE" sz="1000" b="0" i="0" u="none" strike="noStrike" dirty="0">
+                          <a:solidFill>
+                            <a:srgbClr val="000000"/>
+                          </a:solidFill>
+                          <a:effectLst/>
+                          <a:latin typeface="Courier New"/>
+                        </a:rPr>
+                        <a:t>$notes</a:t>
+                      </a:r>
+                    </a:p>
+                  </a:txBody>
+                  <a:tcPr marL="9525" marR="9525" marT="9525" marB="0" anchor="ctr">
+                    <a:lnL w="6350" cap="flat" cmpd="sng" algn="ctr">
+                      <a:solidFill>
+                        <a:srgbClr val="000000"/>
+                      </a:solidFill>
+                      <a:prstDash val="solid"/>
+                      <a:round/>
+                      <a:headEnd type="none" w="med" len="med"/>
+                      <a:tailEnd type="none" w="med" len="med"/>
+                    </a:lnL>
+                    <a:lnR w="6350" cap="flat" cmpd="sng" algn="ctr">
+                      <a:solidFill>
+                        <a:srgbClr val="000000"/>
+                      </a:solidFill>
+                      <a:prstDash val="solid"/>
+                      <a:round/>
+                      <a:headEnd type="none" w="med" len="med"/>
+                      <a:tailEnd type="none" w="med" len="med"/>
+                    </a:lnR>
+                    <a:lnT w="6350" cap="flat" cmpd="sng" algn="ctr">
+                      <a:solidFill>
+                        <a:srgbClr val="000000"/>
+                      </a:solidFill>
+                      <a:prstDash val="solid"/>
+                      <a:round/>
+                      <a:headEnd type="none" w="med" len="med"/>
+                      <a:tailEnd type="none" w="med" len="med"/>
+                    </a:lnT>
+                    <a:lnB w="6350" cap="flat" cmpd="sng" algn="ctr">
+                      <a:solidFill>
+                        <a:srgbClr val="000000"/>
+                      </a:solidFill>
+                      <a:prstDash val="solid"/>
+                      <a:round/>
+                      <a:headEnd type="none" w="med" len="med"/>
+                      <a:tailEnd type="none" w="med" len="med"/>
+                    </a:lnB>
+                    <a:solidFill>
+                      <a:srgbClr val="DCE6F1"/>
+                    </a:solidFill>
+                  </a:tcPr>
+                </a:tc>
+              </a:tr>
+              <a:tr h="190500">
+                <a:tc>
+                  <a:txBody>
+                    <a:bodyPr/>
+                    <a:lstStyle/>
+                    <a:p>
+                      <a:pPr algn="l" fontAlgn="ctr"/>
+                      <a:r>
+                        <a:rPr lang="de-DE" sz="1000" b="0" i="0" u="none" strike="noStrike" dirty="0">
+                          <a:solidFill>
+                            <a:srgbClr val="000000"/>
+                          </a:solidFill>
+                          <a:effectLst/>
+                          <a:latin typeface="Courier New"/>
+                        </a:rPr>
+                        <a:t>$author</a:t>
+                      </a:r>
+                    </a:p>
+                  </a:txBody>
+                  <a:tcPr marL="9525" marR="9525" marT="9525" marB="0" anchor="ctr">
+                    <a:lnL w="6350" cap="flat" cmpd="sng" algn="ctr">
+                      <a:solidFill>
+                        <a:srgbClr val="000000"/>
+                      </a:solidFill>
+                      <a:prstDash val="solid"/>
+                      <a:round/>
+                      <a:headEnd type="none" w="med" len="med"/>
+                      <a:tailEnd type="none" w="med" len="med"/>
+                    </a:lnL>
+                    <a:lnR w="6350" cap="flat" cmpd="sng" algn="ctr">
+                      <a:solidFill>
+                        <a:srgbClr val="000000"/>
+                      </a:solidFill>
+                      <a:prstDash val="solid"/>
+                      <a:round/>
+                      <a:headEnd type="none" w="med" len="med"/>
+                      <a:tailEnd type="none" w="med" len="med"/>
+                    </a:lnR>
+                    <a:lnT w="6350" cap="flat" cmpd="sng" algn="ctr">
+                      <a:solidFill>
+                        <a:srgbClr val="000000"/>
+                      </a:solidFill>
+                      <a:prstDash val="solid"/>
+                      <a:round/>
+                      <a:headEnd type="none" w="med" len="med"/>
+                      <a:tailEnd type="none" w="med" len="med"/>
+                    </a:lnT>
+                    <a:lnB w="6350" cap="flat" cmpd="sng" algn="ctr">
+                      <a:solidFill>
+                        <a:srgbClr val="000000"/>
+                      </a:solidFill>
+                      <a:prstDash val="solid"/>
+                      <a:round/>
+                      <a:headEnd type="none" w="med" len="med"/>
+                      <a:tailEnd type="none" w="med" len="med"/>
+                    </a:lnB>
+                    <a:solidFill>
+                      <a:srgbClr val="DCE6F1"/>
+                    </a:solidFill>
+                  </a:tcPr>
+                </a:tc>
+              </a:tr>
+              <a:tr h="190500">
+                <a:tc>
+                  <a:txBody>
+                    <a:bodyPr/>
+                    <a:lstStyle/>
+                    <a:p>
+                      <a:pPr algn="l" fontAlgn="ctr"/>
+                      <a:r>
+                        <a:rPr lang="de-DE" sz="1000" b="0" i="0" u="none" strike="noStrike" dirty="0">
+                          <a:solidFill>
+                            <a:srgbClr val="000000"/>
+                          </a:solidFill>
+                          <a:effectLst/>
+                          <a:latin typeface="Courier New"/>
+                        </a:rPr>
+                        <a:t>$creation_date</a:t>
+                      </a:r>
+                    </a:p>
+                  </a:txBody>
+                  <a:tcPr marL="9525" marR="9525" marT="9525" marB="0" anchor="ctr">
+                    <a:lnL w="6350" cap="flat" cmpd="sng" algn="ctr">
+                      <a:solidFill>
+                        <a:srgbClr val="000000"/>
+                      </a:solidFill>
+                      <a:prstDash val="solid"/>
+                      <a:round/>
+                      <a:headEnd type="none" w="med" len="med"/>
+                      <a:tailEnd type="none" w="med" len="med"/>
+                    </a:lnL>
+                    <a:lnR w="6350" cap="flat" cmpd="sng" algn="ctr">
+                      <a:solidFill>
+                        <a:srgbClr val="000000"/>
+                      </a:solidFill>
+                      <a:prstDash val="solid"/>
+                      <a:round/>
+                      <a:headEnd type="none" w="med" len="med"/>
+                      <a:tailEnd type="none" w="med" len="med"/>
+                    </a:lnR>
+                    <a:lnT w="6350" cap="flat" cmpd="sng" algn="ctr">
+                      <a:solidFill>
+                        <a:srgbClr val="000000"/>
+                      </a:solidFill>
+                      <a:prstDash val="solid"/>
+                      <a:round/>
+                      <a:headEnd type="none" w="med" len="med"/>
+                      <a:tailEnd type="none" w="med" len="med"/>
+                    </a:lnT>
+                    <a:lnB w="6350" cap="flat" cmpd="sng" algn="ctr">
+                      <a:solidFill>
+                        <a:srgbClr val="000000"/>
+                      </a:solidFill>
+                      <a:prstDash val="solid"/>
+                      <a:round/>
+                      <a:headEnd type="none" w="med" len="med"/>
+                      <a:tailEnd type="none" w="med" len="med"/>
+                    </a:lnB>
+                    <a:solidFill>
+                      <a:srgbClr val="DCE6F1"/>
+                    </a:solidFill>
+                  </a:tcPr>
+                </a:tc>
+              </a:tr>
+              <a:tr h="190500">
+                <a:tc>
+                  <a:txBody>
+                    <a:bodyPr/>
+                    <a:lstStyle/>
+                    <a:p>
+                      <a:pPr algn="l" fontAlgn="ctr"/>
+                      <a:r>
+                        <a:rPr lang="de-DE" sz="1000" b="0" i="0" u="none" strike="noStrike" dirty="0">
+                          <a:solidFill>
+                            <a:srgbClr val="000000"/>
+                          </a:solidFill>
+                          <a:effectLst/>
+                          <a:latin typeface="Courier New"/>
+                        </a:rPr>
+                        <a:t>$expiration_date</a:t>
+                      </a:r>
+                    </a:p>
+                  </a:txBody>
+                  <a:tcPr marL="9525" marR="9525" marT="9525" marB="0" anchor="ctr">
+                    <a:lnL w="6350" cap="flat" cmpd="sng" algn="ctr">
+                      <a:solidFill>
+                        <a:srgbClr val="000000"/>
+                      </a:solidFill>
+                      <a:prstDash val="solid"/>
+                      <a:round/>
+                      <a:headEnd type="none" w="med" len="med"/>
+                      <a:tailEnd type="none" w="med" len="med"/>
+                    </a:lnL>
+                    <a:lnR w="6350" cap="flat" cmpd="sng" algn="ctr">
+                      <a:solidFill>
+                        <a:srgbClr val="000000"/>
+                      </a:solidFill>
+                      <a:prstDash val="solid"/>
+                      <a:round/>
+                      <a:headEnd type="none" w="med" len="med"/>
+                      <a:tailEnd type="none" w="med" len="med"/>
+                    </a:lnR>
+                    <a:lnT w="6350" cap="flat" cmpd="sng" algn="ctr">
+                      <a:solidFill>
+                        <a:srgbClr val="000000"/>
+                      </a:solidFill>
+                      <a:prstDash val="solid"/>
+                      <a:round/>
+                      <a:headEnd type="none" w="med" len="med"/>
+                      <a:tailEnd type="none" w="med" len="med"/>
+                    </a:lnT>
+                    <a:lnB w="6350" cap="flat" cmpd="sng" algn="ctr">
+                      <a:solidFill>
+                        <a:srgbClr val="000000"/>
+                      </a:solidFill>
+                      <a:prstDash val="solid"/>
+                      <a:round/>
+                      <a:headEnd type="none" w="med" len="med"/>
+                      <a:tailEnd type="none" w="med" len="med"/>
+                    </a:lnB>
+                    <a:solidFill>
+                      <a:srgbClr val="DCE6F1"/>
+                    </a:solidFill>
+                  </a:tcPr>
+                </a:tc>
+              </a:tr>
+            </a:tbl>
+          </a:graphicData>
+        </a:graphic>
+      </p:graphicFrame>
+      <p:graphicFrame>
+        <p:nvGraphicFramePr>
+          <p:cNvPr id="6" name="Tabelle 5"/>
+          <p:cNvGraphicFramePr>
+            <a:graphicFrameLocks noGrp="1"/>
+          </p:cNvGraphicFramePr>
+          <p:nvPr>
+            <p:extLst>
+              <p:ext uri="{D42A27DB-BD31-4B8C-83A1-F6EECF244321}">
+                <p14:modId xmlns:p14="http://schemas.microsoft.com/office/powerpoint/2010/main" val="3641346991"/>
+              </p:ext>
+            </p:extLst>
+          </p:nvPr>
+        </p:nvGraphicFramePr>
+        <p:xfrm>
+          <a:off x="3996828" y="7104856"/>
+          <a:ext cx="1917700" cy="952500"/>
+        </p:xfrm>
+        <a:graphic>
+          <a:graphicData uri="http://schemas.openxmlformats.org/drawingml/2006/table">
+            <a:tbl>
+              <a:tblPr/>
+              <a:tblGrid>
+                <a:gridCol w="1917700"/>
+              </a:tblGrid>
+              <a:tr h="190500">
+                <a:tc>
+                  <a:txBody>
+                    <a:bodyPr/>
+                    <a:lstStyle/>
+                    <a:p>
+                      <a:pPr algn="ctr" fontAlgn="b"/>
+                      <a:r>
+                        <a:rPr lang="de-DE" sz="1000" b="1" i="0" u="none" strike="noStrike" dirty="0">
+                          <a:solidFill>
+                            <a:srgbClr val="FFFFFF"/>
+                          </a:solidFill>
+                          <a:effectLst/>
+                          <a:latin typeface="Courier New"/>
+                        </a:rPr>
+                        <a:t>class GetWikiCommand</a:t>
+                      </a:r>
+                    </a:p>
+                  </a:txBody>
+                  <a:tcPr marL="9525" marR="9525" marT="9525" marB="0" anchor="b">
+                    <a:lnL w="6350" cap="flat" cmpd="sng" algn="ctr">
+                      <a:solidFill>
+                        <a:srgbClr val="000000"/>
+                      </a:solidFill>
+                      <a:prstDash val="solid"/>
+                      <a:round/>
+                      <a:headEnd type="none" w="med" len="med"/>
+                      <a:tailEnd type="none" w="med" len="med"/>
+                    </a:lnL>
+                    <a:lnR w="6350" cap="flat" cmpd="sng" algn="ctr">
+                      <a:solidFill>
+                        <a:srgbClr val="000000"/>
+                      </a:solidFill>
+                      <a:prstDash val="solid"/>
+                      <a:round/>
+                      <a:headEnd type="none" w="med" len="med"/>
+                      <a:tailEnd type="none" w="med" len="med"/>
+                    </a:lnR>
+                    <a:lnT w="6350" cap="flat" cmpd="sng" algn="ctr">
+                      <a:solidFill>
+                        <a:srgbClr val="000000"/>
+                      </a:solidFill>
+                      <a:prstDash val="solid"/>
+                      <a:round/>
+                      <a:headEnd type="none" w="med" len="med"/>
+                      <a:tailEnd type="none" w="med" len="med"/>
+                    </a:lnT>
+                    <a:lnB w="6350" cap="flat" cmpd="sng" algn="ctr">
+                      <a:solidFill>
+                        <a:srgbClr val="000000"/>
+                      </a:solidFill>
+                      <a:prstDash val="solid"/>
+                      <a:round/>
+                      <a:headEnd type="none" w="med" len="med"/>
+                      <a:tailEnd type="none" w="med" len="med"/>
+                    </a:lnB>
+                    <a:solidFill>
+                      <a:srgbClr val="4F81BD"/>
+                    </a:solidFill>
+                  </a:tcPr>
+                </a:tc>
+              </a:tr>
+              <a:tr h="190500">
+                <a:tc>
+                  <a:txBody>
+                    <a:bodyPr/>
+                    <a:lstStyle/>
+                    <a:p>
+                      <a:pPr algn="l" fontAlgn="ctr"/>
+                      <a:r>
+                        <a:rPr lang="de-DE" sz="1000" b="0" i="0" u="none" strike="noStrike" dirty="0">
+                          <a:solidFill>
+                            <a:srgbClr val="000000"/>
+                          </a:solidFill>
+                          <a:effectLst/>
+                          <a:latin typeface="Courier New"/>
+                        </a:rPr>
+                        <a:t>$request</a:t>
+                      </a:r>
+                    </a:p>
+                  </a:txBody>
+                  <a:tcPr marL="9525" marR="9525" marT="9525" marB="0" anchor="ctr">
+                    <a:lnL w="6350" cap="flat" cmpd="sng" algn="ctr">
+                      <a:solidFill>
+                        <a:srgbClr val="000000"/>
+                      </a:solidFill>
+                      <a:prstDash val="solid"/>
+                      <a:round/>
+                      <a:headEnd type="none" w="med" len="med"/>
+                      <a:tailEnd type="none" w="med" len="med"/>
+                    </a:lnL>
+                    <a:lnR w="6350" cap="flat" cmpd="sng" algn="ctr">
+                      <a:solidFill>
+                        <a:srgbClr val="000000"/>
+                      </a:solidFill>
+                      <a:prstDash val="solid"/>
+                      <a:round/>
+                      <a:headEnd type="none" w="med" len="med"/>
+                      <a:tailEnd type="none" w="med" len="med"/>
+                    </a:lnR>
+                    <a:lnT w="6350" cap="flat" cmpd="sng" algn="ctr">
+                      <a:solidFill>
+                        <a:srgbClr val="000000"/>
+                      </a:solidFill>
+                      <a:prstDash val="solid"/>
+                      <a:round/>
+                      <a:headEnd type="none" w="med" len="med"/>
+                      <a:tailEnd type="none" w="med" len="med"/>
+                    </a:lnT>
+                    <a:lnB w="6350" cap="flat" cmpd="sng" algn="ctr">
+                      <a:solidFill>
+                        <a:srgbClr val="000000"/>
+                      </a:solidFill>
+                      <a:prstDash val="solid"/>
+                      <a:round/>
+                      <a:headEnd type="none" w="med" len="med"/>
+                      <a:tailEnd type="none" w="med" len="med"/>
+                    </a:lnB>
+                    <a:solidFill>
+                      <a:srgbClr val="DCE6F1"/>
+                    </a:solidFill>
+                  </a:tcPr>
+                </a:tc>
+              </a:tr>
+              <a:tr h="190500">
+                <a:tc>
+                  <a:txBody>
+                    <a:bodyPr/>
+                    <a:lstStyle/>
+                    <a:p>
+                      <a:pPr algn="l" fontAlgn="ctr"/>
+                      <a:r>
+                        <a:rPr lang="de-DE" sz="1000" b="0" i="0" u="none" strike="noStrike" dirty="0">
+                          <a:solidFill>
+                            <a:srgbClr val="000000"/>
+                          </a:solidFill>
+                          <a:effectLst/>
+                          <a:latin typeface="Courier New"/>
+                        </a:rPr>
+                        <a:t>$wiki_service</a:t>
+                      </a:r>
+                    </a:p>
+                  </a:txBody>
+                  <a:tcPr marL="9525" marR="9525" marT="9525" marB="0" anchor="ctr">
+                    <a:lnL w="6350" cap="flat" cmpd="sng" algn="ctr">
+                      <a:solidFill>
+                        <a:srgbClr val="000000"/>
+                      </a:solidFill>
+                      <a:prstDash val="solid"/>
+                      <a:round/>
+                      <a:headEnd type="none" w="med" len="med"/>
+                      <a:tailEnd type="none" w="med" len="med"/>
+                    </a:lnL>
+                    <a:lnR w="6350" cap="flat" cmpd="sng" algn="ctr">
+                      <a:solidFill>
+                        <a:srgbClr val="000000"/>
+                      </a:solidFill>
+                      <a:prstDash val="solid"/>
+                      <a:round/>
+                      <a:headEnd type="none" w="med" len="med"/>
+                      <a:tailEnd type="none" w="med" len="med"/>
+                    </a:lnR>
+                    <a:lnT w="6350" cap="flat" cmpd="sng" algn="ctr">
+                      <a:solidFill>
+                        <a:srgbClr val="000000"/>
+                      </a:solidFill>
+                      <a:prstDash val="solid"/>
+                      <a:round/>
+                      <a:headEnd type="none" w="med" len="med"/>
+                      <a:tailEnd type="none" w="med" len="med"/>
+                    </a:lnT>
+                    <a:lnB w="6350" cap="flat" cmpd="sng" algn="ctr">
+                      <a:solidFill>
+                        <a:srgbClr val="000000"/>
+                      </a:solidFill>
+                      <a:prstDash val="solid"/>
+                      <a:round/>
+                      <a:headEnd type="none" w="med" len="med"/>
+                      <a:tailEnd type="none" w="med" len="med"/>
+                    </a:lnB>
+                    <a:solidFill>
+                      <a:srgbClr val="DCE6F1"/>
+                    </a:solidFill>
+                  </a:tcPr>
+                </a:tc>
+              </a:tr>
+              <a:tr h="190500">
+                <a:tc>
+                  <a:txBody>
+                    <a:bodyPr/>
+                    <a:lstStyle/>
+                    <a:p>
+                      <a:pPr algn="l" fontAlgn="ctr"/>
+                      <a:r>
+                        <a:rPr lang="de-DE" sz="1000" b="0" i="0" u="none" strike="noStrike" dirty="0">
+                          <a:solidFill>
+                            <a:srgbClr val="000000"/>
+                          </a:solidFill>
+                          <a:effectLst/>
+                          <a:latin typeface="Courier New"/>
+                        </a:rPr>
+                        <a:t>$wiki</a:t>
+                      </a:r>
+                    </a:p>
+                  </a:txBody>
+                  <a:tcPr marL="9525" marR="9525" marT="9525" marB="0" anchor="ctr">
+                    <a:lnL w="6350" cap="flat" cmpd="sng" algn="ctr">
+                      <a:solidFill>
+                        <a:srgbClr val="000000"/>
+                      </a:solidFill>
+                      <a:prstDash val="solid"/>
+                      <a:round/>
+                      <a:headEnd type="none" w="med" len="med"/>
+                      <a:tailEnd type="none" w="med" len="med"/>
+                    </a:lnL>
+                    <a:lnR w="6350" cap="flat" cmpd="sng" algn="ctr">
+                      <a:solidFill>
+                        <a:srgbClr val="000000"/>
+                      </a:solidFill>
+                      <a:prstDash val="solid"/>
+                      <a:round/>
+                      <a:headEnd type="none" w="med" len="med"/>
+                      <a:tailEnd type="none" w="med" len="med"/>
+                    </a:lnR>
+                    <a:lnT w="6350" cap="flat" cmpd="sng" algn="ctr">
+                      <a:solidFill>
+                        <a:srgbClr val="000000"/>
+                      </a:solidFill>
+                      <a:prstDash val="solid"/>
+                      <a:round/>
+                      <a:headEnd type="none" w="med" len="med"/>
+                      <a:tailEnd type="none" w="med" len="med"/>
+                    </a:lnT>
+                    <a:lnB w="6350" cap="flat" cmpd="sng" algn="ctr">
+                      <a:solidFill>
+                        <a:srgbClr val="000000"/>
+                      </a:solidFill>
+                      <a:prstDash val="solid"/>
+                      <a:round/>
+                      <a:headEnd type="none" w="med" len="med"/>
+                      <a:tailEnd type="none" w="med" len="med"/>
+                    </a:lnB>
+                    <a:solidFill>
+                      <a:srgbClr val="DCE6F1"/>
+                    </a:solidFill>
+                  </a:tcPr>
+                </a:tc>
+              </a:tr>
+              <a:tr h="190500">
+                <a:tc>
+                  <a:txBody>
+                    <a:bodyPr/>
+                    <a:lstStyle/>
+                    <a:p>
+                      <a:pPr algn="l" fontAlgn="ctr"/>
+                      <a:r>
+                        <a:rPr lang="de-DE" sz="1000" b="0" i="0" u="none" strike="noStrike" dirty="0">
+                          <a:solidFill>
+                            <a:srgbClr val="000000"/>
+                          </a:solidFill>
+                          <a:effectLst/>
+                          <a:latin typeface="Courier New"/>
+                        </a:rPr>
+                        <a:t>execute()</a:t>
+                      </a:r>
+                    </a:p>
+                  </a:txBody>
+                  <a:tcPr marL="9525" marR="9525" marT="9525" marB="0" anchor="ctr">
+                    <a:lnL w="6350" cap="flat" cmpd="sng" algn="ctr">
+                      <a:solidFill>
+                        <a:srgbClr val="000000"/>
+                      </a:solidFill>
+                      <a:prstDash val="solid"/>
+                      <a:round/>
+                      <a:headEnd type="none" w="med" len="med"/>
+                      <a:tailEnd type="none" w="med" len="med"/>
+                    </a:lnL>
+                    <a:lnR w="6350" cap="flat" cmpd="sng" algn="ctr">
+                      <a:solidFill>
+                        <a:srgbClr val="000000"/>
+                      </a:solidFill>
+                      <a:prstDash val="solid"/>
+                      <a:round/>
+                      <a:headEnd type="none" w="med" len="med"/>
+                      <a:tailEnd type="none" w="med" len="med"/>
+                    </a:lnR>
+                    <a:lnT w="6350" cap="flat" cmpd="sng" algn="ctr">
+                      <a:solidFill>
+                        <a:srgbClr val="000000"/>
+                      </a:solidFill>
+                      <a:prstDash val="solid"/>
+                      <a:round/>
+                      <a:headEnd type="none" w="med" len="med"/>
+                      <a:tailEnd type="none" w="med" len="med"/>
+                    </a:lnT>
+                    <a:lnB w="6350" cap="flat" cmpd="sng" algn="ctr">
+                      <a:solidFill>
+                        <a:srgbClr val="000000"/>
+                      </a:solidFill>
+                      <a:prstDash val="solid"/>
+                      <a:round/>
+                      <a:headEnd type="none" w="med" len="med"/>
+                      <a:tailEnd type="none" w="med" len="med"/>
+                    </a:lnB>
+                    <a:solidFill>
+                      <a:srgbClr val="95B3D7"/>
+                    </a:solidFill>
+                  </a:tcPr>
+                </a:tc>
+              </a:tr>
+            </a:tbl>
+          </a:graphicData>
+        </a:graphic>
+      </p:graphicFrame>
+      <p:cxnSp>
+        <p:nvCxnSpPr>
+          <p:cNvPr id="11" name="Gerade Verbindung mit Pfeil 10"/>
+          <p:cNvCxnSpPr/>
+          <p:nvPr/>
+        </p:nvCxnSpPr>
+        <p:spPr>
+          <a:xfrm flipH="1">
+            <a:off x="1072208" y="8761040"/>
+            <a:ext cx="330893" cy="437198"/>
+          </a:xfrm>
+          <a:prstGeom prst="straightConnector1">
+            <a:avLst/>
+          </a:prstGeom>
+          <a:ln>
+            <a:tailEnd type="triangle"/>
+          </a:ln>
+        </p:spPr>
+        <p:style>
+          <a:lnRef idx="1">
+            <a:schemeClr val="accent1"/>
+          </a:lnRef>
+          <a:fillRef idx="0">
+            <a:schemeClr val="accent1"/>
+          </a:fillRef>
+          <a:effectRef idx="0">
+            <a:schemeClr val="accent1"/>
+          </a:effectRef>
+          <a:fontRef idx="minor">
+            <a:schemeClr val="tx1"/>
+          </a:fontRef>
+        </p:style>
+      </p:cxnSp>
+      <p:cxnSp>
+        <p:nvCxnSpPr>
+          <p:cNvPr id="12" name="Gewinkelte Verbindung 11"/>
+          <p:cNvCxnSpPr>
+            <a:stCxn id="2" idx="2"/>
+            <a:endCxn id="6" idx="2"/>
+          </p:cNvCxnSpPr>
+          <p:nvPr/>
+        </p:nvCxnSpPr>
+        <p:spPr>
+          <a:xfrm rot="5400000">
+            <a:off x="5604842" y="6446564"/>
+            <a:ext cx="961628" cy="2259956"/>
+          </a:xfrm>
+          <a:prstGeom prst="bentConnector3">
+            <a:avLst>
+              <a:gd name="adj1" fmla="val 123772"/>
+            </a:avLst>
+          </a:prstGeom>
+          <a:ln>
+            <a:tailEnd type="triangle"/>
+          </a:ln>
+        </p:spPr>
+        <p:style>
+          <a:lnRef idx="1">
+            <a:schemeClr val="accent1"/>
+          </a:lnRef>
+          <a:fillRef idx="0">
+            <a:schemeClr val="accent1"/>
+          </a:fillRef>
+          <a:effectRef idx="0">
+            <a:schemeClr val="accent1"/>
+          </a:effectRef>
+          <a:fontRef idx="minor">
+            <a:schemeClr val="tx1"/>
+          </a:fontRef>
+        </p:style>
+      </p:cxnSp>
+      <p:cxnSp>
+        <p:nvCxnSpPr>
+          <p:cNvPr id="17" name="Gewinkelte Verbindung 16"/>
+          <p:cNvCxnSpPr>
+            <a:stCxn id="2" idx="2"/>
+            <a:endCxn id="21" idx="2"/>
+          </p:cNvCxnSpPr>
+          <p:nvPr/>
+        </p:nvCxnSpPr>
+        <p:spPr>
+          <a:xfrm rot="16200000" flipH="1">
+            <a:off x="7838182" y="6473180"/>
+            <a:ext cx="987153" cy="2232248"/>
+          </a:xfrm>
+          <a:prstGeom prst="bentConnector3">
+            <a:avLst>
+              <a:gd name="adj1" fmla="val 123158"/>
+            </a:avLst>
+          </a:prstGeom>
+          <a:ln>
+            <a:tailEnd type="triangle"/>
+          </a:ln>
+        </p:spPr>
+        <p:style>
+          <a:lnRef idx="1">
+            <a:schemeClr val="accent1"/>
+          </a:lnRef>
+          <a:fillRef idx="0">
+            <a:schemeClr val="accent1"/>
+          </a:fillRef>
+          <a:effectRef idx="0">
+            <a:schemeClr val="accent1"/>
+          </a:effectRef>
+          <a:fontRef idx="minor">
+            <a:schemeClr val="tx1"/>
+          </a:fontRef>
+        </p:style>
+      </p:cxnSp>
+      <p:graphicFrame>
+        <p:nvGraphicFramePr>
+          <p:cNvPr id="21" name="Tabelle 20"/>
+          <p:cNvGraphicFramePr>
+            <a:graphicFrameLocks noGrp="1"/>
+          </p:cNvGraphicFramePr>
+          <p:nvPr>
+            <p:extLst>
+              <p:ext uri="{D42A27DB-BD31-4B8C-83A1-F6EECF244321}">
+                <p14:modId xmlns:p14="http://schemas.microsoft.com/office/powerpoint/2010/main" val="738278422"/>
+              </p:ext>
+            </p:extLst>
+          </p:nvPr>
+        </p:nvGraphicFramePr>
+        <p:xfrm>
+          <a:off x="8489032" y="7320881"/>
+          <a:ext cx="1917700" cy="762000"/>
+        </p:xfrm>
+        <a:graphic>
+          <a:graphicData uri="http://schemas.openxmlformats.org/drawingml/2006/table">
+            <a:tbl>
+              <a:tblPr/>
+              <a:tblGrid>
+                <a:gridCol w="1917700"/>
+              </a:tblGrid>
+              <a:tr h="190500">
+                <a:tc>
+                  <a:txBody>
+                    <a:bodyPr/>
+                    <a:lstStyle/>
+                    <a:p>
+                      <a:pPr algn="ctr" fontAlgn="b"/>
+                      <a:r>
+                        <a:rPr lang="de-DE" sz="1000" b="1" i="0" u="none" strike="noStrike">
+                          <a:solidFill>
+                            <a:srgbClr val="FFFFFF"/>
+                          </a:solidFill>
+                          <a:effectLst/>
+                          <a:latin typeface="Courier New"/>
+                        </a:rPr>
+                        <a:t>class GetWikisCommand</a:t>
+                      </a:r>
+                    </a:p>
+                  </a:txBody>
+                  <a:tcPr marL="9525" marR="9525" marT="9525" marB="0" anchor="b">
+                    <a:lnL w="6350" cap="flat" cmpd="sng" algn="ctr">
+                      <a:solidFill>
+                        <a:srgbClr val="000000"/>
+                      </a:solidFill>
+                      <a:prstDash val="solid"/>
+                      <a:round/>
+                      <a:headEnd type="none" w="med" len="med"/>
+                      <a:tailEnd type="none" w="med" len="med"/>
+                    </a:lnL>
+                    <a:lnR w="6350" cap="flat" cmpd="sng" algn="ctr">
+                      <a:solidFill>
+                        <a:srgbClr val="000000"/>
+                      </a:solidFill>
+                      <a:prstDash val="solid"/>
+                      <a:round/>
+                      <a:headEnd type="none" w="med" len="med"/>
+                      <a:tailEnd type="none" w="med" len="med"/>
+                    </a:lnR>
+                    <a:lnT w="6350" cap="flat" cmpd="sng" algn="ctr">
+                      <a:solidFill>
+                        <a:srgbClr val="000000"/>
+                      </a:solidFill>
+                      <a:prstDash val="solid"/>
+                      <a:round/>
+                      <a:headEnd type="none" w="med" len="med"/>
+                      <a:tailEnd type="none" w="med" len="med"/>
+                    </a:lnT>
+                    <a:lnB w="6350" cap="flat" cmpd="sng" algn="ctr">
+                      <a:solidFill>
+                        <a:srgbClr val="000000"/>
+                      </a:solidFill>
+                      <a:prstDash val="solid"/>
+                      <a:round/>
+                      <a:headEnd type="none" w="med" len="med"/>
+                      <a:tailEnd type="none" w="med" len="med"/>
+                    </a:lnB>
+                    <a:solidFill>
+                      <a:srgbClr val="4F81BD"/>
+                    </a:solidFill>
+                  </a:tcPr>
+                </a:tc>
+              </a:tr>
+              <a:tr h="190500">
+                <a:tc>
+                  <a:txBody>
+                    <a:bodyPr/>
+                    <a:lstStyle/>
+                    <a:p>
+                      <a:pPr algn="l" fontAlgn="ctr"/>
+                      <a:r>
+                        <a:rPr lang="de-DE" sz="1000" b="0" i="0" u="none" strike="noStrike">
+                          <a:solidFill>
+                            <a:srgbClr val="000000"/>
+                          </a:solidFill>
+                          <a:effectLst/>
+                          <a:latin typeface="Courier New"/>
+                        </a:rPr>
+                        <a:t>$wiki_service</a:t>
                       </a:r>
                     </a:p>
                   </a:txBody>
@@ -5324,7 +7434,7 @@
                           <a:effectLst/>
                           <a:latin typeface="Courier New"/>
                         </a:rPr>
-                        <a:t>const INVALID_INPUT</a:t>
+                        <a:t>$wikis</a:t>
                       </a:r>
                     </a:p>
                   </a:txBody>
@@ -5379,388 +7489,6 @@
                     <a:p>
                       <a:pPr algn="l" fontAlgn="ctr"/>
                       <a:r>
-                        <a:rPr lang="de-DE" sz="1000" b="0" i="0" u="none" strike="noStrike">
-                          <a:solidFill>
-                            <a:srgbClr val="000000"/>
-                          </a:solidFill>
-                          <a:effectLst/>
-                          <a:latin typeface="Courier New"/>
-                        </a:rPr>
-                        <a:t>const OK</a:t>
-                      </a:r>
-                    </a:p>
-                  </a:txBody>
-                  <a:tcPr marL="9525" marR="9525" marT="9525" marB="0" anchor="ctr">
-                    <a:lnL w="6350" cap="flat" cmpd="sng" algn="ctr">
-                      <a:solidFill>
-                        <a:srgbClr val="000000"/>
-                      </a:solidFill>
-                      <a:prstDash val="solid"/>
-                      <a:round/>
-                      <a:headEnd type="none" w="med" len="med"/>
-                      <a:tailEnd type="none" w="med" len="med"/>
-                    </a:lnL>
-                    <a:lnR w="6350" cap="flat" cmpd="sng" algn="ctr">
-                      <a:solidFill>
-                        <a:srgbClr val="000000"/>
-                      </a:solidFill>
-                      <a:prstDash val="solid"/>
-                      <a:round/>
-                      <a:headEnd type="none" w="med" len="med"/>
-                      <a:tailEnd type="none" w="med" len="med"/>
-                    </a:lnR>
-                    <a:lnT w="6350" cap="flat" cmpd="sng" algn="ctr">
-                      <a:solidFill>
-                        <a:srgbClr val="000000"/>
-                      </a:solidFill>
-                      <a:prstDash val="solid"/>
-                      <a:round/>
-                      <a:headEnd type="none" w="med" len="med"/>
-                      <a:tailEnd type="none" w="med" len="med"/>
-                    </a:lnT>
-                    <a:lnB w="6350" cap="flat" cmpd="sng" algn="ctr">
-                      <a:solidFill>
-                        <a:srgbClr val="000000"/>
-                      </a:solidFill>
-                      <a:prstDash val="solid"/>
-                      <a:round/>
-                      <a:headEnd type="none" w="med" len="med"/>
-                      <a:tailEnd type="none" w="med" len="med"/>
-                    </a:lnB>
-                    <a:solidFill>
-                      <a:srgbClr val="DCE6F1"/>
-                    </a:solidFill>
-                  </a:tcPr>
-                </a:tc>
-              </a:tr>
-              <a:tr h="190500">
-                <a:tc>
-                  <a:txBody>
-                    <a:bodyPr/>
-                    <a:lstStyle/>
-                    <a:p>
-                      <a:pPr algn="l" fontAlgn="ctr"/>
-                      <a:r>
-                        <a:rPr lang="de-DE" sz="1000" b="0" i="0" u="none" strike="noStrike">
-                          <a:solidFill>
-                            <a:srgbClr val="000000"/>
-                          </a:solidFill>
-                          <a:effectLst/>
-                          <a:latin typeface="Courier New"/>
-                        </a:rPr>
-                        <a:t>const VERSION_OUTDATED</a:t>
-                      </a:r>
-                    </a:p>
-                  </a:txBody>
-                  <a:tcPr marL="9525" marR="9525" marT="9525" marB="0" anchor="ctr">
-                    <a:lnL w="6350" cap="flat" cmpd="sng" algn="ctr">
-                      <a:solidFill>
-                        <a:srgbClr val="000000"/>
-                      </a:solidFill>
-                      <a:prstDash val="solid"/>
-                      <a:round/>
-                      <a:headEnd type="none" w="med" len="med"/>
-                      <a:tailEnd type="none" w="med" len="med"/>
-                    </a:lnL>
-                    <a:lnR w="6350" cap="flat" cmpd="sng" algn="ctr">
-                      <a:solidFill>
-                        <a:srgbClr val="000000"/>
-                      </a:solidFill>
-                      <a:prstDash val="solid"/>
-                      <a:round/>
-                      <a:headEnd type="none" w="med" len="med"/>
-                      <a:tailEnd type="none" w="med" len="med"/>
-                    </a:lnR>
-                    <a:lnT w="6350" cap="flat" cmpd="sng" algn="ctr">
-                      <a:solidFill>
-                        <a:srgbClr val="000000"/>
-                      </a:solidFill>
-                      <a:prstDash val="solid"/>
-                      <a:round/>
-                      <a:headEnd type="none" w="med" len="med"/>
-                      <a:tailEnd type="none" w="med" len="med"/>
-                    </a:lnT>
-                    <a:lnB w="6350" cap="flat" cmpd="sng" algn="ctr">
-                      <a:solidFill>
-                        <a:srgbClr val="000000"/>
-                      </a:solidFill>
-                      <a:prstDash val="solid"/>
-                      <a:round/>
-                      <a:headEnd type="none" w="med" len="med"/>
-                      <a:tailEnd type="none" w="med" len="med"/>
-                    </a:lnB>
-                    <a:solidFill>
-                      <a:srgbClr val="DCE6F1"/>
-                    </a:solidFill>
-                  </a:tcPr>
-                </a:tc>
-              </a:tr>
-              <a:tr h="190500">
-                <a:tc>
-                  <a:txBody>
-                    <a:bodyPr/>
-                    <a:lstStyle/>
-                    <a:p>
-                      <a:pPr algn="l" fontAlgn="ctr"/>
-                      <a:r>
-                        <a:rPr lang="de-DE" sz="1000" b="0" i="0" u="none" strike="noStrike">
-                          <a:solidFill>
-                            <a:srgbClr val="000000"/>
-                          </a:solidFill>
-                          <a:effectLst/>
-                          <a:latin typeface="Courier New"/>
-                        </a:rPr>
-                        <a:t>readWikis()</a:t>
-                      </a:r>
-                    </a:p>
-                  </a:txBody>
-                  <a:tcPr marL="9525" marR="9525" marT="9525" marB="0" anchor="ctr">
-                    <a:lnL w="6350" cap="flat" cmpd="sng" algn="ctr">
-                      <a:solidFill>
-                        <a:srgbClr val="000000"/>
-                      </a:solidFill>
-                      <a:prstDash val="solid"/>
-                      <a:round/>
-                      <a:headEnd type="none" w="med" len="med"/>
-                      <a:tailEnd type="none" w="med" len="med"/>
-                    </a:lnL>
-                    <a:lnR w="6350" cap="flat" cmpd="sng" algn="ctr">
-                      <a:solidFill>
-                        <a:srgbClr val="000000"/>
-                      </a:solidFill>
-                      <a:prstDash val="solid"/>
-                      <a:round/>
-                      <a:headEnd type="none" w="med" len="med"/>
-                      <a:tailEnd type="none" w="med" len="med"/>
-                    </a:lnR>
-                    <a:lnT w="6350" cap="flat" cmpd="sng" algn="ctr">
-                      <a:solidFill>
-                        <a:srgbClr val="000000"/>
-                      </a:solidFill>
-                      <a:prstDash val="solid"/>
-                      <a:round/>
-                      <a:headEnd type="none" w="med" len="med"/>
-                      <a:tailEnd type="none" w="med" len="med"/>
-                    </a:lnT>
-                    <a:lnB w="6350" cap="flat" cmpd="sng" algn="ctr">
-                      <a:solidFill>
-                        <a:srgbClr val="000000"/>
-                      </a:solidFill>
-                      <a:prstDash val="solid"/>
-                      <a:round/>
-                      <a:headEnd type="none" w="med" len="med"/>
-                      <a:tailEnd type="none" w="med" len="med"/>
-                    </a:lnB>
-                    <a:solidFill>
-                      <a:srgbClr val="95B3D7"/>
-                    </a:solidFill>
-                  </a:tcPr>
-                </a:tc>
-              </a:tr>
-              <a:tr h="190500">
-                <a:tc>
-                  <a:txBody>
-                    <a:bodyPr/>
-                    <a:lstStyle/>
-                    <a:p>
-                      <a:pPr algn="l" fontAlgn="ctr"/>
-                      <a:r>
-                        <a:rPr lang="de-DE" sz="1000" b="0" i="0" u="none" strike="noStrike">
-                          <a:solidFill>
-                            <a:srgbClr val="000000"/>
-                          </a:solidFill>
-                          <a:effectLst/>
-                          <a:latin typeface="Courier New"/>
-                        </a:rPr>
-                        <a:t>readWiki()</a:t>
-                      </a:r>
-                    </a:p>
-                  </a:txBody>
-                  <a:tcPr marL="9525" marR="9525" marT="9525" marB="0" anchor="ctr">
-                    <a:lnL w="6350" cap="flat" cmpd="sng" algn="ctr">
-                      <a:solidFill>
-                        <a:srgbClr val="000000"/>
-                      </a:solidFill>
-                      <a:prstDash val="solid"/>
-                      <a:round/>
-                      <a:headEnd type="none" w="med" len="med"/>
-                      <a:tailEnd type="none" w="med" len="med"/>
-                    </a:lnL>
-                    <a:lnR w="6350" cap="flat" cmpd="sng" algn="ctr">
-                      <a:solidFill>
-                        <a:srgbClr val="000000"/>
-                      </a:solidFill>
-                      <a:prstDash val="solid"/>
-                      <a:round/>
-                      <a:headEnd type="none" w="med" len="med"/>
-                      <a:tailEnd type="none" w="med" len="med"/>
-                    </a:lnR>
-                    <a:lnT w="6350" cap="flat" cmpd="sng" algn="ctr">
-                      <a:solidFill>
-                        <a:srgbClr val="000000"/>
-                      </a:solidFill>
-                      <a:prstDash val="solid"/>
-                      <a:round/>
-                      <a:headEnd type="none" w="med" len="med"/>
-                      <a:tailEnd type="none" w="med" len="med"/>
-                    </a:lnT>
-                    <a:lnB w="6350" cap="flat" cmpd="sng" algn="ctr">
-                      <a:solidFill>
-                        <a:srgbClr val="000000"/>
-                      </a:solidFill>
-                      <a:prstDash val="solid"/>
-                      <a:round/>
-                      <a:headEnd type="none" w="med" len="med"/>
-                      <a:tailEnd type="none" w="med" len="med"/>
-                    </a:lnB>
-                    <a:solidFill>
-                      <a:srgbClr val="95B3D7"/>
-                    </a:solidFill>
-                  </a:tcPr>
-                </a:tc>
-              </a:tr>
-              <a:tr h="190500">
-                <a:tc>
-                  <a:txBody>
-                    <a:bodyPr/>
-                    <a:lstStyle/>
-                    <a:p>
-                      <a:pPr algn="l" fontAlgn="ctr"/>
-                      <a:r>
-                        <a:rPr lang="de-DE" sz="1000" b="0" i="0" u="none" strike="noStrike">
-                          <a:solidFill>
-                            <a:srgbClr val="000000"/>
-                          </a:solidFill>
-                          <a:effectLst/>
-                          <a:latin typeface="Courier New"/>
-                        </a:rPr>
-                        <a:t>createWiki()</a:t>
-                      </a:r>
-                    </a:p>
-                  </a:txBody>
-                  <a:tcPr marL="9525" marR="9525" marT="9525" marB="0" anchor="ctr">
-                    <a:lnL w="6350" cap="flat" cmpd="sng" algn="ctr">
-                      <a:solidFill>
-                        <a:srgbClr val="000000"/>
-                      </a:solidFill>
-                      <a:prstDash val="solid"/>
-                      <a:round/>
-                      <a:headEnd type="none" w="med" len="med"/>
-                      <a:tailEnd type="none" w="med" len="med"/>
-                    </a:lnL>
-                    <a:lnR w="6350" cap="flat" cmpd="sng" algn="ctr">
-                      <a:solidFill>
-                        <a:srgbClr val="000000"/>
-                      </a:solidFill>
-                      <a:prstDash val="solid"/>
-                      <a:round/>
-                      <a:headEnd type="none" w="med" len="med"/>
-                      <a:tailEnd type="none" w="med" len="med"/>
-                    </a:lnR>
-                    <a:lnT w="6350" cap="flat" cmpd="sng" algn="ctr">
-                      <a:solidFill>
-                        <a:srgbClr val="000000"/>
-                      </a:solidFill>
-                      <a:prstDash val="solid"/>
-                      <a:round/>
-                      <a:headEnd type="none" w="med" len="med"/>
-                      <a:tailEnd type="none" w="med" len="med"/>
-                    </a:lnT>
-                    <a:lnB w="6350" cap="flat" cmpd="sng" algn="ctr">
-                      <a:solidFill>
-                        <a:srgbClr val="000000"/>
-                      </a:solidFill>
-                      <a:prstDash val="solid"/>
-                      <a:round/>
-                      <a:headEnd type="none" w="med" len="med"/>
-                      <a:tailEnd type="none" w="med" len="med"/>
-                    </a:lnB>
-                    <a:solidFill>
-                      <a:srgbClr val="95B3D7"/>
-                    </a:solidFill>
-                  </a:tcPr>
-                </a:tc>
-              </a:tr>
-              <a:tr h="190500">
-                <a:tc>
-                  <a:txBody>
-                    <a:bodyPr/>
-                    <a:lstStyle/>
-                    <a:p>
-                      <a:pPr algn="l" fontAlgn="ctr"/>
-                      <a:r>
-                        <a:rPr lang="de-DE" sz="1000" b="0" i="0" u="none" strike="noStrike">
-                          <a:solidFill>
-                            <a:srgbClr val="000000"/>
-                          </a:solidFill>
-                          <a:effectLst/>
-                          <a:latin typeface="Courier New"/>
-                        </a:rPr>
-                        <a:t>deleteWiki()</a:t>
-                      </a:r>
-                    </a:p>
-                  </a:txBody>
-                  <a:tcPr marL="9525" marR="9525" marT="9525" marB="0" anchor="ctr">
-                    <a:lnL w="6350" cap="flat" cmpd="sng" algn="ctr">
-                      <a:solidFill>
-                        <a:srgbClr val="000000"/>
-                      </a:solidFill>
-                      <a:prstDash val="solid"/>
-                      <a:round/>
-                      <a:headEnd type="none" w="med" len="med"/>
-                      <a:tailEnd type="none" w="med" len="med"/>
-                    </a:lnL>
-                    <a:lnR w="6350" cap="flat" cmpd="sng" algn="ctr">
-                      <a:solidFill>
-                        <a:srgbClr val="000000"/>
-                      </a:solidFill>
-                      <a:prstDash val="solid"/>
-                      <a:round/>
-                      <a:headEnd type="none" w="med" len="med"/>
-                      <a:tailEnd type="none" w="med" len="med"/>
-                    </a:lnR>
-                    <a:lnT w="6350" cap="flat" cmpd="sng" algn="ctr">
-                      <a:solidFill>
-                        <a:srgbClr val="000000"/>
-                      </a:solidFill>
-                      <a:prstDash val="solid"/>
-                      <a:round/>
-                      <a:headEnd type="none" w="med" len="med"/>
-                      <a:tailEnd type="none" w="med" len="med"/>
-                    </a:lnT>
-                    <a:lnB w="6350" cap="flat" cmpd="sng" algn="ctr">
-                      <a:solidFill>
-                        <a:srgbClr val="000000"/>
-                      </a:solidFill>
-                      <a:prstDash val="solid"/>
-                      <a:round/>
-                      <a:headEnd type="none" w="med" len="med"/>
-                      <a:tailEnd type="none" w="med" len="med"/>
-                    </a:lnB>
-                    <a:solidFill>
-                      <a:srgbClr val="95B3D7"/>
-                    </a:solidFill>
-                  </a:tcPr>
-                </a:tc>
-              </a:tr>
-              <a:tr h="190500">
-                <a:tc>
-                  <a:txBody>
-                    <a:bodyPr/>
-                    <a:lstStyle/>
-                    <a:p>
-                      <a:pPr algn="l" fontAlgn="ctr"/>
-                      <a:r>
-                        <a:rPr lang="de-DE" sz="1000" b="0" i="0" u="none" strike="noStrike" dirty="0" err="1">
-                          <a:solidFill>
-                            <a:srgbClr val="000000"/>
-                          </a:solidFill>
-                          <a:effectLst/>
-                          <a:latin typeface="Courier New"/>
-                        </a:rPr>
-                        <a:t>updateWiki</a:t>
-                      </a:r>
-                      <a:r>
                         <a:rPr lang="de-DE" sz="1000" b="0" i="0" u="none" strike="noStrike" dirty="0">
                           <a:solidFill>
                             <a:srgbClr val="000000"/>
@@ -5768,7 +7496,7 @@
                           <a:effectLst/>
                           <a:latin typeface="Courier New"/>
                         </a:rPr>
-                        <a:t>()</a:t>
+                        <a:t>execute()</a:t>
                       </a:r>
                     </a:p>
                   </a:txBody>
@@ -5819,6 +7547,156 @@
           </a:graphicData>
         </a:graphic>
       </p:graphicFrame>
+      <p:cxnSp>
+        <p:nvCxnSpPr>
+          <p:cNvPr id="24" name="Gewinkelte Verbindung 23"/>
+          <p:cNvCxnSpPr>
+            <a:stCxn id="20" idx="2"/>
+            <a:endCxn id="21" idx="3"/>
+          </p:cNvCxnSpPr>
+          <p:nvPr/>
+        </p:nvCxnSpPr>
+        <p:spPr>
+          <a:xfrm rot="16200000" flipH="1">
+            <a:off x="7220161" y="4515309"/>
+            <a:ext cx="3182045" cy="3191098"/>
+          </a:xfrm>
+          <a:prstGeom prst="bentConnector4">
+            <a:avLst>
+              <a:gd name="adj1" fmla="val 12882"/>
+              <a:gd name="adj2" fmla="val 107164"/>
+            </a:avLst>
+          </a:prstGeom>
+          <a:ln>
+            <a:tailEnd type="triangle"/>
+          </a:ln>
+        </p:spPr>
+        <p:style>
+          <a:lnRef idx="1">
+            <a:schemeClr val="accent1"/>
+          </a:lnRef>
+          <a:fillRef idx="0">
+            <a:schemeClr val="accent1"/>
+          </a:fillRef>
+          <a:effectRef idx="0">
+            <a:schemeClr val="accent1"/>
+          </a:effectRef>
+          <a:fontRef idx="minor">
+            <a:schemeClr val="tx1"/>
+          </a:fontRef>
+        </p:style>
+      </p:cxnSp>
+      <p:sp>
+        <p:nvSpPr>
+          <p:cNvPr id="27" name="Textfeld 26"/>
+          <p:cNvSpPr txBox="1"/>
+          <p:nvPr/>
+        </p:nvSpPr>
+        <p:spPr>
+          <a:xfrm>
+            <a:off x="9650649" y="6680721"/>
+            <a:ext cx="1512168" cy="230832"/>
+          </a:xfrm>
+          <a:prstGeom prst="rect">
+            <a:avLst/>
+          </a:prstGeom>
+          <a:noFill/>
+        </p:spPr>
+        <p:txBody>
+          <a:bodyPr wrap="square" rtlCol="0">
+            <a:spAutoFit/>
+          </a:bodyPr>
+          <a:lstStyle/>
+          <a:p>
+            <a:r>
+              <a:rPr lang="de-DE" sz="900" dirty="0" smtClean="0">
+                <a:latin typeface="Courier New" panose="02070309020205020404" pitchFamily="49" charset="0"/>
+                <a:cs typeface="Courier New" panose="02070309020205020404" pitchFamily="49" charset="0"/>
+              </a:rPr>
+              <a:t>readWikis()</a:t>
+            </a:r>
+            <a:endParaRPr lang="de-DE" sz="900" dirty="0">
+              <a:latin typeface="Courier New" panose="02070309020205020404" pitchFamily="49" charset="0"/>
+              <a:cs typeface="Courier New" panose="02070309020205020404" pitchFamily="49" charset="0"/>
+            </a:endParaRPr>
+          </a:p>
+        </p:txBody>
+      </p:sp>
+      <p:sp>
+        <p:nvSpPr>
+          <p:cNvPr id="28" name="Textfeld 27"/>
+          <p:cNvSpPr txBox="1"/>
+          <p:nvPr/>
+        </p:nvSpPr>
+        <p:spPr>
+          <a:xfrm>
+            <a:off x="3808512" y="6672808"/>
+            <a:ext cx="1512168" cy="230832"/>
+          </a:xfrm>
+          <a:prstGeom prst="rect">
+            <a:avLst/>
+          </a:prstGeom>
+          <a:noFill/>
+        </p:spPr>
+        <p:txBody>
+          <a:bodyPr wrap="square" rtlCol="0">
+            <a:spAutoFit/>
+          </a:bodyPr>
+          <a:lstStyle/>
+          <a:p>
+            <a:r>
+              <a:rPr lang="de-DE" sz="900" dirty="0" smtClean="0">
+                <a:latin typeface="Courier New" panose="02070309020205020404" pitchFamily="49" charset="0"/>
+                <a:cs typeface="Courier New" panose="02070309020205020404" pitchFamily="49" charset="0"/>
+              </a:rPr>
+              <a:t>readWiki()</a:t>
+            </a:r>
+            <a:endParaRPr lang="de-DE" sz="900" dirty="0">
+              <a:latin typeface="Courier New" panose="02070309020205020404" pitchFamily="49" charset="0"/>
+              <a:cs typeface="Courier New" panose="02070309020205020404" pitchFamily="49" charset="0"/>
+            </a:endParaRPr>
+          </a:p>
+        </p:txBody>
+      </p:sp>
+      <p:cxnSp>
+        <p:nvCxnSpPr>
+          <p:cNvPr id="31" name="Gewinkelte Verbindung 30"/>
+          <p:cNvCxnSpPr>
+            <a:stCxn id="20" idx="2"/>
+            <a:endCxn id="6" idx="1"/>
+          </p:cNvCxnSpPr>
+          <p:nvPr/>
+        </p:nvCxnSpPr>
+        <p:spPr>
+          <a:xfrm rot="5400000">
+            <a:off x="4075596" y="4441068"/>
+            <a:ext cx="3061270" cy="3218806"/>
+          </a:xfrm>
+          <a:prstGeom prst="bentConnector4">
+            <a:avLst>
+              <a:gd name="adj1" fmla="val 12662"/>
+              <a:gd name="adj2" fmla="val 107102"/>
+            </a:avLst>
+          </a:prstGeom>
+          <a:ln>
+            <a:tailEnd type="triangle"/>
+          </a:ln>
+        </p:spPr>
+        <p:style>
+          <a:lnRef idx="1">
+            <a:schemeClr val="accent1"/>
+          </a:lnRef>
+          <a:fillRef idx="0">
+            <a:schemeClr val="accent1"/>
+          </a:fillRef>
+          <a:effectRef idx="0">
+            <a:schemeClr val="accent1"/>
+          </a:effectRef>
+          <a:fontRef idx="minor">
+            <a:schemeClr val="tx1"/>
+          </a:fontRef>
+        </p:style>
+      </p:cxnSp>
     </p:spTree>
     <p:extLst>
       <p:ext uri="{BB962C8B-B14F-4D97-AF65-F5344CB8AC3E}">
@@ -12590,7 +14468,7 @@
           <a:p>
             <a:pPr algn="ctr"/>
             <a:r>
-              <a:rPr lang="de-DE" sz="1000" dirty="0" err="1" smtClean="0"/>
+              <a:rPr lang="de-DE" sz="1000" dirty="0" smtClean="0"/>
               <a:t>class</a:t>
             </a:r>
             <a:endParaRPr lang="de-DE" sz="1000" dirty="0"/>
@@ -12598,7 +14476,7 @@
           <a:p>
             <a:pPr algn="ctr"/>
             <a:r>
-              <a:rPr lang="de-DE" sz="1000" dirty="0" err="1" smtClean="0"/>
+              <a:rPr lang="de-DE" sz="1000" dirty="0" smtClean="0"/>
               <a:t>RequestHandler</a:t>
             </a:r>
             <a:endParaRPr lang="de-DE" sz="1000" dirty="0"/>
@@ -12882,12 +14760,8 @@
           <a:p>
             <a:pPr algn="ctr"/>
             <a:r>
-              <a:rPr lang="de-DE" sz="1000" dirty="0" err="1" smtClean="0"/>
-              <a:t>class</a:t>
-            </a:r>
-            <a:r>
               <a:rPr lang="de-DE" sz="1000" dirty="0" smtClean="0"/>
-              <a:t> </a:t>
+              <a:t>class </a:t>
             </a:r>
           </a:p>
           <a:p>
@@ -13111,10 +14985,9 @@
           <a:p>
             <a:pPr algn="ctr"/>
             <a:r>
-              <a:rPr lang="de-DE" sz="1000" dirty="0" err="1" smtClean="0"/>
+              <a:rPr lang="de-DE" sz="1000" dirty="0" smtClean="0"/>
               <a:t>handleRequest</a:t>
             </a:r>
-            <a:endParaRPr lang="de-DE" sz="1000" dirty="0" smtClean="0"/>
           </a:p>
         </p:txBody>
       </p:sp>
@@ -13285,18 +15158,14 @@
           <a:p>
             <a:pPr algn="ctr"/>
             <a:r>
-              <a:rPr lang="de-DE" sz="1000" dirty="0" err="1" smtClean="0"/>
-              <a:t>class</a:t>
+              <a:rPr lang="de-DE" sz="1000" dirty="0" smtClean="0"/>
+              <a:t>class </a:t>
             </a:r>
+          </a:p>
+          <a:p>
+            <a:pPr algn="ctr"/>
             <a:r>
               <a:rPr lang="de-DE" sz="1000" dirty="0" smtClean="0"/>
-              <a:t> </a:t>
-            </a:r>
-          </a:p>
-          <a:p>
-            <a:pPr algn="ctr"/>
-            <a:r>
-              <a:rPr lang="de-DE" sz="1000" dirty="0" err="1" smtClean="0"/>
               <a:t>WikiService</a:t>
             </a:r>
             <a:endParaRPr lang="de-DE" sz="1000" dirty="0"/>
@@ -13624,10 +15493,9 @@
           <a:p>
             <a:pPr algn="ctr"/>
             <a:r>
-              <a:rPr lang="de-DE" sz="1000" dirty="0" err="1" smtClean="0"/>
+              <a:rPr lang="de-DE" sz="1000" dirty="0" smtClean="0"/>
               <a:t>readWiki</a:t>
             </a:r>
-            <a:endParaRPr lang="de-DE" sz="1000" dirty="0" smtClean="0"/>
           </a:p>
         </p:txBody>
       </p:sp>
@@ -13770,10 +15638,9 @@
           <a:p>
             <a:pPr algn="ctr"/>
             <a:r>
-              <a:rPr lang="de-DE" sz="1000" dirty="0" err="1" smtClean="0"/>
+              <a:rPr lang="de-DE" sz="1000" dirty="0" smtClean="0"/>
               <a:t>createWiki</a:t>
             </a:r>
-            <a:endParaRPr lang="de-DE" sz="1000" dirty="0" smtClean="0"/>
           </a:p>
         </p:txBody>
       </p:sp>
@@ -13916,10 +15783,9 @@
           <a:p>
             <a:pPr algn="ctr"/>
             <a:r>
-              <a:rPr lang="de-DE" sz="1000" dirty="0" err="1" smtClean="0"/>
+              <a:rPr lang="de-DE" sz="1000" dirty="0" smtClean="0"/>
               <a:t>deleteWiki</a:t>
             </a:r>
-            <a:endParaRPr lang="de-DE" sz="1000" dirty="0" smtClean="0"/>
           </a:p>
         </p:txBody>
       </p:sp>

--- a/DOCS/Projektarbeit-2014-03-21.pptx
+++ b/DOCS/Projektarbeit-2014-03-21.pptx
@@ -196,7 +196,7 @@
           <a:p>
             <a:fld id="{85D3FC62-E30B-42A0-92D7-72EB9B604F79}" type="datetimeFigureOut">
               <a:rPr lang="de-DE" smtClean="0"/>
-              <a:t>10.04.2014</a:t>
+              <a:t>20.05.2014</a:t>
             </a:fld>
             <a:endParaRPr lang="de-DE" dirty="0"/>
           </a:p>
@@ -645,7 +645,7 @@
           <a:p>
             <a:fld id="{7433C20E-6825-4410-AA39-1AC6AC55EBFB}" type="datetimeFigureOut">
               <a:rPr lang="de-DE" smtClean="0"/>
-              <a:t>10.04.2014</a:t>
+              <a:t>20.05.2014</a:t>
             </a:fld>
             <a:endParaRPr lang="de-DE" dirty="0"/>
           </a:p>
@@ -815,7 +815,7 @@
           <a:p>
             <a:fld id="{7433C20E-6825-4410-AA39-1AC6AC55EBFB}" type="datetimeFigureOut">
               <a:rPr lang="de-DE" smtClean="0"/>
-              <a:t>10.04.2014</a:t>
+              <a:t>20.05.2014</a:t>
             </a:fld>
             <a:endParaRPr lang="de-DE" dirty="0"/>
           </a:p>
@@ -995,7 +995,7 @@
           <a:p>
             <a:fld id="{7433C20E-6825-4410-AA39-1AC6AC55EBFB}" type="datetimeFigureOut">
               <a:rPr lang="de-DE" smtClean="0"/>
-              <a:t>10.04.2014</a:t>
+              <a:t>20.05.2014</a:t>
             </a:fld>
             <a:endParaRPr lang="de-DE" dirty="0"/>
           </a:p>
@@ -1165,7 +1165,7 @@
           <a:p>
             <a:fld id="{7433C20E-6825-4410-AA39-1AC6AC55EBFB}" type="datetimeFigureOut">
               <a:rPr lang="de-DE" smtClean="0"/>
-              <a:t>10.04.2014</a:t>
+              <a:t>20.05.2014</a:t>
             </a:fld>
             <a:endParaRPr lang="de-DE" dirty="0"/>
           </a:p>
@@ -1411,7 +1411,7 @@
           <a:p>
             <a:fld id="{7433C20E-6825-4410-AA39-1AC6AC55EBFB}" type="datetimeFigureOut">
               <a:rPr lang="de-DE" smtClean="0"/>
-              <a:t>10.04.2014</a:t>
+              <a:t>20.05.2014</a:t>
             </a:fld>
             <a:endParaRPr lang="de-DE" dirty="0"/>
           </a:p>
@@ -1699,7 +1699,7 @@
           <a:p>
             <a:fld id="{7433C20E-6825-4410-AA39-1AC6AC55EBFB}" type="datetimeFigureOut">
               <a:rPr lang="de-DE" smtClean="0"/>
-              <a:t>10.04.2014</a:t>
+              <a:t>20.05.2014</a:t>
             </a:fld>
             <a:endParaRPr lang="de-DE" dirty="0"/>
           </a:p>
@@ -2126,7 +2126,7 @@
           <a:p>
             <a:fld id="{7433C20E-6825-4410-AA39-1AC6AC55EBFB}" type="datetimeFigureOut">
               <a:rPr lang="de-DE" smtClean="0"/>
-              <a:t>10.04.2014</a:t>
+              <a:t>20.05.2014</a:t>
             </a:fld>
             <a:endParaRPr lang="de-DE" dirty="0"/>
           </a:p>
@@ -2244,7 +2244,7 @@
           <a:p>
             <a:fld id="{7433C20E-6825-4410-AA39-1AC6AC55EBFB}" type="datetimeFigureOut">
               <a:rPr lang="de-DE" smtClean="0"/>
-              <a:t>10.04.2014</a:t>
+              <a:t>20.05.2014</a:t>
             </a:fld>
             <a:endParaRPr lang="de-DE" dirty="0"/>
           </a:p>
@@ -2339,7 +2339,7 @@
           <a:p>
             <a:fld id="{7433C20E-6825-4410-AA39-1AC6AC55EBFB}" type="datetimeFigureOut">
               <a:rPr lang="de-DE" smtClean="0"/>
-              <a:t>10.04.2014</a:t>
+              <a:t>20.05.2014</a:t>
             </a:fld>
             <a:endParaRPr lang="de-DE" dirty="0"/>
           </a:p>
@@ -2616,7 +2616,7 @@
           <a:p>
             <a:fld id="{7433C20E-6825-4410-AA39-1AC6AC55EBFB}" type="datetimeFigureOut">
               <a:rPr lang="de-DE" smtClean="0"/>
-              <a:t>10.04.2014</a:t>
+              <a:t>20.05.2014</a:t>
             </a:fld>
             <a:endParaRPr lang="de-DE" dirty="0"/>
           </a:p>
@@ -2869,7 +2869,7 @@
           <a:p>
             <a:fld id="{7433C20E-6825-4410-AA39-1AC6AC55EBFB}" type="datetimeFigureOut">
               <a:rPr lang="de-DE" smtClean="0"/>
-              <a:t>10.04.2014</a:t>
+              <a:t>20.05.2014</a:t>
             </a:fld>
             <a:endParaRPr lang="de-DE" dirty="0"/>
           </a:p>
@@ -3082,7 +3082,7 @@
           <a:p>
             <a:fld id="{7433C20E-6825-4410-AA39-1AC6AC55EBFB}" type="datetimeFigureOut">
               <a:rPr lang="de-DE" smtClean="0"/>
-              <a:t>10.04.2014</a:t>
+              <a:t>20.05.2014</a:t>
             </a:fld>
             <a:endParaRPr lang="de-DE" dirty="0"/>
           </a:p>
@@ -7697,6 +7697,381 @@
           </a:fontRef>
         </p:style>
       </p:cxnSp>
+      <p:graphicFrame>
+        <p:nvGraphicFramePr>
+          <p:cNvPr id="5" name="Tabelle 4"/>
+          <p:cNvGraphicFramePr>
+            <a:graphicFrameLocks noGrp="1"/>
+          </p:cNvGraphicFramePr>
+          <p:nvPr>
+            <p:extLst>
+              <p:ext uri="{D42A27DB-BD31-4B8C-83A1-F6EECF244321}">
+                <p14:modId xmlns:p14="http://schemas.microsoft.com/office/powerpoint/2010/main" val="2565465616"/>
+              </p:ext>
+            </p:extLst>
+          </p:nvPr>
+        </p:nvGraphicFramePr>
+        <p:xfrm>
+          <a:off x="1205656" y="5808712"/>
+          <a:ext cx="1917700" cy="762000"/>
+        </p:xfrm>
+        <a:graphic>
+          <a:graphicData uri="http://schemas.openxmlformats.org/drawingml/2006/table">
+            <a:tbl>
+              <a:tblPr/>
+              <a:tblGrid>
+                <a:gridCol w="1917700"/>
+              </a:tblGrid>
+              <a:tr h="190500">
+                <a:tc>
+                  <a:txBody>
+                    <a:bodyPr/>
+                    <a:lstStyle/>
+                    <a:p>
+                      <a:pPr algn="ctr" fontAlgn="b"/>
+                      <a:r>
+                        <a:rPr lang="de-DE" sz="1000" b="1" i="0" u="none" strike="noStrike">
+                          <a:solidFill>
+                            <a:srgbClr val="FFFFFF"/>
+                          </a:solidFill>
+                          <a:effectLst/>
+                          <a:latin typeface="Courier New"/>
+                        </a:rPr>
+                        <a:t>class UpdateWikiCommand</a:t>
+                      </a:r>
+                    </a:p>
+                  </a:txBody>
+                  <a:tcPr marL="9525" marR="9525" marT="9525" marB="0" anchor="b">
+                    <a:lnL w="6350" cap="flat" cmpd="sng" algn="ctr">
+                      <a:solidFill>
+                        <a:srgbClr val="000000"/>
+                      </a:solidFill>
+                      <a:prstDash val="solid"/>
+                      <a:round/>
+                      <a:headEnd type="none" w="med" len="med"/>
+                      <a:tailEnd type="none" w="med" len="med"/>
+                    </a:lnL>
+                    <a:lnR w="6350" cap="flat" cmpd="sng" algn="ctr">
+                      <a:solidFill>
+                        <a:srgbClr val="000000"/>
+                      </a:solidFill>
+                      <a:prstDash val="solid"/>
+                      <a:round/>
+                      <a:headEnd type="none" w="med" len="med"/>
+                      <a:tailEnd type="none" w="med" len="med"/>
+                    </a:lnR>
+                    <a:lnT w="6350" cap="flat" cmpd="sng" algn="ctr">
+                      <a:solidFill>
+                        <a:srgbClr val="000000"/>
+                      </a:solidFill>
+                      <a:prstDash val="solid"/>
+                      <a:round/>
+                      <a:headEnd type="none" w="med" len="med"/>
+                      <a:tailEnd type="none" w="med" len="med"/>
+                    </a:lnT>
+                    <a:lnB w="6350" cap="flat" cmpd="sng" algn="ctr">
+                      <a:solidFill>
+                        <a:srgbClr val="000000"/>
+                      </a:solidFill>
+                      <a:prstDash val="solid"/>
+                      <a:round/>
+                      <a:headEnd type="none" w="med" len="med"/>
+                      <a:tailEnd type="none" w="med" len="med"/>
+                    </a:lnB>
+                    <a:solidFill>
+                      <a:srgbClr val="4F81BD"/>
+                    </a:solidFill>
+                  </a:tcPr>
+                </a:tc>
+              </a:tr>
+              <a:tr h="190500">
+                <a:tc>
+                  <a:txBody>
+                    <a:bodyPr/>
+                    <a:lstStyle/>
+                    <a:p>
+                      <a:pPr algn="l" fontAlgn="ctr"/>
+                      <a:r>
+                        <a:rPr lang="de-DE" sz="1000" b="0" i="0" u="none" strike="noStrike">
+                          <a:solidFill>
+                            <a:srgbClr val="000000"/>
+                          </a:solidFill>
+                          <a:effectLst/>
+                          <a:latin typeface="Courier New"/>
+                        </a:rPr>
+                        <a:t>$wiki_service</a:t>
+                      </a:r>
+                    </a:p>
+                  </a:txBody>
+                  <a:tcPr marL="9525" marR="9525" marT="9525" marB="0" anchor="ctr">
+                    <a:lnL w="6350" cap="flat" cmpd="sng" algn="ctr">
+                      <a:solidFill>
+                        <a:srgbClr val="000000"/>
+                      </a:solidFill>
+                      <a:prstDash val="solid"/>
+                      <a:round/>
+                      <a:headEnd type="none" w="med" len="med"/>
+                      <a:tailEnd type="none" w="med" len="med"/>
+                    </a:lnL>
+                    <a:lnR w="6350" cap="flat" cmpd="sng" algn="ctr">
+                      <a:solidFill>
+                        <a:srgbClr val="000000"/>
+                      </a:solidFill>
+                      <a:prstDash val="solid"/>
+                      <a:round/>
+                      <a:headEnd type="none" w="med" len="med"/>
+                      <a:tailEnd type="none" w="med" len="med"/>
+                    </a:lnR>
+                    <a:lnT w="6350" cap="flat" cmpd="sng" algn="ctr">
+                      <a:solidFill>
+                        <a:srgbClr val="000000"/>
+                      </a:solidFill>
+                      <a:prstDash val="solid"/>
+                      <a:round/>
+                      <a:headEnd type="none" w="med" len="med"/>
+                      <a:tailEnd type="none" w="med" len="med"/>
+                    </a:lnT>
+                    <a:lnB w="6350" cap="flat" cmpd="sng" algn="ctr">
+                      <a:solidFill>
+                        <a:srgbClr val="000000"/>
+                      </a:solidFill>
+                      <a:prstDash val="solid"/>
+                      <a:round/>
+                      <a:headEnd type="none" w="med" len="med"/>
+                      <a:tailEnd type="none" w="med" len="med"/>
+                    </a:lnB>
+                    <a:solidFill>
+                      <a:srgbClr val="DCE6F1"/>
+                    </a:solidFill>
+                  </a:tcPr>
+                </a:tc>
+              </a:tr>
+              <a:tr h="190500">
+                <a:tc>
+                  <a:txBody>
+                    <a:bodyPr/>
+                    <a:lstStyle/>
+                    <a:p>
+                      <a:pPr algn="l" fontAlgn="ctr"/>
+                      <a:r>
+                        <a:rPr lang="de-DE" sz="1000" b="0" i="0" u="none" strike="noStrike">
+                          <a:solidFill>
+                            <a:srgbClr val="000000"/>
+                          </a:solidFill>
+                          <a:effectLst/>
+                          <a:latin typeface="Courier New"/>
+                        </a:rPr>
+                        <a:t>$wikis</a:t>
+                      </a:r>
+                    </a:p>
+                  </a:txBody>
+                  <a:tcPr marL="9525" marR="9525" marT="9525" marB="0" anchor="ctr">
+                    <a:lnL w="6350" cap="flat" cmpd="sng" algn="ctr">
+                      <a:solidFill>
+                        <a:srgbClr val="000000"/>
+                      </a:solidFill>
+                      <a:prstDash val="solid"/>
+                      <a:round/>
+                      <a:headEnd type="none" w="med" len="med"/>
+                      <a:tailEnd type="none" w="med" len="med"/>
+                    </a:lnL>
+                    <a:lnR w="6350" cap="flat" cmpd="sng" algn="ctr">
+                      <a:solidFill>
+                        <a:srgbClr val="000000"/>
+                      </a:solidFill>
+                      <a:prstDash val="solid"/>
+                      <a:round/>
+                      <a:headEnd type="none" w="med" len="med"/>
+                      <a:tailEnd type="none" w="med" len="med"/>
+                    </a:lnR>
+                    <a:lnT w="6350" cap="flat" cmpd="sng" algn="ctr">
+                      <a:solidFill>
+                        <a:srgbClr val="000000"/>
+                      </a:solidFill>
+                      <a:prstDash val="solid"/>
+                      <a:round/>
+                      <a:headEnd type="none" w="med" len="med"/>
+                      <a:tailEnd type="none" w="med" len="med"/>
+                    </a:lnT>
+                    <a:lnB w="6350" cap="flat" cmpd="sng" algn="ctr">
+                      <a:solidFill>
+                        <a:srgbClr val="000000"/>
+                      </a:solidFill>
+                      <a:prstDash val="solid"/>
+                      <a:round/>
+                      <a:headEnd type="none" w="med" len="med"/>
+                      <a:tailEnd type="none" w="med" len="med"/>
+                    </a:lnB>
+                    <a:solidFill>
+                      <a:srgbClr val="DCE6F1"/>
+                    </a:solidFill>
+                  </a:tcPr>
+                </a:tc>
+              </a:tr>
+              <a:tr h="190500">
+                <a:tc>
+                  <a:txBody>
+                    <a:bodyPr/>
+                    <a:lstStyle/>
+                    <a:p>
+                      <a:pPr algn="l" fontAlgn="ctr"/>
+                      <a:r>
+                        <a:rPr lang="de-DE" sz="1000" b="0" i="0" u="none" strike="noStrike" dirty="0" err="1">
+                          <a:solidFill>
+                            <a:srgbClr val="000000"/>
+                          </a:solidFill>
+                          <a:effectLst/>
+                          <a:latin typeface="Courier New"/>
+                        </a:rPr>
+                        <a:t>execute</a:t>
+                      </a:r>
+                      <a:r>
+                        <a:rPr lang="de-DE" sz="1000" b="0" i="0" u="none" strike="noStrike" dirty="0">
+                          <a:solidFill>
+                            <a:srgbClr val="000000"/>
+                          </a:solidFill>
+                          <a:effectLst/>
+                          <a:latin typeface="Courier New"/>
+                        </a:rPr>
+                        <a:t>()</a:t>
+                      </a:r>
+                    </a:p>
+                  </a:txBody>
+                  <a:tcPr marL="9525" marR="9525" marT="9525" marB="0" anchor="ctr">
+                    <a:lnL w="6350" cap="flat" cmpd="sng" algn="ctr">
+                      <a:solidFill>
+                        <a:srgbClr val="000000"/>
+                      </a:solidFill>
+                      <a:prstDash val="solid"/>
+                      <a:round/>
+                      <a:headEnd type="none" w="med" len="med"/>
+                      <a:tailEnd type="none" w="med" len="med"/>
+                    </a:lnL>
+                    <a:lnR w="6350" cap="flat" cmpd="sng" algn="ctr">
+                      <a:solidFill>
+                        <a:srgbClr val="000000"/>
+                      </a:solidFill>
+                      <a:prstDash val="solid"/>
+                      <a:round/>
+                      <a:headEnd type="none" w="med" len="med"/>
+                      <a:tailEnd type="none" w="med" len="med"/>
+                    </a:lnR>
+                    <a:lnT w="6350" cap="flat" cmpd="sng" algn="ctr">
+                      <a:solidFill>
+                        <a:srgbClr val="000000"/>
+                      </a:solidFill>
+                      <a:prstDash val="solid"/>
+                      <a:round/>
+                      <a:headEnd type="none" w="med" len="med"/>
+                      <a:tailEnd type="none" w="med" len="med"/>
+                    </a:lnT>
+                    <a:lnB w="6350" cap="flat" cmpd="sng" algn="ctr">
+                      <a:solidFill>
+                        <a:srgbClr val="000000"/>
+                      </a:solidFill>
+                      <a:prstDash val="solid"/>
+                      <a:round/>
+                      <a:headEnd type="none" w="med" len="med"/>
+                      <a:tailEnd type="none" w="med" len="med"/>
+                    </a:lnB>
+                    <a:solidFill>
+                      <a:srgbClr val="95B3D7"/>
+                    </a:solidFill>
+                  </a:tcPr>
+                </a:tc>
+              </a:tr>
+            </a:tbl>
+          </a:graphicData>
+        </a:graphic>
+      </p:graphicFrame>
+      <p:sp>
+        <p:nvSpPr>
+          <p:cNvPr id="16" name="Textfeld 15"/>
+          <p:cNvSpPr txBox="1"/>
+          <p:nvPr/>
+        </p:nvSpPr>
+        <p:spPr>
+          <a:xfrm>
+            <a:off x="2656384" y="4404420"/>
+            <a:ext cx="1512168" cy="230832"/>
+          </a:xfrm>
+          <a:prstGeom prst="rect">
+            <a:avLst/>
+          </a:prstGeom>
+          <a:noFill/>
+        </p:spPr>
+        <p:txBody>
+          <a:bodyPr wrap="square" rtlCol="0">
+            <a:spAutoFit/>
+          </a:bodyPr>
+          <a:lstStyle/>
+          <a:p>
+            <a:r>
+              <a:rPr lang="de-DE" sz="900" dirty="0" err="1" smtClean="0">
+                <a:latin typeface="Courier New" panose="02070309020205020404" pitchFamily="49" charset="0"/>
+                <a:cs typeface="Courier New" panose="02070309020205020404" pitchFamily="49" charset="0"/>
+              </a:rPr>
+              <a:t>update</a:t>
+            </a:r>
+            <a:r>
+              <a:rPr lang="de-DE" sz="900" dirty="0" err="1" smtClean="0">
+                <a:latin typeface="Courier New" panose="02070309020205020404" pitchFamily="49" charset="0"/>
+                <a:cs typeface="Courier New" panose="02070309020205020404" pitchFamily="49" charset="0"/>
+              </a:rPr>
+              <a:t>Wiki</a:t>
+            </a:r>
+            <a:r>
+              <a:rPr lang="de-DE" sz="900" dirty="0" smtClean="0">
+                <a:latin typeface="Courier New" panose="02070309020205020404" pitchFamily="49" charset="0"/>
+                <a:cs typeface="Courier New" panose="02070309020205020404" pitchFamily="49" charset="0"/>
+              </a:rPr>
+              <a:t>()</a:t>
+            </a:r>
+            <a:endParaRPr lang="de-DE" sz="900" dirty="0">
+              <a:latin typeface="Courier New" panose="02070309020205020404" pitchFamily="49" charset="0"/>
+              <a:cs typeface="Courier New" panose="02070309020205020404" pitchFamily="49" charset="0"/>
+            </a:endParaRPr>
+          </a:p>
+        </p:txBody>
+      </p:sp>
+      <p:cxnSp>
+        <p:nvCxnSpPr>
+          <p:cNvPr id="18" name="Gewinkelte Verbindung 17"/>
+          <p:cNvCxnSpPr>
+            <a:stCxn id="20" idx="2"/>
+            <a:endCxn id="5" idx="0"/>
+          </p:cNvCxnSpPr>
+          <p:nvPr/>
+        </p:nvCxnSpPr>
+        <p:spPr>
+          <a:xfrm rot="5400000">
+            <a:off x="4045632" y="2638710"/>
+            <a:ext cx="1288876" cy="5051128"/>
+          </a:xfrm>
+          <a:prstGeom prst="bentConnector3">
+            <a:avLst>
+              <a:gd name="adj1" fmla="val 13049"/>
+            </a:avLst>
+          </a:prstGeom>
+          <a:ln>
+            <a:tailEnd type="triangle"/>
+          </a:ln>
+        </p:spPr>
+        <p:style>
+          <a:lnRef idx="1">
+            <a:schemeClr val="accent1"/>
+          </a:lnRef>
+          <a:fillRef idx="0">
+            <a:schemeClr val="accent1"/>
+          </a:fillRef>
+          <a:effectRef idx="0">
+            <a:schemeClr val="accent1"/>
+          </a:effectRef>
+          <a:fontRef idx="minor">
+            <a:schemeClr val="tx1"/>
+          </a:fontRef>
+        </p:style>
+      </p:cxnSp>
     </p:spTree>
     <p:extLst>
       <p:ext uri="{BB962C8B-B14F-4D97-AF65-F5344CB8AC3E}">
